--- a/PalMod2022/docs/ppt/7_esm_environment_and_machine_files.pptx
+++ b/PalMod2022/docs/ppt/7_esm_environment_and_machine_files.pptx
@@ -4,18 +4,22 @@
   <p:sldMasterIdLst>
     <p:sldMasterId id="2147483648" r:id="rId1"/>
   </p:sldMasterIdLst>
+  <p:notesMasterIdLst>
+    <p:notesMasterId r:id="rId14"/>
+  </p:notesMasterIdLst>
   <p:sldIdLst>
-    <p:sldId id="262" r:id="rId2"/>
-    <p:sldId id="274" r:id="rId3"/>
-    <p:sldId id="275" r:id="rId4"/>
-    <p:sldId id="276" r:id="rId5"/>
-    <p:sldId id="277" r:id="rId6"/>
-    <p:sldId id="278" r:id="rId7"/>
-    <p:sldId id="279" r:id="rId8"/>
-    <p:sldId id="280" r:id="rId9"/>
-    <p:sldId id="281" r:id="rId10"/>
-    <p:sldId id="282" r:id="rId11"/>
-    <p:sldId id="283" r:id="rId12"/>
+    <p:sldId id="256" r:id="rId2"/>
+    <p:sldId id="262" r:id="rId3"/>
+    <p:sldId id="274" r:id="rId4"/>
+    <p:sldId id="275" r:id="rId5"/>
+    <p:sldId id="276" r:id="rId6"/>
+    <p:sldId id="277" r:id="rId7"/>
+    <p:sldId id="278" r:id="rId8"/>
+    <p:sldId id="279" r:id="rId9"/>
+    <p:sldId id="280" r:id="rId10"/>
+    <p:sldId id="281" r:id="rId11"/>
+    <p:sldId id="282" r:id="rId12"/>
+    <p:sldId id="283" r:id="rId13"/>
   </p:sldIdLst>
   <p:sldSz cx="12192000" cy="6858000"/>
   <p:notesSz cx="6858000" cy="9144000"/>
@@ -122,6 +126,443 @@
 </p:presentation>
 </file>
 
+<file path=ppt/notesMasters/notesMaster1.xml><?xml version="1.0" encoding="utf-8"?>
+<p:notesMaster xmlns:a="http://schemas.openxmlformats.org/drawingml/2006/main" xmlns:r="http://schemas.openxmlformats.org/officeDocument/2006/relationships" xmlns:p="http://schemas.openxmlformats.org/presentationml/2006/main">
+  <p:cSld>
+    <p:bg>
+      <p:bgRef idx="1001">
+        <a:schemeClr val="bg1"/>
+      </p:bgRef>
+    </p:bg>
+    <p:spTree>
+      <p:nvGrpSpPr>
+        <p:cNvPr id="1" name=""/>
+        <p:cNvGrpSpPr/>
+        <p:nvPr/>
+      </p:nvGrpSpPr>
+      <p:grpSpPr>
+        <a:xfrm>
+          <a:off x="0" y="0"/>
+          <a:ext cx="0" cy="0"/>
+          <a:chOff x="0" y="0"/>
+          <a:chExt cx="0" cy="0"/>
+        </a:xfrm>
+      </p:grpSpPr>
+      <p:sp>
+        <p:nvSpPr>
+          <p:cNvPr id="2" name="Header Placeholder 1"/>
+          <p:cNvSpPr>
+            <a:spLocks noGrp="1"/>
+          </p:cNvSpPr>
+          <p:nvPr>
+            <p:ph type="hdr" sz="quarter"/>
+          </p:nvPr>
+        </p:nvSpPr>
+        <p:spPr>
+          <a:xfrm>
+            <a:off x="0" y="0"/>
+            <a:ext cx="2971800" cy="458788"/>
+          </a:xfrm>
+          <a:prstGeom prst="rect">
+            <a:avLst/>
+          </a:prstGeom>
+        </p:spPr>
+        <p:txBody>
+          <a:bodyPr vert="horz" lIns="91440" tIns="45720" rIns="91440" bIns="45720" rtlCol="0"/>
+          <a:lstStyle>
+            <a:lvl1pPr algn="l">
+              <a:defRPr sz="1200"/>
+            </a:lvl1pPr>
+          </a:lstStyle>
+          <a:p>
+            <a:endParaRPr lang="en-GB"/>
+          </a:p>
+        </p:txBody>
+      </p:sp>
+      <p:sp>
+        <p:nvSpPr>
+          <p:cNvPr id="3" name="Date Placeholder 2"/>
+          <p:cNvSpPr>
+            <a:spLocks noGrp="1"/>
+          </p:cNvSpPr>
+          <p:nvPr>
+            <p:ph type="dt" idx="1"/>
+          </p:nvPr>
+        </p:nvSpPr>
+        <p:spPr>
+          <a:xfrm>
+            <a:off x="3884613" y="0"/>
+            <a:ext cx="2971800" cy="458788"/>
+          </a:xfrm>
+          <a:prstGeom prst="rect">
+            <a:avLst/>
+          </a:prstGeom>
+        </p:spPr>
+        <p:txBody>
+          <a:bodyPr vert="horz" lIns="91440" tIns="45720" rIns="91440" bIns="45720" rtlCol="0"/>
+          <a:lstStyle>
+            <a:lvl1pPr algn="r">
+              <a:defRPr sz="1200"/>
+            </a:lvl1pPr>
+          </a:lstStyle>
+          <a:p>
+            <a:fld id="{89077C54-82B8-654A-9CA2-0A589C401384}" type="datetimeFigureOut">
+              <a:rPr lang="en-GB" smtClean="0"/>
+              <a:t>19/04/2022</a:t>
+            </a:fld>
+            <a:endParaRPr lang="en-GB"/>
+          </a:p>
+        </p:txBody>
+      </p:sp>
+      <p:sp>
+        <p:nvSpPr>
+          <p:cNvPr id="4" name="Slide Image Placeholder 3"/>
+          <p:cNvSpPr>
+            <a:spLocks noGrp="1" noRot="1" noChangeAspect="1"/>
+          </p:cNvSpPr>
+          <p:nvPr>
+            <p:ph type="sldImg" idx="2"/>
+          </p:nvPr>
+        </p:nvSpPr>
+        <p:spPr>
+          <a:xfrm>
+            <a:off x="685800" y="1143000"/>
+            <a:ext cx="5486400" cy="3086100"/>
+          </a:xfrm>
+          <a:prstGeom prst="rect">
+            <a:avLst/>
+          </a:prstGeom>
+          <a:noFill/>
+          <a:ln w="12700">
+            <a:solidFill>
+              <a:prstClr val="black"/>
+            </a:solidFill>
+          </a:ln>
+        </p:spPr>
+        <p:txBody>
+          <a:bodyPr vert="horz" lIns="91440" tIns="45720" rIns="91440" bIns="45720" rtlCol="0" anchor="ctr"/>
+          <a:lstStyle/>
+          <a:p>
+            <a:endParaRPr lang="en-GB"/>
+          </a:p>
+        </p:txBody>
+      </p:sp>
+      <p:sp>
+        <p:nvSpPr>
+          <p:cNvPr id="5" name="Notes Placeholder 4"/>
+          <p:cNvSpPr>
+            <a:spLocks noGrp="1"/>
+          </p:cNvSpPr>
+          <p:nvPr>
+            <p:ph type="body" sz="quarter" idx="3"/>
+          </p:nvPr>
+        </p:nvSpPr>
+        <p:spPr>
+          <a:xfrm>
+            <a:off x="685800" y="4400550"/>
+            <a:ext cx="5486400" cy="3600450"/>
+          </a:xfrm>
+          <a:prstGeom prst="rect">
+            <a:avLst/>
+          </a:prstGeom>
+        </p:spPr>
+        <p:txBody>
+          <a:bodyPr vert="horz" lIns="91440" tIns="45720" rIns="91440" bIns="45720" rtlCol="0"/>
+          <a:lstStyle/>
+          <a:p>
+            <a:pPr lvl="0"/>
+            <a:r>
+              <a:rPr lang="en-US"/>
+              <a:t>Click to edit Master text styles</a:t>
+            </a:r>
+          </a:p>
+          <a:p>
+            <a:pPr lvl="1"/>
+            <a:r>
+              <a:rPr lang="en-US"/>
+              <a:t>Second level</a:t>
+            </a:r>
+          </a:p>
+          <a:p>
+            <a:pPr lvl="2"/>
+            <a:r>
+              <a:rPr lang="en-US"/>
+              <a:t>Third level</a:t>
+            </a:r>
+          </a:p>
+          <a:p>
+            <a:pPr lvl="3"/>
+            <a:r>
+              <a:rPr lang="en-US"/>
+              <a:t>Fourth level</a:t>
+            </a:r>
+          </a:p>
+          <a:p>
+            <a:pPr lvl="4"/>
+            <a:r>
+              <a:rPr lang="en-US"/>
+              <a:t>Fifth level</a:t>
+            </a:r>
+            <a:endParaRPr lang="en-GB"/>
+          </a:p>
+        </p:txBody>
+      </p:sp>
+      <p:sp>
+        <p:nvSpPr>
+          <p:cNvPr id="6" name="Footer Placeholder 5"/>
+          <p:cNvSpPr>
+            <a:spLocks noGrp="1"/>
+          </p:cNvSpPr>
+          <p:nvPr>
+            <p:ph type="ftr" sz="quarter" idx="4"/>
+          </p:nvPr>
+        </p:nvSpPr>
+        <p:spPr>
+          <a:xfrm>
+            <a:off x="0" y="8685213"/>
+            <a:ext cx="2971800" cy="458787"/>
+          </a:xfrm>
+          <a:prstGeom prst="rect">
+            <a:avLst/>
+          </a:prstGeom>
+        </p:spPr>
+        <p:txBody>
+          <a:bodyPr vert="horz" lIns="91440" tIns="45720" rIns="91440" bIns="45720" rtlCol="0" anchor="b"/>
+          <a:lstStyle>
+            <a:lvl1pPr algn="l">
+              <a:defRPr sz="1200"/>
+            </a:lvl1pPr>
+          </a:lstStyle>
+          <a:p>
+            <a:endParaRPr lang="en-GB"/>
+          </a:p>
+        </p:txBody>
+      </p:sp>
+      <p:sp>
+        <p:nvSpPr>
+          <p:cNvPr id="7" name="Slide Number Placeholder 6"/>
+          <p:cNvSpPr>
+            <a:spLocks noGrp="1"/>
+          </p:cNvSpPr>
+          <p:nvPr>
+            <p:ph type="sldNum" sz="quarter" idx="5"/>
+          </p:nvPr>
+        </p:nvSpPr>
+        <p:spPr>
+          <a:xfrm>
+            <a:off x="3884613" y="8685213"/>
+            <a:ext cx="2971800" cy="458787"/>
+          </a:xfrm>
+          <a:prstGeom prst="rect">
+            <a:avLst/>
+          </a:prstGeom>
+        </p:spPr>
+        <p:txBody>
+          <a:bodyPr vert="horz" lIns="91440" tIns="45720" rIns="91440" bIns="45720" rtlCol="0" anchor="b"/>
+          <a:lstStyle>
+            <a:lvl1pPr algn="r">
+              <a:defRPr sz="1200"/>
+            </a:lvl1pPr>
+          </a:lstStyle>
+          <a:p>
+            <a:fld id="{A9331A3B-DCB4-9A4D-B12B-6C08A7E3D4F5}" type="slidenum">
+              <a:rPr lang="en-GB" smtClean="0"/>
+              <a:t>‹#›</a:t>
+            </a:fld>
+            <a:endParaRPr lang="en-GB"/>
+          </a:p>
+        </p:txBody>
+      </p:sp>
+    </p:spTree>
+    <p:extLst>
+      <p:ext uri="{BB962C8B-B14F-4D97-AF65-F5344CB8AC3E}">
+        <p14:creationId xmlns:p14="http://schemas.microsoft.com/office/powerpoint/2010/main" val="1199208276"/>
+      </p:ext>
+    </p:extLst>
+  </p:cSld>
+  <p:clrMap bg1="lt1" tx1="dk1" bg2="lt2" tx2="dk2" accent1="accent1" accent2="accent2" accent3="accent3" accent4="accent4" accent5="accent5" accent6="accent6" hlink="hlink" folHlink="folHlink"/>
+  <p:notesStyle>
+    <a:lvl1pPr marL="0" algn="l" defTabSz="914400" rtl="0" eaLnBrk="1" latinLnBrk="0" hangingPunct="1">
+      <a:defRPr sz="1200" kern="1200">
+        <a:solidFill>
+          <a:schemeClr val="tx1"/>
+        </a:solidFill>
+        <a:latin typeface="+mn-lt"/>
+        <a:ea typeface="+mn-ea"/>
+        <a:cs typeface="+mn-cs"/>
+      </a:defRPr>
+    </a:lvl1pPr>
+    <a:lvl2pPr marL="457200" algn="l" defTabSz="914400" rtl="0" eaLnBrk="1" latinLnBrk="0" hangingPunct="1">
+      <a:defRPr sz="1200" kern="1200">
+        <a:solidFill>
+          <a:schemeClr val="tx1"/>
+        </a:solidFill>
+        <a:latin typeface="+mn-lt"/>
+        <a:ea typeface="+mn-ea"/>
+        <a:cs typeface="+mn-cs"/>
+      </a:defRPr>
+    </a:lvl2pPr>
+    <a:lvl3pPr marL="914400" algn="l" defTabSz="914400" rtl="0" eaLnBrk="1" latinLnBrk="0" hangingPunct="1">
+      <a:defRPr sz="1200" kern="1200">
+        <a:solidFill>
+          <a:schemeClr val="tx1"/>
+        </a:solidFill>
+        <a:latin typeface="+mn-lt"/>
+        <a:ea typeface="+mn-ea"/>
+        <a:cs typeface="+mn-cs"/>
+      </a:defRPr>
+    </a:lvl3pPr>
+    <a:lvl4pPr marL="1371600" algn="l" defTabSz="914400" rtl="0" eaLnBrk="1" latinLnBrk="0" hangingPunct="1">
+      <a:defRPr sz="1200" kern="1200">
+        <a:solidFill>
+          <a:schemeClr val="tx1"/>
+        </a:solidFill>
+        <a:latin typeface="+mn-lt"/>
+        <a:ea typeface="+mn-ea"/>
+        <a:cs typeface="+mn-cs"/>
+      </a:defRPr>
+    </a:lvl4pPr>
+    <a:lvl5pPr marL="1828800" algn="l" defTabSz="914400" rtl="0" eaLnBrk="1" latinLnBrk="0" hangingPunct="1">
+      <a:defRPr sz="1200" kern="1200">
+        <a:solidFill>
+          <a:schemeClr val="tx1"/>
+        </a:solidFill>
+        <a:latin typeface="+mn-lt"/>
+        <a:ea typeface="+mn-ea"/>
+        <a:cs typeface="+mn-cs"/>
+      </a:defRPr>
+    </a:lvl5pPr>
+    <a:lvl6pPr marL="2286000" algn="l" defTabSz="914400" rtl="0" eaLnBrk="1" latinLnBrk="0" hangingPunct="1">
+      <a:defRPr sz="1200" kern="1200">
+        <a:solidFill>
+          <a:schemeClr val="tx1"/>
+        </a:solidFill>
+        <a:latin typeface="+mn-lt"/>
+        <a:ea typeface="+mn-ea"/>
+        <a:cs typeface="+mn-cs"/>
+      </a:defRPr>
+    </a:lvl6pPr>
+    <a:lvl7pPr marL="2743200" algn="l" defTabSz="914400" rtl="0" eaLnBrk="1" latinLnBrk="0" hangingPunct="1">
+      <a:defRPr sz="1200" kern="1200">
+        <a:solidFill>
+          <a:schemeClr val="tx1"/>
+        </a:solidFill>
+        <a:latin typeface="+mn-lt"/>
+        <a:ea typeface="+mn-ea"/>
+        <a:cs typeface="+mn-cs"/>
+      </a:defRPr>
+    </a:lvl7pPr>
+    <a:lvl8pPr marL="3200400" algn="l" defTabSz="914400" rtl="0" eaLnBrk="1" latinLnBrk="0" hangingPunct="1">
+      <a:defRPr sz="1200" kern="1200">
+        <a:solidFill>
+          <a:schemeClr val="tx1"/>
+        </a:solidFill>
+        <a:latin typeface="+mn-lt"/>
+        <a:ea typeface="+mn-ea"/>
+        <a:cs typeface="+mn-cs"/>
+      </a:defRPr>
+    </a:lvl8pPr>
+    <a:lvl9pPr marL="3657600" algn="l" defTabSz="914400" rtl="0" eaLnBrk="1" latinLnBrk="0" hangingPunct="1">
+      <a:defRPr sz="1200" kern="1200">
+        <a:solidFill>
+          <a:schemeClr val="tx1"/>
+        </a:solidFill>
+        <a:latin typeface="+mn-lt"/>
+        <a:ea typeface="+mn-ea"/>
+        <a:cs typeface="+mn-cs"/>
+      </a:defRPr>
+    </a:lvl9pPr>
+  </p:notesStyle>
+</p:notesMaster>
+</file>
+
+<file path=ppt/notesSlides/notesSlide1.xml><?xml version="1.0" encoding="utf-8"?>
+<p:notes xmlns:a="http://schemas.openxmlformats.org/drawingml/2006/main" xmlns:r="http://schemas.openxmlformats.org/officeDocument/2006/relationships" xmlns:p="http://schemas.openxmlformats.org/presentationml/2006/main">
+  <p:cSld>
+    <p:spTree>
+      <p:nvGrpSpPr>
+        <p:cNvPr id="1" name=""/>
+        <p:cNvGrpSpPr/>
+        <p:nvPr/>
+      </p:nvGrpSpPr>
+      <p:grpSpPr>
+        <a:xfrm>
+          <a:off x="0" y="0"/>
+          <a:ext cx="0" cy="0"/>
+          <a:chOff x="0" y="0"/>
+          <a:chExt cx="0" cy="0"/>
+        </a:xfrm>
+      </p:grpSpPr>
+      <p:sp>
+        <p:nvSpPr>
+          <p:cNvPr id="2" name="Slide Image Placeholder 1"/>
+          <p:cNvSpPr>
+            <a:spLocks noGrp="1" noRot="1" noChangeAspect="1"/>
+          </p:cNvSpPr>
+          <p:nvPr>
+            <p:ph type="sldImg"/>
+          </p:nvPr>
+        </p:nvSpPr>
+        <p:spPr/>
+      </p:sp>
+      <p:sp>
+        <p:nvSpPr>
+          <p:cNvPr id="3" name="Notes Placeholder 2"/>
+          <p:cNvSpPr>
+            <a:spLocks noGrp="1"/>
+          </p:cNvSpPr>
+          <p:nvPr>
+            <p:ph type="body" idx="1"/>
+          </p:nvPr>
+        </p:nvSpPr>
+        <p:spPr/>
+        <p:txBody>
+          <a:bodyPr/>
+          <a:lstStyle/>
+          <a:p>
+            <a:r>
+              <a:rPr lang="tr-TR"/>
+              <a:t>Deniz: split to another powerpoint file</a:t>
+            </a:r>
+          </a:p>
+        </p:txBody>
+      </p:sp>
+      <p:sp>
+        <p:nvSpPr>
+          <p:cNvPr id="4" name="Slide Number Placeholder 3"/>
+          <p:cNvSpPr>
+            <a:spLocks noGrp="1"/>
+          </p:cNvSpPr>
+          <p:nvPr>
+            <p:ph type="sldNum" sz="quarter" idx="10"/>
+          </p:nvPr>
+        </p:nvSpPr>
+        <p:spPr/>
+        <p:txBody>
+          <a:bodyPr/>
+          <a:lstStyle/>
+          <a:p>
+            <a:fld id="{2C44A82D-0EB8-4BFC-931E-F0AB6B26A44C}" type="slidenum">
+              <a:rPr lang="tr-TR" smtClean="0"/>
+              <a:t>1</a:t>
+            </a:fld>
+            <a:endParaRPr lang="tr-TR"/>
+          </a:p>
+        </p:txBody>
+      </p:sp>
+    </p:spTree>
+    <p:extLst>
+      <p:ext uri="{BB962C8B-B14F-4D97-AF65-F5344CB8AC3E}">
+        <p14:creationId xmlns:p14="http://schemas.microsoft.com/office/powerpoint/2010/main" val="3106945083"/>
+      </p:ext>
+    </p:extLst>
+  </p:cSld>
+  <p:clrMapOvr>
+    <a:masterClrMapping/>
+  </p:clrMapOvr>
+</p:notes>
+</file>
+
 <file path=ppt/slideLayouts/slideLayout1.xml><?xml version="1.0" encoding="utf-8"?>
 <p:sldLayout xmlns:a="http://schemas.openxmlformats.org/drawingml/2006/main" xmlns:r="http://schemas.openxmlformats.org/officeDocument/2006/relationships" xmlns:p="http://schemas.openxmlformats.org/presentationml/2006/main" type="title" preserve="1">
   <p:cSld name="Title Slide">
@@ -253,7 +694,7 @@
           <a:p>
             <a:fld id="{6A96EA6E-A9F3-40C8-A047-16E35C64F658}" type="datetimeFigureOut">
               <a:rPr lang="tr-TR" smtClean="0"/>
-              <a:t>18.04.2022</a:t>
+              <a:t>19.04.2022</a:t>
             </a:fld>
             <a:endParaRPr lang="tr-TR"/>
           </a:p>
@@ -423,7 +864,7 @@
           <a:p>
             <a:fld id="{6A96EA6E-A9F3-40C8-A047-16E35C64F658}" type="datetimeFigureOut">
               <a:rPr lang="tr-TR" smtClean="0"/>
-              <a:t>18.04.2022</a:t>
+              <a:t>19.04.2022</a:t>
             </a:fld>
             <a:endParaRPr lang="tr-TR"/>
           </a:p>
@@ -603,7 +1044,7 @@
           <a:p>
             <a:fld id="{6A96EA6E-A9F3-40C8-A047-16E35C64F658}" type="datetimeFigureOut">
               <a:rPr lang="tr-TR" smtClean="0"/>
-              <a:t>18.04.2022</a:t>
+              <a:t>19.04.2022</a:t>
             </a:fld>
             <a:endParaRPr lang="tr-TR"/>
           </a:p>
@@ -773,7 +1214,7 @@
           <a:p>
             <a:fld id="{6A96EA6E-A9F3-40C8-A047-16E35C64F658}" type="datetimeFigureOut">
               <a:rPr lang="tr-TR" smtClean="0"/>
-              <a:t>18.04.2022</a:t>
+              <a:t>19.04.2022</a:t>
             </a:fld>
             <a:endParaRPr lang="tr-TR"/>
           </a:p>
@@ -1019,7 +1460,7 @@
           <a:p>
             <a:fld id="{6A96EA6E-A9F3-40C8-A047-16E35C64F658}" type="datetimeFigureOut">
               <a:rPr lang="tr-TR" smtClean="0"/>
-              <a:t>18.04.2022</a:t>
+              <a:t>19.04.2022</a:t>
             </a:fld>
             <a:endParaRPr lang="tr-TR"/>
           </a:p>
@@ -1251,7 +1692,7 @@
           <a:p>
             <a:fld id="{6A96EA6E-A9F3-40C8-A047-16E35C64F658}" type="datetimeFigureOut">
               <a:rPr lang="tr-TR" smtClean="0"/>
-              <a:t>18.04.2022</a:t>
+              <a:t>19.04.2022</a:t>
             </a:fld>
             <a:endParaRPr lang="tr-TR"/>
           </a:p>
@@ -1618,7 +2059,7 @@
           <a:p>
             <a:fld id="{6A96EA6E-A9F3-40C8-A047-16E35C64F658}" type="datetimeFigureOut">
               <a:rPr lang="tr-TR" smtClean="0"/>
-              <a:t>18.04.2022</a:t>
+              <a:t>19.04.2022</a:t>
             </a:fld>
             <a:endParaRPr lang="tr-TR"/>
           </a:p>
@@ -1736,7 +2177,7 @@
           <a:p>
             <a:fld id="{6A96EA6E-A9F3-40C8-A047-16E35C64F658}" type="datetimeFigureOut">
               <a:rPr lang="tr-TR" smtClean="0"/>
-              <a:t>18.04.2022</a:t>
+              <a:t>19.04.2022</a:t>
             </a:fld>
             <a:endParaRPr lang="tr-TR"/>
           </a:p>
@@ -1831,7 +2272,7 @@
           <a:p>
             <a:fld id="{6A96EA6E-A9F3-40C8-A047-16E35C64F658}" type="datetimeFigureOut">
               <a:rPr lang="tr-TR" smtClean="0"/>
-              <a:t>18.04.2022</a:t>
+              <a:t>19.04.2022</a:t>
             </a:fld>
             <a:endParaRPr lang="tr-TR"/>
           </a:p>
@@ -2108,7 +2549,7 @@
           <a:p>
             <a:fld id="{6A96EA6E-A9F3-40C8-A047-16E35C64F658}" type="datetimeFigureOut">
               <a:rPr lang="tr-TR" smtClean="0"/>
-              <a:t>18.04.2022</a:t>
+              <a:t>19.04.2022</a:t>
             </a:fld>
             <a:endParaRPr lang="tr-TR"/>
           </a:p>
@@ -2361,7 +2802,7 @@
           <a:p>
             <a:fld id="{6A96EA6E-A9F3-40C8-A047-16E35C64F658}" type="datetimeFigureOut">
               <a:rPr lang="tr-TR" smtClean="0"/>
-              <a:t>18.04.2022</a:t>
+              <a:t>19.04.2022</a:t>
             </a:fld>
             <a:endParaRPr lang="tr-TR"/>
           </a:p>
@@ -2574,7 +3015,7 @@
           <a:p>
             <a:fld id="{6A96EA6E-A9F3-40C8-A047-16E35C64F658}" type="datetimeFigureOut">
               <a:rPr lang="tr-TR" smtClean="0"/>
-              <a:t>18.04.2022</a:t>
+              <a:t>19.04.2022</a:t>
             </a:fld>
             <a:endParaRPr lang="tr-TR"/>
           </a:p>
@@ -2981,6 +3422,229 @@
       </p:grpSpPr>
       <p:sp>
         <p:nvSpPr>
+          <p:cNvPr id="4" name="Rectangle 3"/>
+          <p:cNvSpPr/>
+          <p:nvPr/>
+        </p:nvSpPr>
+        <p:spPr>
+          <a:xfrm>
+            <a:off x="0" y="2265899"/>
+            <a:ext cx="12192000" cy="2326203"/>
+          </a:xfrm>
+          <a:prstGeom prst="rect">
+            <a:avLst/>
+          </a:prstGeom>
+          <a:solidFill>
+            <a:srgbClr val="00ACE6"/>
+          </a:solidFill>
+          <a:ln>
+            <a:noFill/>
+          </a:ln>
+        </p:spPr>
+        <p:style>
+          <a:lnRef idx="2">
+            <a:schemeClr val="accent1">
+              <a:shade val="50000"/>
+            </a:schemeClr>
+          </a:lnRef>
+          <a:fillRef idx="1">
+            <a:schemeClr val="accent1"/>
+          </a:fillRef>
+          <a:effectRef idx="0">
+            <a:schemeClr val="accent1"/>
+          </a:effectRef>
+          <a:fontRef idx="minor">
+            <a:schemeClr val="lt1"/>
+          </a:fontRef>
+        </p:style>
+        <p:txBody>
+          <a:bodyPr rtlCol="0" anchor="ctr"/>
+          <a:lstStyle/>
+          <a:p>
+            <a:pPr algn="ctr"/>
+            <a:r>
+              <a:rPr lang="tr-TR" sz="4800" b="1" dirty="0">
+                <a:solidFill>
+                  <a:prstClr val="white"/>
+                </a:solidFill>
+              </a:rPr>
+              <a:t> </a:t>
+            </a:r>
+          </a:p>
+          <a:p>
+            <a:pPr algn="ctr"/>
+            <a:r>
+              <a:rPr lang="tr-TR" sz="4800" b="1" dirty="0">
+                <a:solidFill>
+                  <a:prstClr val="white"/>
+                </a:solidFill>
+              </a:rPr>
+              <a:t>Machine </a:t>
+            </a:r>
+            <a:r>
+              <a:rPr lang="tr-TR" sz="4800" b="1" dirty="0" err="1">
+                <a:solidFill>
+                  <a:prstClr val="white"/>
+                </a:solidFill>
+              </a:rPr>
+              <a:t>files</a:t>
+            </a:r>
+            <a:r>
+              <a:rPr lang="tr-TR" sz="4800" b="1" dirty="0">
+                <a:solidFill>
+                  <a:prstClr val="white"/>
+                </a:solidFill>
+              </a:rPr>
+              <a:t> </a:t>
+            </a:r>
+            <a:r>
+              <a:rPr lang="tr-TR" sz="4800" b="1" dirty="0" err="1">
+                <a:solidFill>
+                  <a:prstClr val="white"/>
+                </a:solidFill>
+              </a:rPr>
+              <a:t>and</a:t>
+            </a:r>
+            <a:r>
+              <a:rPr lang="tr-TR" sz="4800" b="1" dirty="0">
+                <a:solidFill>
+                  <a:prstClr val="white"/>
+                </a:solidFill>
+              </a:rPr>
+              <a:t> </a:t>
+            </a:r>
+            <a:r>
+              <a:rPr lang="tr-TR" sz="4800" b="1" dirty="0" err="1">
+                <a:solidFill>
+                  <a:prstClr val="white"/>
+                </a:solidFill>
+              </a:rPr>
+              <a:t>environment_changes</a:t>
+            </a:r>
+            <a:endParaRPr lang="tr-TR" sz="4800" b="1" dirty="0">
+              <a:solidFill>
+                <a:prstClr val="white"/>
+              </a:solidFill>
+            </a:endParaRPr>
+          </a:p>
+        </p:txBody>
+      </p:sp>
+      <p:sp>
+        <p:nvSpPr>
+          <p:cNvPr id="6" name="Oval 5"/>
+          <p:cNvSpPr/>
+          <p:nvPr/>
+        </p:nvSpPr>
+        <p:spPr>
+          <a:xfrm>
+            <a:off x="5747497" y="2590943"/>
+            <a:ext cx="697006" cy="697006"/>
+          </a:xfrm>
+          <a:prstGeom prst="ellipse">
+            <a:avLst/>
+          </a:prstGeom>
+          <a:solidFill>
+            <a:schemeClr val="bg1"/>
+          </a:solidFill>
+          <a:ln>
+            <a:noFill/>
+          </a:ln>
+        </p:spPr>
+        <p:style>
+          <a:lnRef idx="2">
+            <a:schemeClr val="accent1">
+              <a:shade val="50000"/>
+            </a:schemeClr>
+          </a:lnRef>
+          <a:fillRef idx="1">
+            <a:schemeClr val="accent1"/>
+          </a:fillRef>
+          <a:effectRef idx="0">
+            <a:schemeClr val="accent1"/>
+          </a:effectRef>
+          <a:fontRef idx="minor">
+            <a:schemeClr val="lt1"/>
+          </a:fontRef>
+        </p:style>
+        <p:txBody>
+          <a:bodyPr rtlCol="0" anchor="ctr"/>
+          <a:lstStyle/>
+          <a:p>
+            <a:pPr algn="ctr"/>
+            <a:r>
+              <a:rPr lang="tr-TR" sz="4800" b="1" dirty="0">
+                <a:solidFill>
+                  <a:srgbClr val="00ACE6"/>
+                </a:solidFill>
+              </a:rPr>
+              <a:t>7</a:t>
+            </a:r>
+          </a:p>
+        </p:txBody>
+      </p:sp>
+      <p:sp>
+        <p:nvSpPr>
+          <p:cNvPr id="7" name="Slide Number Placeholder 4"/>
+          <p:cNvSpPr>
+            <a:spLocks noGrp="1"/>
+          </p:cNvSpPr>
+          <p:nvPr>
+            <p:ph type="sldNum" sz="quarter" idx="12"/>
+          </p:nvPr>
+        </p:nvSpPr>
+        <p:spPr>
+          <a:xfrm>
+            <a:off x="11623040" y="6485550"/>
+            <a:ext cx="568960" cy="372450"/>
+          </a:xfrm>
+          <a:solidFill>
+            <a:schemeClr val="bg2"/>
+          </a:solidFill>
+        </p:spPr>
+        <p:txBody>
+          <a:bodyPr/>
+          <a:lstStyle/>
+          <a:p>
+            <a:pPr algn="ctr"/>
+            <a:r>
+              <a:rPr lang="tr-TR" sz="1000"/>
+              <a:t>1 / 6</a:t>
+            </a:r>
+          </a:p>
+        </p:txBody>
+      </p:sp>
+    </p:spTree>
+    <p:extLst>
+      <p:ext uri="{BB962C8B-B14F-4D97-AF65-F5344CB8AC3E}">
+        <p14:creationId xmlns:p14="http://schemas.microsoft.com/office/powerpoint/2010/main" val="2310755814"/>
+      </p:ext>
+    </p:extLst>
+  </p:cSld>
+  <p:clrMapOvr>
+    <a:masterClrMapping/>
+  </p:clrMapOvr>
+</p:sld>
+</file>
+
+<file path=ppt/slides/slide10.xml><?xml version="1.0" encoding="utf-8"?>
+<p:sld xmlns:a="http://schemas.openxmlformats.org/drawingml/2006/main" xmlns:r="http://schemas.openxmlformats.org/officeDocument/2006/relationships" xmlns:p="http://schemas.openxmlformats.org/presentationml/2006/main">
+  <p:cSld>
+    <p:spTree>
+      <p:nvGrpSpPr>
+        <p:cNvPr id="1" name=""/>
+        <p:cNvGrpSpPr/>
+        <p:nvPr/>
+      </p:nvGrpSpPr>
+      <p:grpSpPr>
+        <a:xfrm>
+          <a:off x="0" y="0"/>
+          <a:ext cx="0" cy="0"/>
+          <a:chOff x="0" y="0"/>
+          <a:chExt cx="0" cy="0"/>
+        </a:xfrm>
+      </p:grpSpPr>
+      <p:sp>
+        <p:nvSpPr>
           <p:cNvPr id="2" name="Rectangle 1"/>
           <p:cNvSpPr/>
           <p:nvPr/>
@@ -3021,6 +3685,1565 @@
           <a:lstStyle/>
           <a:p>
             <a:r>
+              <a:rPr lang="en-GB" sz="4800" b="1" dirty="0" err="1"/>
+              <a:t>environment_changes</a:t>
+            </a:r>
+            <a:endParaRPr lang="en-GB" sz="4800" b="1" dirty="0"/>
+          </a:p>
+        </p:txBody>
+      </p:sp>
+      <p:sp>
+        <p:nvSpPr>
+          <p:cNvPr id="14" name="TextBox 13"/>
+          <p:cNvSpPr txBox="1"/>
+          <p:nvPr/>
+        </p:nvSpPr>
+        <p:spPr>
+          <a:xfrm>
+            <a:off x="1061012" y="1462072"/>
+            <a:ext cx="10069975" cy="2677656"/>
+          </a:xfrm>
+          <a:prstGeom prst="rect">
+            <a:avLst/>
+          </a:prstGeom>
+          <a:noFill/>
+        </p:spPr>
+        <p:txBody>
+          <a:bodyPr wrap="square" rtlCol="0">
+            <a:spAutoFit/>
+          </a:bodyPr>
+          <a:lstStyle/>
+          <a:p>
+            <a:r>
+              <a:rPr lang="en-US" sz="2400" b="1" dirty="0"/>
+              <a:t>Example</a:t>
+            </a:r>
+          </a:p>
+          <a:p>
+            <a:endParaRPr lang="en-US" sz="2400" dirty="0"/>
+          </a:p>
+          <a:p>
+            <a:endParaRPr lang="en-GB" sz="2400" dirty="0">
+              <a:solidFill>
+                <a:srgbClr val="ED7D31"/>
+              </a:solidFill>
+            </a:endParaRPr>
+          </a:p>
+          <a:p>
+            <a:endParaRPr lang="en-GB" sz="2400" dirty="0">
+              <a:solidFill>
+                <a:schemeClr val="accent2"/>
+              </a:solidFill>
+            </a:endParaRPr>
+          </a:p>
+          <a:p>
+            <a:endParaRPr lang="en-GB" sz="2400" dirty="0">
+              <a:solidFill>
+                <a:schemeClr val="accent2"/>
+              </a:solidFill>
+            </a:endParaRPr>
+          </a:p>
+          <a:p>
+            <a:endParaRPr lang="en-GB" sz="2400" dirty="0">
+              <a:solidFill>
+                <a:schemeClr val="accent2"/>
+              </a:solidFill>
+            </a:endParaRPr>
+          </a:p>
+          <a:p>
+            <a:endParaRPr lang="en-GB" sz="2400" b="1" dirty="0"/>
+          </a:p>
+        </p:txBody>
+      </p:sp>
+      <p:sp>
+        <p:nvSpPr>
+          <p:cNvPr id="9" name="Isosceles Triangle 6">
+            <a:extLst>
+              <a:ext uri="{FF2B5EF4-FFF2-40B4-BE49-F238E27FC236}">
+                <a16:creationId xmlns:a16="http://schemas.microsoft.com/office/drawing/2014/main" id="{C8A477D7-37D5-C571-F295-169D7D1718A1}"/>
+              </a:ext>
+            </a:extLst>
+          </p:cNvPr>
+          <p:cNvSpPr/>
+          <p:nvPr/>
+        </p:nvSpPr>
+        <p:spPr>
+          <a:xfrm rot="5400000">
+            <a:off x="348693" y="1504934"/>
+            <a:ext cx="457812" cy="394666"/>
+          </a:xfrm>
+          <a:prstGeom prst="triangle">
+            <a:avLst/>
+          </a:prstGeom>
+          <a:solidFill>
+            <a:srgbClr val="00ACE6"/>
+          </a:solidFill>
+          <a:ln>
+            <a:noFill/>
+          </a:ln>
+        </p:spPr>
+        <p:style>
+          <a:lnRef idx="2">
+            <a:schemeClr val="accent1">
+              <a:shade val="50000"/>
+            </a:schemeClr>
+          </a:lnRef>
+          <a:fillRef idx="1">
+            <a:schemeClr val="accent1"/>
+          </a:fillRef>
+          <a:effectRef idx="0">
+            <a:schemeClr val="accent1"/>
+          </a:effectRef>
+          <a:fontRef idx="minor">
+            <a:schemeClr val="lt1"/>
+          </a:fontRef>
+        </p:style>
+        <p:txBody>
+          <a:bodyPr rtlCol="0" anchor="ctr"/>
+          <a:lstStyle/>
+          <a:p>
+            <a:pPr algn="ctr"/>
+            <a:endParaRPr lang="tr-TR"/>
+          </a:p>
+        </p:txBody>
+      </p:sp>
+      <p:sp>
+        <p:nvSpPr>
+          <p:cNvPr id="3" name="Rectangle 2">
+            <a:extLst>
+              <a:ext uri="{FF2B5EF4-FFF2-40B4-BE49-F238E27FC236}">
+                <a16:creationId xmlns:a16="http://schemas.microsoft.com/office/drawing/2014/main" id="{22D2F14A-CE06-4DDC-DCA2-C0DF5CCEDCEA}"/>
+              </a:ext>
+            </a:extLst>
+          </p:cNvPr>
+          <p:cNvSpPr/>
+          <p:nvPr/>
+        </p:nvSpPr>
+        <p:spPr>
+          <a:xfrm>
+            <a:off x="2863822" y="1459218"/>
+            <a:ext cx="8035823" cy="2554545"/>
+          </a:xfrm>
+          <a:prstGeom prst="rect">
+            <a:avLst/>
+          </a:prstGeom>
+          <a:ln w="12700">
+            <a:solidFill>
+              <a:schemeClr val="tx1"/>
+            </a:solidFill>
+          </a:ln>
+        </p:spPr>
+        <p:txBody>
+          <a:bodyPr wrap="square">
+            <a:spAutoFit/>
+          </a:bodyPr>
+          <a:lstStyle/>
+          <a:p>
+            <a:r>
+              <a:rPr lang="en-GB" sz="1600" b="1" dirty="0">
+                <a:latin typeface="Menlo-Regular" panose="020B0609030804020204" pitchFamily="49" charset="0"/>
+              </a:rPr>
+              <a:t>fesom-2.1.yaml</a:t>
+            </a:r>
+            <a:endParaRPr lang="en-GB" sz="1600" dirty="0">
+              <a:solidFill>
+                <a:srgbClr val="0E6E35"/>
+              </a:solidFill>
+              <a:latin typeface="Courier" pitchFamily="2" charset="0"/>
+            </a:endParaRPr>
+          </a:p>
+          <a:p>
+            <a:r>
+              <a:rPr lang="en-GB" sz="1600" dirty="0" err="1">
+                <a:solidFill>
+                  <a:srgbClr val="0E6E35"/>
+                </a:solidFill>
+                <a:latin typeface="Courier" pitchFamily="2" charset="0"/>
+              </a:rPr>
+              <a:t>compiletime_environment_changes</a:t>
+            </a:r>
+            <a:r>
+              <a:rPr lang="en-GB" sz="1600" dirty="0">
+                <a:solidFill>
+                  <a:srgbClr val="000000"/>
+                </a:solidFill>
+                <a:latin typeface="Courier" pitchFamily="2" charset="0"/>
+              </a:rPr>
+              <a:t>:</a:t>
+            </a:r>
+          </a:p>
+          <a:p>
+            <a:r>
+              <a:rPr lang="en-GB" sz="1600" dirty="0">
+                <a:solidFill>
+                  <a:srgbClr val="0E6E35"/>
+                </a:solidFill>
+                <a:latin typeface="Courier" pitchFamily="2" charset="0"/>
+              </a:rPr>
+              <a:t>        </a:t>
+            </a:r>
+            <a:r>
+              <a:rPr lang="en-GB" sz="1600" dirty="0" err="1">
+                <a:solidFill>
+                  <a:srgbClr val="0E6E35"/>
+                </a:solidFill>
+                <a:latin typeface="Courier" pitchFamily="2" charset="0"/>
+              </a:rPr>
+              <a:t>add_export_vars</a:t>
+            </a:r>
+            <a:r>
+              <a:rPr lang="en-GB" sz="1600" dirty="0">
+                <a:solidFill>
+                  <a:srgbClr val="000000"/>
+                </a:solidFill>
+                <a:latin typeface="Courier" pitchFamily="2" charset="0"/>
+              </a:rPr>
+              <a:t>:</a:t>
+            </a:r>
+          </a:p>
+          <a:p>
+            <a:r>
+              <a:rPr lang="en-GB" sz="1600" dirty="0">
+                <a:solidFill>
+                  <a:srgbClr val="0F7001"/>
+                </a:solidFill>
+                <a:latin typeface="Courier" pitchFamily="2" charset="0"/>
+              </a:rPr>
+              <a:t>                taken2from</a:t>
+            </a:r>
+            <a:r>
+              <a:rPr lang="en-GB" sz="1600" b="1" dirty="0">
+                <a:solidFill>
+                  <a:srgbClr val="921A20"/>
+                </a:solidFill>
+                <a:latin typeface="Courier-Bold" pitchFamily="2" charset="0"/>
+              </a:rPr>
+              <a:t>: </a:t>
+            </a:r>
+            <a:r>
+              <a:rPr lang="en-GB" sz="1600" dirty="0">
+                <a:solidFill>
+                  <a:srgbClr val="000000"/>
+                </a:solidFill>
+                <a:latin typeface="Courier" pitchFamily="2" charset="0"/>
+              </a:rPr>
+              <a:t>     fesom2_compile</a:t>
+            </a:r>
+          </a:p>
+          <a:p>
+            <a:r>
+              <a:rPr lang="en-GB" sz="1600" dirty="0">
+                <a:solidFill>
+                  <a:srgbClr val="0E6E35"/>
+                </a:solidFill>
+                <a:latin typeface="Courier" pitchFamily="2" charset="0"/>
+              </a:rPr>
+              <a:t>        </a:t>
+            </a:r>
+            <a:r>
+              <a:rPr lang="en-GB" sz="1600" dirty="0" err="1">
+                <a:solidFill>
+                  <a:srgbClr val="0E6E35"/>
+                </a:solidFill>
+                <a:latin typeface="Courier" pitchFamily="2" charset="0"/>
+              </a:rPr>
+              <a:t>choose_computer.name</a:t>
+            </a:r>
+            <a:r>
+              <a:rPr lang="en-GB" sz="1600" dirty="0">
+                <a:solidFill>
+                  <a:srgbClr val="000000"/>
+                </a:solidFill>
+                <a:latin typeface="Courier" pitchFamily="2" charset="0"/>
+              </a:rPr>
+              <a:t>:</a:t>
+            </a:r>
+          </a:p>
+          <a:p>
+            <a:r>
+              <a:rPr lang="en-GB" sz="1600" dirty="0">
+                <a:solidFill>
+                  <a:srgbClr val="0E6E35"/>
+                </a:solidFill>
+                <a:latin typeface="Courier" pitchFamily="2" charset="0"/>
+              </a:rPr>
+              <a:t>                </a:t>
+            </a:r>
+            <a:r>
+              <a:rPr lang="en-GB" sz="1600" dirty="0" err="1">
+                <a:solidFill>
+                  <a:srgbClr val="0E6E35"/>
+                </a:solidFill>
+                <a:latin typeface="Courier" pitchFamily="2" charset="0"/>
+              </a:rPr>
+              <a:t>juwels</a:t>
+            </a:r>
+            <a:r>
+              <a:rPr lang="en-GB" sz="1600" dirty="0">
+                <a:solidFill>
+                  <a:srgbClr val="000000"/>
+                </a:solidFill>
+                <a:latin typeface="Courier" pitchFamily="2" charset="0"/>
+              </a:rPr>
+              <a:t>:</a:t>
+            </a:r>
+          </a:p>
+          <a:p>
+            <a:r>
+              <a:rPr lang="en-GB" sz="1600" dirty="0">
+                <a:solidFill>
+                  <a:srgbClr val="0E6E35"/>
+                </a:solidFill>
+                <a:latin typeface="Courier" pitchFamily="2" charset="0"/>
+              </a:rPr>
+              <a:t>                        </a:t>
+            </a:r>
+            <a:r>
+              <a:rPr lang="en-GB" sz="1600" dirty="0" err="1">
+                <a:solidFill>
+                  <a:srgbClr val="0E6E35"/>
+                </a:solidFill>
+                <a:latin typeface="Courier" pitchFamily="2" charset="0"/>
+              </a:rPr>
+              <a:t>add_module_actions</a:t>
+            </a:r>
+            <a:r>
+              <a:rPr lang="en-GB" sz="1600" b="1" dirty="0">
+                <a:solidFill>
+                  <a:srgbClr val="921A20"/>
+                </a:solidFill>
+                <a:latin typeface="Courier-Bold" pitchFamily="2" charset="0"/>
+              </a:rPr>
+              <a:t>:</a:t>
+            </a:r>
+          </a:p>
+          <a:p>
+            <a:r>
+              <a:rPr lang="en-GB" sz="1600" dirty="0">
+                <a:solidFill>
+                  <a:srgbClr val="000000"/>
+                </a:solidFill>
+                <a:latin typeface="Courier" pitchFamily="2" charset="0"/>
+              </a:rPr>
+              <a:t>                                - </a:t>
+            </a:r>
+            <a:r>
+              <a:rPr lang="en-GB" sz="1600" dirty="0">
+                <a:solidFill>
+                  <a:srgbClr val="C100C4"/>
+                </a:solidFill>
+                <a:latin typeface="Courier" pitchFamily="2" charset="0"/>
+              </a:rPr>
+              <a:t>"unload </a:t>
+            </a:r>
+            <a:r>
+              <a:rPr lang="en-GB" sz="1600" dirty="0" err="1">
+                <a:solidFill>
+                  <a:srgbClr val="C100C4"/>
+                </a:solidFill>
+                <a:latin typeface="Courier" pitchFamily="2" charset="0"/>
+              </a:rPr>
+              <a:t>ParaStationMPI</a:t>
+            </a:r>
+            <a:r>
+              <a:rPr lang="en-GB" sz="1600" dirty="0">
+                <a:solidFill>
+                  <a:srgbClr val="C100C4"/>
+                </a:solidFill>
+                <a:latin typeface="Courier" pitchFamily="2" charset="0"/>
+              </a:rPr>
+              <a:t>”</a:t>
+            </a:r>
+          </a:p>
+          <a:p>
+            <a:r>
+              <a:rPr lang="en-GB" sz="1600" dirty="0">
+                <a:solidFill>
+                  <a:srgbClr val="000000"/>
+                </a:solidFill>
+                <a:latin typeface="Courier" pitchFamily="2" charset="0"/>
+              </a:rPr>
+              <a:t>                                - </a:t>
+            </a:r>
+            <a:r>
+              <a:rPr lang="en-GB" sz="1600" dirty="0">
+                <a:solidFill>
+                  <a:srgbClr val="C100C4"/>
+                </a:solidFill>
+                <a:latin typeface="Courier" pitchFamily="2" charset="0"/>
+              </a:rPr>
+              <a:t>"load </a:t>
+            </a:r>
+            <a:r>
+              <a:rPr lang="en-GB" sz="1600" dirty="0" err="1">
+                <a:solidFill>
+                  <a:srgbClr val="C100C4"/>
+                </a:solidFill>
+                <a:latin typeface="Courier" pitchFamily="2" charset="0"/>
+              </a:rPr>
+              <a:t>ParaStationMPI</a:t>
+            </a:r>
+            <a:r>
+              <a:rPr lang="en-GB" sz="1600" dirty="0">
+                <a:solidFill>
+                  <a:srgbClr val="C100C4"/>
+                </a:solidFill>
+                <a:latin typeface="Courier" pitchFamily="2" charset="0"/>
+              </a:rPr>
+              <a:t>/5.4.4-1”</a:t>
+            </a:r>
+          </a:p>
+          <a:p>
+            <a:r>
+              <a:rPr lang="en-GB" sz="1600" dirty="0">
+                <a:solidFill>
+                  <a:srgbClr val="000000"/>
+                </a:solidFill>
+                <a:latin typeface="Courier" pitchFamily="2" charset="0"/>
+              </a:rPr>
+              <a:t>                                - </a:t>
+            </a:r>
+            <a:r>
+              <a:rPr lang="en-GB" sz="1600" dirty="0">
+                <a:solidFill>
+                  <a:srgbClr val="C100C4"/>
+                </a:solidFill>
+                <a:latin typeface="Courier" pitchFamily="2" charset="0"/>
+              </a:rPr>
+              <a:t>"load </a:t>
+            </a:r>
+            <a:r>
+              <a:rPr lang="en-GB" sz="1600" dirty="0" err="1">
+                <a:solidFill>
+                  <a:srgbClr val="C100C4"/>
+                </a:solidFill>
+                <a:latin typeface="Courier" pitchFamily="2" charset="0"/>
+              </a:rPr>
+              <a:t>netCDF</a:t>
+            </a:r>
+            <a:r>
+              <a:rPr lang="en-GB" sz="1600" dirty="0">
+                <a:solidFill>
+                  <a:srgbClr val="C100C4"/>
+                </a:solidFill>
+                <a:latin typeface="Courier" pitchFamily="2" charset="0"/>
+              </a:rPr>
+              <a:t>-Fortran/4.4.5"</a:t>
+            </a:r>
+            <a:endParaRPr lang="en-GB" sz="1600" dirty="0"/>
+          </a:p>
+        </p:txBody>
+      </p:sp>
+      <p:sp>
+        <p:nvSpPr>
+          <p:cNvPr id="5" name="Rectangle 4">
+            <a:extLst>
+              <a:ext uri="{FF2B5EF4-FFF2-40B4-BE49-F238E27FC236}">
+                <a16:creationId xmlns:a16="http://schemas.microsoft.com/office/drawing/2014/main" id="{17883B31-ACC5-4052-729D-818284D4215B}"/>
+              </a:ext>
+            </a:extLst>
+          </p:cNvPr>
+          <p:cNvSpPr/>
+          <p:nvPr/>
+        </p:nvSpPr>
+        <p:spPr>
+          <a:xfrm>
+            <a:off x="3833733" y="4305434"/>
+            <a:ext cx="6096000" cy="2308324"/>
+          </a:xfrm>
+          <a:prstGeom prst="rect">
+            <a:avLst/>
+          </a:prstGeom>
+          <a:ln w="12700">
+            <a:solidFill>
+              <a:schemeClr val="tx1"/>
+            </a:solidFill>
+          </a:ln>
+        </p:spPr>
+        <p:txBody>
+          <a:bodyPr>
+            <a:spAutoFit/>
+          </a:bodyPr>
+          <a:lstStyle/>
+          <a:p>
+            <a:r>
+              <a:rPr lang="en-GB" sz="1600" b="1" dirty="0">
+                <a:latin typeface="Menlo-Regular" panose="020B0609030804020204" pitchFamily="49" charset="0"/>
+              </a:rPr>
+              <a:t>comp-fesom-2.1.yaml in </a:t>
+            </a:r>
+            <a:r>
+              <a:rPr lang="en-GB" sz="1600" b="1" dirty="0" err="1">
+                <a:latin typeface="Menlo-Regular" panose="020B0609030804020204" pitchFamily="49" charset="0"/>
+              </a:rPr>
+              <a:t>Juwels</a:t>
+            </a:r>
+            <a:endParaRPr lang="en-GB" sz="1600" dirty="0">
+              <a:solidFill>
+                <a:srgbClr val="0E6E35"/>
+              </a:solidFill>
+              <a:latin typeface="Courier" pitchFamily="2" charset="0"/>
+            </a:endParaRPr>
+          </a:p>
+          <a:p>
+            <a:r>
+              <a:rPr lang="en-GB" sz="1600" i="1" dirty="0">
+                <a:solidFill>
+                  <a:srgbClr val="535353"/>
+                </a:solidFill>
+                <a:latin typeface="Courier-Oblique" pitchFamily="2" charset="0"/>
+              </a:rPr>
+              <a:t>#&lt;module actions defined in </a:t>
+            </a:r>
+            <a:r>
+              <a:rPr lang="en-GB" sz="1600" i="1" dirty="0" err="1">
+                <a:solidFill>
+                  <a:srgbClr val="535353"/>
+                </a:solidFill>
+                <a:latin typeface="Courier-Oblique" pitchFamily="2" charset="0"/>
+              </a:rPr>
+              <a:t>juwels.yaml</a:t>
+            </a:r>
+            <a:r>
+              <a:rPr lang="en-GB" sz="1600" i="1" dirty="0">
+                <a:solidFill>
+                  <a:srgbClr val="535353"/>
+                </a:solidFill>
+                <a:latin typeface="Courier-Oblique" pitchFamily="2" charset="0"/>
+              </a:rPr>
+              <a:t>&gt;</a:t>
+            </a:r>
+          </a:p>
+          <a:p>
+            <a:r>
+              <a:rPr lang="en-GB" sz="1600" b="1" dirty="0">
+                <a:solidFill>
+                  <a:srgbClr val="000000"/>
+                </a:solidFill>
+                <a:latin typeface="Courier" pitchFamily="2" charset="0"/>
+              </a:rPr>
+              <a:t>module unload </a:t>
+            </a:r>
+            <a:r>
+              <a:rPr lang="en-GB" sz="1600" b="1" dirty="0" err="1">
+                <a:solidFill>
+                  <a:srgbClr val="000000"/>
+                </a:solidFill>
+                <a:latin typeface="Courier" pitchFamily="2" charset="0"/>
+              </a:rPr>
+              <a:t>ParaStationMPI</a:t>
+            </a:r>
+            <a:endParaRPr lang="en-GB" sz="1600" b="1" dirty="0">
+              <a:solidFill>
+                <a:srgbClr val="000000"/>
+              </a:solidFill>
+              <a:latin typeface="Courier" pitchFamily="2" charset="0"/>
+            </a:endParaRPr>
+          </a:p>
+          <a:p>
+            <a:r>
+              <a:rPr lang="en-GB" sz="1600" b="1" dirty="0">
+                <a:solidFill>
+                  <a:srgbClr val="000000"/>
+                </a:solidFill>
+                <a:latin typeface="Courier" pitchFamily="2" charset="0"/>
+              </a:rPr>
+              <a:t>module load </a:t>
+            </a:r>
+            <a:r>
+              <a:rPr lang="en-GB" sz="1600" b="1" dirty="0" err="1">
+                <a:solidFill>
+                  <a:srgbClr val="000000"/>
+                </a:solidFill>
+                <a:latin typeface="Courier" pitchFamily="2" charset="0"/>
+              </a:rPr>
+              <a:t>ParaStationMPI</a:t>
+            </a:r>
+            <a:r>
+              <a:rPr lang="en-GB" sz="1600" b="1" dirty="0">
+                <a:solidFill>
+                  <a:srgbClr val="000000"/>
+                </a:solidFill>
+                <a:latin typeface="Courier-Bold" pitchFamily="2" charset="0"/>
+              </a:rPr>
+              <a:t>/</a:t>
+            </a:r>
+            <a:r>
+              <a:rPr lang="en-GB" sz="1600" b="1" dirty="0">
+                <a:solidFill>
+                  <a:srgbClr val="000000"/>
+                </a:solidFill>
+                <a:latin typeface="Courier" pitchFamily="2" charset="0"/>
+              </a:rPr>
+              <a:t>5.4.4-1</a:t>
+            </a:r>
+          </a:p>
+          <a:p>
+            <a:r>
+              <a:rPr lang="en-GB" sz="1600" b="1" dirty="0">
+                <a:solidFill>
+                  <a:srgbClr val="000000"/>
+                </a:solidFill>
+                <a:latin typeface="Courier" pitchFamily="2" charset="0"/>
+              </a:rPr>
+              <a:t>module load </a:t>
+            </a:r>
+            <a:r>
+              <a:rPr lang="en-GB" sz="1600" b="1" dirty="0" err="1">
+                <a:solidFill>
+                  <a:srgbClr val="000000"/>
+                </a:solidFill>
+                <a:latin typeface="Courier" pitchFamily="2" charset="0"/>
+              </a:rPr>
+              <a:t>netCDF</a:t>
+            </a:r>
+            <a:r>
+              <a:rPr lang="en-GB" sz="1600" b="1" dirty="0">
+                <a:solidFill>
+                  <a:srgbClr val="000000"/>
+                </a:solidFill>
+                <a:latin typeface="Courier" pitchFamily="2" charset="0"/>
+              </a:rPr>
+              <a:t>-Fortran</a:t>
+            </a:r>
+            <a:r>
+              <a:rPr lang="en-GB" sz="1600" b="1" dirty="0">
+                <a:solidFill>
+                  <a:srgbClr val="000000"/>
+                </a:solidFill>
+                <a:latin typeface="Courier-Bold" pitchFamily="2" charset="0"/>
+              </a:rPr>
+              <a:t>/</a:t>
+            </a:r>
+            <a:r>
+              <a:rPr lang="en-GB" sz="1600" b="1" dirty="0">
+                <a:solidFill>
+                  <a:srgbClr val="000000"/>
+                </a:solidFill>
+                <a:latin typeface="Courier" pitchFamily="2" charset="0"/>
+              </a:rPr>
+              <a:t>4.4.5 </a:t>
+            </a:r>
+          </a:p>
+          <a:p>
+            <a:endParaRPr lang="en-GB" sz="1600" dirty="0">
+              <a:solidFill>
+                <a:srgbClr val="000000"/>
+              </a:solidFill>
+              <a:latin typeface="Courier" pitchFamily="2" charset="0"/>
+            </a:endParaRPr>
+          </a:p>
+          <a:p>
+            <a:r>
+              <a:rPr lang="en-GB" sz="1600" i="1" dirty="0">
+                <a:solidFill>
+                  <a:srgbClr val="535353"/>
+                </a:solidFill>
+                <a:latin typeface="Courier-Oblique" pitchFamily="2" charset="0"/>
+              </a:rPr>
+              <a:t>#&lt;exported variables as defined in the </a:t>
+            </a:r>
+            <a:r>
+              <a:rPr lang="en-GB" sz="1600" i="1" dirty="0" err="1">
+                <a:solidFill>
+                  <a:srgbClr val="535353"/>
+                </a:solidFill>
+                <a:latin typeface="Courier-Oblique" pitchFamily="2" charset="0"/>
+              </a:rPr>
+              <a:t>juwels.yaml</a:t>
+            </a:r>
+            <a:r>
+              <a:rPr lang="en-GB" sz="1600" i="1" dirty="0">
+                <a:solidFill>
+                  <a:srgbClr val="535353"/>
+                </a:solidFill>
+                <a:latin typeface="Courier-Oblique" pitchFamily="2" charset="0"/>
+              </a:rPr>
+              <a:t>&gt;</a:t>
+            </a:r>
+          </a:p>
+          <a:p>
+            <a:r>
+              <a:rPr lang="en-GB" sz="1600" dirty="0">
+                <a:solidFill>
+                  <a:srgbClr val="650061"/>
+                </a:solidFill>
+                <a:latin typeface="Courier-Bold" pitchFamily="2" charset="0"/>
+              </a:rPr>
+              <a:t>export</a:t>
+            </a:r>
+            <a:r>
+              <a:rPr lang="en-GB" sz="1600" dirty="0">
+                <a:solidFill>
+                  <a:srgbClr val="000000"/>
+                </a:solidFill>
+                <a:latin typeface="Courier" pitchFamily="2" charset="0"/>
+              </a:rPr>
+              <a:t> </a:t>
+            </a:r>
+            <a:r>
+              <a:rPr lang="en-GB" sz="1600" dirty="0">
+                <a:solidFill>
+                  <a:srgbClr val="0E6801"/>
+                </a:solidFill>
+                <a:latin typeface="Courier" pitchFamily="2" charset="0"/>
+              </a:rPr>
+              <a:t>taken2from</a:t>
+            </a:r>
+            <a:r>
+              <a:rPr lang="en-GB" sz="1600" dirty="0">
+                <a:solidFill>
+                  <a:srgbClr val="000000"/>
+                </a:solidFill>
+                <a:latin typeface="Courier" pitchFamily="2" charset="0"/>
+              </a:rPr>
+              <a:t>=</a:t>
+            </a:r>
+            <a:r>
+              <a:rPr lang="en-GB" sz="1600" dirty="0">
+                <a:solidFill>
+                  <a:srgbClr val="FB0007"/>
+                </a:solidFill>
+                <a:latin typeface="Courier" pitchFamily="2" charset="0"/>
+              </a:rPr>
+              <a:t>"fesom2_compile"</a:t>
+            </a:r>
+            <a:r>
+              <a:rPr lang="en-GB" sz="1600" dirty="0">
+                <a:solidFill>
+                  <a:srgbClr val="000000"/>
+                </a:solidFill>
+                <a:latin typeface="Courier" pitchFamily="2" charset="0"/>
+              </a:rPr>
+              <a:t> </a:t>
+            </a:r>
+            <a:endParaRPr lang="en-GB" sz="1600" dirty="0"/>
+          </a:p>
+        </p:txBody>
+      </p:sp>
+    </p:spTree>
+    <p:extLst>
+      <p:ext uri="{BB962C8B-B14F-4D97-AF65-F5344CB8AC3E}">
+        <p14:creationId xmlns:p14="http://schemas.microsoft.com/office/powerpoint/2010/main" val="3830261334"/>
+      </p:ext>
+    </p:extLst>
+  </p:cSld>
+  <p:clrMapOvr>
+    <a:masterClrMapping/>
+  </p:clrMapOvr>
+</p:sld>
+</file>
+
+<file path=ppt/slides/slide11.xml><?xml version="1.0" encoding="utf-8"?>
+<p:sld xmlns:a="http://schemas.openxmlformats.org/drawingml/2006/main" xmlns:r="http://schemas.openxmlformats.org/officeDocument/2006/relationships" xmlns:p="http://schemas.openxmlformats.org/presentationml/2006/main">
+  <p:cSld>
+    <p:spTree>
+      <p:nvGrpSpPr>
+        <p:cNvPr id="1" name=""/>
+        <p:cNvGrpSpPr/>
+        <p:nvPr/>
+      </p:nvGrpSpPr>
+      <p:grpSpPr>
+        <a:xfrm>
+          <a:off x="0" y="0"/>
+          <a:ext cx="0" cy="0"/>
+          <a:chOff x="0" y="0"/>
+          <a:chExt cx="0" cy="0"/>
+        </a:xfrm>
+      </p:grpSpPr>
+      <p:sp>
+        <p:nvSpPr>
+          <p:cNvPr id="2" name="Rectangle 1"/>
+          <p:cNvSpPr/>
+          <p:nvPr/>
+        </p:nvSpPr>
+        <p:spPr>
+          <a:xfrm>
+            <a:off x="0" y="2"/>
+            <a:ext cx="12192000" cy="1296364"/>
+          </a:xfrm>
+          <a:prstGeom prst="rect">
+            <a:avLst/>
+          </a:prstGeom>
+          <a:solidFill>
+            <a:srgbClr val="00ACE6"/>
+          </a:solidFill>
+          <a:ln>
+            <a:noFill/>
+          </a:ln>
+        </p:spPr>
+        <p:style>
+          <a:lnRef idx="2">
+            <a:schemeClr val="accent1">
+              <a:shade val="50000"/>
+            </a:schemeClr>
+          </a:lnRef>
+          <a:fillRef idx="1">
+            <a:schemeClr val="accent1"/>
+          </a:fillRef>
+          <a:effectRef idx="0">
+            <a:schemeClr val="accent1"/>
+          </a:effectRef>
+          <a:fontRef idx="minor">
+            <a:schemeClr val="lt1"/>
+          </a:fontRef>
+        </p:style>
+        <p:txBody>
+          <a:bodyPr rtlCol="0" anchor="ctr"/>
+          <a:lstStyle/>
+          <a:p>
+            <a:r>
+              <a:rPr lang="en-GB" sz="4800" b="1" dirty="0" err="1"/>
+              <a:t>environment_changes</a:t>
+            </a:r>
+            <a:endParaRPr lang="en-GB" sz="4800" b="1" dirty="0"/>
+          </a:p>
+        </p:txBody>
+      </p:sp>
+      <p:sp>
+        <p:nvSpPr>
+          <p:cNvPr id="14" name="TextBox 13"/>
+          <p:cNvSpPr txBox="1"/>
+          <p:nvPr/>
+        </p:nvSpPr>
+        <p:spPr>
+          <a:xfrm>
+            <a:off x="1061012" y="1296366"/>
+            <a:ext cx="10069975" cy="7109639"/>
+          </a:xfrm>
+          <a:prstGeom prst="rect">
+            <a:avLst/>
+          </a:prstGeom>
+          <a:noFill/>
+        </p:spPr>
+        <p:txBody>
+          <a:bodyPr wrap="square" rtlCol="0">
+            <a:spAutoFit/>
+          </a:bodyPr>
+          <a:lstStyle/>
+          <a:p>
+            <a:r>
+              <a:rPr lang="en-US" sz="2400" b="1" dirty="0"/>
+              <a:t>Coupled setups</a:t>
+            </a:r>
+          </a:p>
+          <a:p>
+            <a:endParaRPr lang="en-US" sz="2400" dirty="0"/>
+          </a:p>
+          <a:p>
+            <a:pPr marL="342900" indent="-342900">
+              <a:buFont typeface="Arial" panose="020B0604020202020204" pitchFamily="34" charset="0"/>
+              <a:buChar char="•"/>
+            </a:pPr>
+            <a:r>
+              <a:rPr lang="en-GB" sz="2400" dirty="0" err="1">
+                <a:solidFill>
+                  <a:srgbClr val="ED7D31"/>
+                </a:solidFill>
+              </a:rPr>
+              <a:t>compiletime_environment_changes</a:t>
+            </a:r>
+            <a:r>
+              <a:rPr lang="en-GB" sz="2400" dirty="0">
+                <a:solidFill>
+                  <a:srgbClr val="ED7D31"/>
+                </a:solidFill>
+              </a:rPr>
+              <a:t> </a:t>
+            </a:r>
+            <a:r>
+              <a:rPr lang="en-GB" sz="2400" dirty="0"/>
+              <a:t>allows for different compilation environments under the same coupled setup (i.e. in AWI-ESM-2, the </a:t>
+            </a:r>
+            <a:r>
+              <a:rPr lang="en-GB" dirty="0" err="1">
+                <a:latin typeface="Monaco" pitchFamily="2" charset="77"/>
+              </a:rPr>
+              <a:t>echam.yaml</a:t>
+            </a:r>
+            <a:r>
+              <a:rPr lang="en-GB" dirty="0">
+                <a:latin typeface="Monaco" pitchFamily="2" charset="77"/>
+              </a:rPr>
+              <a:t> </a:t>
+            </a:r>
+            <a:r>
+              <a:rPr lang="en-GB" sz="2400" dirty="0"/>
+              <a:t>and the </a:t>
+            </a:r>
+            <a:r>
+              <a:rPr lang="en-GB" dirty="0">
+                <a:latin typeface="Monaco" pitchFamily="2" charset="77"/>
+              </a:rPr>
+              <a:t>fesom-2.1.yaml </a:t>
+            </a:r>
+            <a:r>
+              <a:rPr lang="en-GB" sz="2400" dirty="0"/>
+              <a:t>both contain </a:t>
+            </a:r>
+            <a:r>
+              <a:rPr lang="en-GB" sz="2400" dirty="0" err="1">
+                <a:solidFill>
+                  <a:srgbClr val="ED7D31"/>
+                </a:solidFill>
+              </a:rPr>
+              <a:t>compiletime_environment_changes</a:t>
+            </a:r>
+            <a:r>
+              <a:rPr lang="en-GB" sz="2400" dirty="0"/>
+              <a:t>, resulting in different compilation environments during </a:t>
+            </a:r>
+            <a:r>
+              <a:rPr lang="en-GB" dirty="0" err="1">
+                <a:latin typeface="Monaco" pitchFamily="2" charset="77"/>
+              </a:rPr>
+              <a:t>esm_master</a:t>
+            </a:r>
+            <a:r>
+              <a:rPr lang="en-GB" dirty="0">
+                <a:latin typeface="Monaco" pitchFamily="2" charset="77"/>
+              </a:rPr>
+              <a:t> comp-awiesm-2.1</a:t>
+            </a:r>
+            <a:r>
+              <a:rPr lang="en-GB" sz="2400" dirty="0"/>
+              <a:t>) </a:t>
+            </a:r>
+          </a:p>
+          <a:p>
+            <a:pPr marL="342900" indent="-342900">
+              <a:buFont typeface="Arial" panose="020B0604020202020204" pitchFamily="34" charset="0"/>
+              <a:buChar char="•"/>
+            </a:pPr>
+            <a:r>
+              <a:rPr lang="en-GB" sz="2400" dirty="0"/>
+              <a:t>The runtime environment for online coupled setups is the result of combining:</a:t>
+            </a:r>
+          </a:p>
+          <a:p>
+            <a:pPr marL="914400" lvl="1" indent="-457200">
+              <a:buFont typeface="+mj-lt"/>
+              <a:buAutoNum type="arabicPeriod"/>
+            </a:pPr>
+            <a:r>
+              <a:rPr lang="en-GB" sz="2400" dirty="0"/>
+              <a:t>The environment information of the &lt;</a:t>
+            </a:r>
+            <a:r>
+              <a:rPr lang="en-GB" sz="2400" dirty="0">
+                <a:solidFill>
+                  <a:srgbClr val="ED7D31"/>
+                </a:solidFill>
+              </a:rPr>
+              <a:t>machine</a:t>
+            </a:r>
+            <a:r>
+              <a:rPr lang="en-GB" sz="2400" dirty="0"/>
+              <a:t>&gt;</a:t>
+            </a:r>
+            <a:r>
+              <a:rPr lang="en-GB" sz="2400" dirty="0">
+                <a:solidFill>
+                  <a:srgbClr val="ED7D31"/>
+                </a:solidFill>
+              </a:rPr>
+              <a:t>.</a:t>
+            </a:r>
+            <a:r>
+              <a:rPr lang="en-GB" sz="2400" dirty="0" err="1">
+                <a:solidFill>
+                  <a:srgbClr val="ED7D31"/>
+                </a:solidFill>
+              </a:rPr>
+              <a:t>yaml</a:t>
+            </a:r>
+            <a:endParaRPr lang="en-GB" sz="2400" dirty="0">
+              <a:solidFill>
+                <a:srgbClr val="ED7D31"/>
+              </a:solidFill>
+            </a:endParaRPr>
+          </a:p>
+          <a:p>
+            <a:pPr marL="914400" lvl="1" indent="-457200">
+              <a:buFont typeface="+mj-lt"/>
+              <a:buAutoNum type="arabicPeriod"/>
+            </a:pPr>
+            <a:r>
+              <a:rPr lang="en-GB" sz="2400" dirty="0"/>
+              <a:t>The environment information contained in the </a:t>
+            </a:r>
+            <a:r>
+              <a:rPr lang="en-GB" sz="2400" dirty="0" err="1">
+                <a:solidFill>
+                  <a:srgbClr val="ED7D31"/>
+                </a:solidFill>
+              </a:rPr>
+              <a:t>runtime_environment_changes</a:t>
+            </a:r>
+            <a:r>
+              <a:rPr lang="en-GB" sz="2400" dirty="0">
+                <a:solidFill>
+                  <a:srgbClr val="ED7D31"/>
+                </a:solidFill>
+              </a:rPr>
+              <a:t> </a:t>
+            </a:r>
+            <a:r>
+              <a:rPr lang="en-GB" sz="2400" dirty="0"/>
+              <a:t>in the </a:t>
+            </a:r>
+            <a:r>
+              <a:rPr lang="en-GB" sz="2400" dirty="0">
+                <a:solidFill>
+                  <a:srgbClr val="ED7D31"/>
+                </a:solidFill>
+              </a:rPr>
+              <a:t>component files </a:t>
+            </a:r>
+            <a:r>
+              <a:rPr lang="en-GB" sz="2400" dirty="0"/>
+              <a:t>(i.e. </a:t>
+            </a:r>
+            <a:r>
+              <a:rPr lang="en-GB" dirty="0" err="1">
+                <a:latin typeface="Monaco" pitchFamily="2" charset="77"/>
+              </a:rPr>
+              <a:t>echam.yaml</a:t>
+            </a:r>
+            <a:r>
+              <a:rPr lang="en-GB" sz="1400" dirty="0">
+                <a:latin typeface="Monaco" pitchFamily="2" charset="77"/>
+              </a:rPr>
+              <a:t>, </a:t>
+            </a:r>
+            <a:r>
+              <a:rPr lang="en-GB" dirty="0">
+                <a:latin typeface="Monaco" pitchFamily="2" charset="77"/>
+              </a:rPr>
+              <a:t>fesom-2.1.yaml</a:t>
+            </a:r>
+            <a:r>
+              <a:rPr lang="en-GB" sz="2400" dirty="0"/>
+              <a:t>, ...)</a:t>
+            </a:r>
+          </a:p>
+          <a:p>
+            <a:pPr marL="914400" lvl="1" indent="-457200">
+              <a:buFont typeface="+mj-lt"/>
+              <a:buAutoNum type="arabicPeriod"/>
+            </a:pPr>
+            <a:r>
+              <a:rPr lang="en-GB" sz="2400" dirty="0"/>
+              <a:t>The environment information contained in the </a:t>
+            </a:r>
+            <a:r>
+              <a:rPr lang="en-GB" sz="2400" dirty="0" err="1">
+                <a:solidFill>
+                  <a:srgbClr val="ED7D31"/>
+                </a:solidFill>
+              </a:rPr>
+              <a:t>runtime_environment_changes</a:t>
+            </a:r>
+            <a:r>
+              <a:rPr lang="en-GB" sz="2400" dirty="0"/>
+              <a:t> in the </a:t>
+            </a:r>
+            <a:r>
+              <a:rPr lang="en-GB" sz="2400" dirty="0">
+                <a:solidFill>
+                  <a:srgbClr val="ED7D31"/>
+                </a:solidFill>
+              </a:rPr>
+              <a:t>setup file </a:t>
+            </a:r>
+            <a:r>
+              <a:rPr lang="en-GB" sz="2400" dirty="0"/>
+              <a:t>(</a:t>
+            </a:r>
+            <a:r>
+              <a:rPr lang="en-GB" dirty="0" err="1">
+                <a:latin typeface="Monaco" pitchFamily="2" charset="77"/>
+              </a:rPr>
+              <a:t>awiesm.yaml</a:t>
+            </a:r>
+            <a:r>
+              <a:rPr lang="en-GB" sz="2400" dirty="0"/>
+              <a:t>)</a:t>
+            </a:r>
+          </a:p>
+          <a:p>
+            <a:endParaRPr lang="en-GB" sz="2400" dirty="0">
+              <a:solidFill>
+                <a:schemeClr val="accent2"/>
+              </a:solidFill>
+            </a:endParaRPr>
+          </a:p>
+          <a:p>
+            <a:endParaRPr lang="en-GB" sz="2400" dirty="0">
+              <a:solidFill>
+                <a:schemeClr val="accent2"/>
+              </a:solidFill>
+            </a:endParaRPr>
+          </a:p>
+          <a:p>
+            <a:endParaRPr lang="en-GB" sz="2400" dirty="0">
+              <a:solidFill>
+                <a:schemeClr val="accent2"/>
+              </a:solidFill>
+            </a:endParaRPr>
+          </a:p>
+          <a:p>
+            <a:endParaRPr lang="en-GB" sz="2400" b="1" dirty="0"/>
+          </a:p>
+        </p:txBody>
+      </p:sp>
+      <p:sp>
+        <p:nvSpPr>
+          <p:cNvPr id="9" name="Isosceles Triangle 6">
+            <a:extLst>
+              <a:ext uri="{FF2B5EF4-FFF2-40B4-BE49-F238E27FC236}">
+                <a16:creationId xmlns:a16="http://schemas.microsoft.com/office/drawing/2014/main" id="{C8A477D7-37D5-C571-F295-169D7D1718A1}"/>
+              </a:ext>
+            </a:extLst>
+          </p:cNvPr>
+          <p:cNvSpPr/>
+          <p:nvPr/>
+        </p:nvSpPr>
+        <p:spPr>
+          <a:xfrm rot="5400000">
+            <a:off x="348693" y="1380756"/>
+            <a:ext cx="457812" cy="394666"/>
+          </a:xfrm>
+          <a:prstGeom prst="triangle">
+            <a:avLst/>
+          </a:prstGeom>
+          <a:solidFill>
+            <a:srgbClr val="00ACE6"/>
+          </a:solidFill>
+          <a:ln>
+            <a:noFill/>
+          </a:ln>
+        </p:spPr>
+        <p:style>
+          <a:lnRef idx="2">
+            <a:schemeClr val="accent1">
+              <a:shade val="50000"/>
+            </a:schemeClr>
+          </a:lnRef>
+          <a:fillRef idx="1">
+            <a:schemeClr val="accent1"/>
+          </a:fillRef>
+          <a:effectRef idx="0">
+            <a:schemeClr val="accent1"/>
+          </a:effectRef>
+          <a:fontRef idx="minor">
+            <a:schemeClr val="lt1"/>
+          </a:fontRef>
+        </p:style>
+        <p:txBody>
+          <a:bodyPr rtlCol="0" anchor="ctr"/>
+          <a:lstStyle/>
+          <a:p>
+            <a:pPr algn="ctr"/>
+            <a:endParaRPr lang="tr-TR"/>
+          </a:p>
+        </p:txBody>
+      </p:sp>
+    </p:spTree>
+    <p:extLst>
+      <p:ext uri="{BB962C8B-B14F-4D97-AF65-F5344CB8AC3E}">
+        <p14:creationId xmlns:p14="http://schemas.microsoft.com/office/powerpoint/2010/main" val="1465046877"/>
+      </p:ext>
+    </p:extLst>
+  </p:cSld>
+  <p:clrMapOvr>
+    <a:masterClrMapping/>
+  </p:clrMapOvr>
+</p:sld>
+</file>
+
+<file path=ppt/slides/slide12.xml><?xml version="1.0" encoding="utf-8"?>
+<p:sld xmlns:a="http://schemas.openxmlformats.org/drawingml/2006/main" xmlns:r="http://schemas.openxmlformats.org/officeDocument/2006/relationships" xmlns:p="http://schemas.openxmlformats.org/presentationml/2006/main">
+  <p:cSld>
+    <p:spTree>
+      <p:nvGrpSpPr>
+        <p:cNvPr id="1" name=""/>
+        <p:cNvGrpSpPr/>
+        <p:nvPr/>
+      </p:nvGrpSpPr>
+      <p:grpSpPr>
+        <a:xfrm>
+          <a:off x="0" y="0"/>
+          <a:ext cx="0" cy="0"/>
+          <a:chOff x="0" y="0"/>
+          <a:chExt cx="0" cy="0"/>
+        </a:xfrm>
+      </p:grpSpPr>
+      <p:sp>
+        <p:nvSpPr>
+          <p:cNvPr id="2" name="Rectangle 1"/>
+          <p:cNvSpPr/>
+          <p:nvPr/>
+        </p:nvSpPr>
+        <p:spPr>
+          <a:xfrm>
+            <a:off x="0" y="2"/>
+            <a:ext cx="12192000" cy="1296364"/>
+          </a:xfrm>
+          <a:prstGeom prst="rect">
+            <a:avLst/>
+          </a:prstGeom>
+          <a:solidFill>
+            <a:srgbClr val="00ACE6"/>
+          </a:solidFill>
+          <a:ln>
+            <a:noFill/>
+          </a:ln>
+        </p:spPr>
+        <p:style>
+          <a:lnRef idx="2">
+            <a:schemeClr val="accent1">
+              <a:shade val="50000"/>
+            </a:schemeClr>
+          </a:lnRef>
+          <a:fillRef idx="1">
+            <a:schemeClr val="accent1"/>
+          </a:fillRef>
+          <a:effectRef idx="0">
+            <a:schemeClr val="accent1"/>
+          </a:effectRef>
+          <a:fontRef idx="minor">
+            <a:schemeClr val="lt1"/>
+          </a:fontRef>
+        </p:style>
+        <p:txBody>
+          <a:bodyPr rtlCol="0" anchor="ctr"/>
+          <a:lstStyle/>
+          <a:p>
+            <a:r>
+              <a:rPr lang="en-GB" sz="4800" b="1" dirty="0" err="1"/>
+              <a:t>environment_changes</a:t>
+            </a:r>
+            <a:endParaRPr lang="en-GB" sz="4800" b="1" dirty="0"/>
+          </a:p>
+        </p:txBody>
+      </p:sp>
+      <p:sp>
+        <p:nvSpPr>
+          <p:cNvPr id="14" name="TextBox 13"/>
+          <p:cNvSpPr txBox="1"/>
+          <p:nvPr/>
+        </p:nvSpPr>
+        <p:spPr>
+          <a:xfrm>
+            <a:off x="1061012" y="1759213"/>
+            <a:ext cx="10069975" cy="3785652"/>
+          </a:xfrm>
+          <a:prstGeom prst="rect">
+            <a:avLst/>
+          </a:prstGeom>
+          <a:noFill/>
+        </p:spPr>
+        <p:txBody>
+          <a:bodyPr wrap="square" rtlCol="0">
+            <a:spAutoFit/>
+          </a:bodyPr>
+          <a:lstStyle/>
+          <a:p>
+            <a:r>
+              <a:rPr lang="en-US" sz="2400" b="1" dirty="0"/>
+              <a:t>Coupled setups</a:t>
+            </a:r>
+          </a:p>
+          <a:p>
+            <a:endParaRPr lang="en-US" sz="2400" dirty="0"/>
+          </a:p>
+          <a:p>
+            <a:pPr marL="342900" indent="-342900">
+              <a:buFont typeface="Arial" panose="020B0604020202020204" pitchFamily="34" charset="0"/>
+              <a:buChar char="•"/>
+            </a:pPr>
+            <a:r>
+              <a:rPr lang="en-US" sz="2400" dirty="0"/>
+              <a:t>To define a general </a:t>
+            </a:r>
+            <a:r>
+              <a:rPr lang="en-US" sz="2400" dirty="0" err="1">
+                <a:solidFill>
+                  <a:srgbClr val="ED7D31"/>
+                </a:solidFill>
+              </a:rPr>
+              <a:t>environment_changes</a:t>
+            </a:r>
+            <a:r>
+              <a:rPr lang="en-US" sz="2400" dirty="0"/>
+              <a:t> </a:t>
+            </a:r>
+            <a:r>
+              <a:rPr lang="en-US" sz="2400" b="1" dirty="0"/>
+              <a:t>for all the components of a setup</a:t>
+            </a:r>
+            <a:r>
+              <a:rPr lang="en-US" sz="2400" dirty="0"/>
+              <a:t>, include the </a:t>
+            </a:r>
+            <a:r>
+              <a:rPr lang="en-US" sz="2400" dirty="0" err="1">
+                <a:solidFill>
+                  <a:srgbClr val="ED7D31"/>
+                </a:solidFill>
+              </a:rPr>
+              <a:t>environment_changes</a:t>
+            </a:r>
+            <a:r>
+              <a:rPr lang="en-US" sz="2400" dirty="0">
+                <a:solidFill>
+                  <a:srgbClr val="ED7D31"/>
+                </a:solidFill>
+              </a:rPr>
+              <a:t> </a:t>
+            </a:r>
+            <a:r>
+              <a:rPr lang="en-US" sz="2400" dirty="0"/>
+              <a:t>inside the </a:t>
+            </a:r>
+            <a:r>
+              <a:rPr lang="en-US" sz="2400" dirty="0">
+                <a:solidFill>
+                  <a:srgbClr val="ED7D31"/>
+                </a:solidFill>
+              </a:rPr>
+              <a:t>general</a:t>
+            </a:r>
+            <a:r>
+              <a:rPr lang="en-US" sz="2400" dirty="0"/>
+              <a:t> section of the </a:t>
+            </a:r>
+            <a:r>
+              <a:rPr lang="en-US" sz="2400" dirty="0">
+                <a:solidFill>
+                  <a:srgbClr val="ED7D31"/>
+                </a:solidFill>
+              </a:rPr>
+              <a:t>setup file</a:t>
+            </a:r>
+            <a:r>
+              <a:rPr lang="en-US" sz="2400" dirty="0"/>
+              <a:t>. </a:t>
+            </a:r>
+            <a:r>
+              <a:rPr lang="en-US" sz="2400" b="1" dirty="0"/>
+              <a:t>This will ignore all the</a:t>
+            </a:r>
+            <a:r>
+              <a:rPr lang="en-US" sz="2400" dirty="0"/>
+              <a:t> </a:t>
+            </a:r>
+            <a:r>
+              <a:rPr lang="en-US" sz="2400" dirty="0" err="1">
+                <a:solidFill>
+                  <a:srgbClr val="ED7D31"/>
+                </a:solidFill>
+              </a:rPr>
+              <a:t>environment_changes</a:t>
+            </a:r>
+            <a:r>
+              <a:rPr lang="en-US" sz="2400" dirty="0">
+                <a:solidFill>
+                  <a:srgbClr val="ED7D31"/>
+                </a:solidFill>
+              </a:rPr>
+              <a:t> </a:t>
+            </a:r>
+            <a:r>
+              <a:rPr lang="en-US" sz="2400" b="1" dirty="0"/>
+              <a:t>defined by the standalone files</a:t>
+            </a:r>
+            <a:r>
+              <a:rPr lang="en-US" sz="2400" dirty="0"/>
+              <a:t>. It is still possible to add component-specific </a:t>
+            </a:r>
+            <a:r>
+              <a:rPr lang="en-US" sz="2400" dirty="0" err="1">
+                <a:solidFill>
+                  <a:srgbClr val="ED7D31"/>
+                </a:solidFill>
+              </a:rPr>
+              <a:t>environment_changes</a:t>
+            </a:r>
+            <a:r>
+              <a:rPr lang="en-US" sz="2400" dirty="0"/>
+              <a:t> </a:t>
+            </a:r>
+            <a:r>
+              <a:rPr lang="en-US" sz="2400" b="1" dirty="0"/>
+              <a:t>from the </a:t>
+            </a:r>
+            <a:r>
+              <a:rPr lang="en-US" sz="2400" b="1" dirty="0">
+                <a:solidFill>
+                  <a:srgbClr val="ED7D31"/>
+                </a:solidFill>
+              </a:rPr>
+              <a:t>component</a:t>
+            </a:r>
+            <a:r>
+              <a:rPr lang="en-US" sz="2400" b="1" dirty="0"/>
+              <a:t> section inside the setup file</a:t>
+            </a:r>
+            <a:r>
+              <a:rPr lang="en-US" sz="2400" dirty="0"/>
+              <a:t>.</a:t>
+            </a:r>
+            <a:endParaRPr lang="en-GB" sz="2400" dirty="0">
+              <a:solidFill>
+                <a:schemeClr val="accent2"/>
+              </a:solidFill>
+            </a:endParaRPr>
+          </a:p>
+          <a:p>
+            <a:endParaRPr lang="en-GB" sz="2400" dirty="0">
+              <a:solidFill>
+                <a:schemeClr val="accent2"/>
+              </a:solidFill>
+            </a:endParaRPr>
+          </a:p>
+          <a:p>
+            <a:endParaRPr lang="en-GB" sz="2400" dirty="0">
+              <a:solidFill>
+                <a:schemeClr val="accent2"/>
+              </a:solidFill>
+            </a:endParaRPr>
+          </a:p>
+          <a:p>
+            <a:endParaRPr lang="en-GB" sz="2400" b="1" dirty="0"/>
+          </a:p>
+        </p:txBody>
+      </p:sp>
+      <p:sp>
+        <p:nvSpPr>
+          <p:cNvPr id="9" name="Isosceles Triangle 6">
+            <a:extLst>
+              <a:ext uri="{FF2B5EF4-FFF2-40B4-BE49-F238E27FC236}">
+                <a16:creationId xmlns:a16="http://schemas.microsoft.com/office/drawing/2014/main" id="{C8A477D7-37D5-C571-F295-169D7D1718A1}"/>
+              </a:ext>
+            </a:extLst>
+          </p:cNvPr>
+          <p:cNvSpPr/>
+          <p:nvPr/>
+        </p:nvSpPr>
+        <p:spPr>
+          <a:xfrm rot="5400000">
+            <a:off x="348693" y="1787158"/>
+            <a:ext cx="457812" cy="394666"/>
+          </a:xfrm>
+          <a:prstGeom prst="triangle">
+            <a:avLst/>
+          </a:prstGeom>
+          <a:solidFill>
+            <a:srgbClr val="00ACE6"/>
+          </a:solidFill>
+          <a:ln>
+            <a:noFill/>
+          </a:ln>
+        </p:spPr>
+        <p:style>
+          <a:lnRef idx="2">
+            <a:schemeClr val="accent1">
+              <a:shade val="50000"/>
+            </a:schemeClr>
+          </a:lnRef>
+          <a:fillRef idx="1">
+            <a:schemeClr val="accent1"/>
+          </a:fillRef>
+          <a:effectRef idx="0">
+            <a:schemeClr val="accent1"/>
+          </a:effectRef>
+          <a:fontRef idx="minor">
+            <a:schemeClr val="lt1"/>
+          </a:fontRef>
+        </p:style>
+        <p:txBody>
+          <a:bodyPr rtlCol="0" anchor="ctr"/>
+          <a:lstStyle/>
+          <a:p>
+            <a:pPr algn="ctr"/>
+            <a:endParaRPr lang="tr-TR"/>
+          </a:p>
+        </p:txBody>
+      </p:sp>
+    </p:spTree>
+    <p:extLst>
+      <p:ext uri="{BB962C8B-B14F-4D97-AF65-F5344CB8AC3E}">
+        <p14:creationId xmlns:p14="http://schemas.microsoft.com/office/powerpoint/2010/main" val="2352253443"/>
+      </p:ext>
+    </p:extLst>
+  </p:cSld>
+  <p:clrMapOvr>
+    <a:masterClrMapping/>
+  </p:clrMapOvr>
+</p:sld>
+</file>
+
+<file path=ppt/slides/slide2.xml><?xml version="1.0" encoding="utf-8"?>
+<p:sld xmlns:a="http://schemas.openxmlformats.org/drawingml/2006/main" xmlns:r="http://schemas.openxmlformats.org/officeDocument/2006/relationships" xmlns:p="http://schemas.openxmlformats.org/presentationml/2006/main">
+  <p:cSld>
+    <p:spTree>
+      <p:nvGrpSpPr>
+        <p:cNvPr id="1" name=""/>
+        <p:cNvGrpSpPr/>
+        <p:nvPr/>
+      </p:nvGrpSpPr>
+      <p:grpSpPr>
+        <a:xfrm>
+          <a:off x="0" y="0"/>
+          <a:ext cx="0" cy="0"/>
+          <a:chOff x="0" y="0"/>
+          <a:chExt cx="0" cy="0"/>
+        </a:xfrm>
+      </p:grpSpPr>
+      <p:sp>
+        <p:nvSpPr>
+          <p:cNvPr id="2" name="Rectangle 1"/>
+          <p:cNvSpPr/>
+          <p:nvPr/>
+        </p:nvSpPr>
+        <p:spPr>
+          <a:xfrm>
+            <a:off x="0" y="2"/>
+            <a:ext cx="12192000" cy="1296364"/>
+          </a:xfrm>
+          <a:prstGeom prst="rect">
+            <a:avLst/>
+          </a:prstGeom>
+          <a:solidFill>
+            <a:srgbClr val="00ACE6"/>
+          </a:solidFill>
+          <a:ln>
+            <a:noFill/>
+          </a:ln>
+        </p:spPr>
+        <p:style>
+          <a:lnRef idx="2">
+            <a:schemeClr val="accent1">
+              <a:shade val="50000"/>
+            </a:schemeClr>
+          </a:lnRef>
+          <a:fillRef idx="1">
+            <a:schemeClr val="accent1"/>
+          </a:fillRef>
+          <a:effectRef idx="0">
+            <a:schemeClr val="accent1"/>
+          </a:effectRef>
+          <a:fontRef idx="minor">
+            <a:schemeClr val="lt1"/>
+          </a:fontRef>
+        </p:style>
+        <p:txBody>
+          <a:bodyPr rtlCol="0" anchor="ctr"/>
+          <a:lstStyle/>
+          <a:p>
+            <a:r>
               <a:rPr lang="en-GB" sz="4800" b="1" dirty="0"/>
               <a:t>Machine files</a:t>
             </a:r>
@@ -3771,163 +5994,103 @@
           </a:p>
         </p:txBody>
       </p:sp>
-      <p:grpSp>
-        <p:nvGrpSpPr>
-          <p:cNvPr id="10" name="Group 9">
+      <p:sp>
+        <p:nvSpPr>
+          <p:cNvPr id="12" name="Oval Callout 11">
             <a:extLst>
               <a:ext uri="{FF2B5EF4-FFF2-40B4-BE49-F238E27FC236}">
-                <a16:creationId xmlns:a16="http://schemas.microsoft.com/office/drawing/2014/main" id="{F3CA97EE-EBCE-CECC-4D1D-B2D0382B8BF2}"/>
+                <a16:creationId xmlns:a16="http://schemas.microsoft.com/office/drawing/2014/main" id="{1F7FBECC-D66A-FDB7-01DD-AD3438F6FB83}"/>
               </a:ext>
             </a:extLst>
           </p:cNvPr>
-          <p:cNvGrpSpPr/>
+          <p:cNvSpPr/>
           <p:nvPr/>
-        </p:nvGrpSpPr>
-        <p:grpSpPr>
+        </p:nvSpPr>
+        <p:spPr>
           <a:xfrm>
-            <a:off x="7396221" y="2813186"/>
-            <a:ext cx="4508111" cy="1095709"/>
-            <a:chOff x="7455183" y="645108"/>
-            <a:chExt cx="6362830" cy="1546503"/>
+            <a:off x="8092515" y="2813186"/>
+            <a:ext cx="3811817" cy="704953"/>
           </a:xfrm>
-        </p:grpSpPr>
-        <p:pic>
-          <p:nvPicPr>
-            <p:cNvPr id="11" name="Picture 10">
-              <a:extLst>
-                <a:ext uri="{FF2B5EF4-FFF2-40B4-BE49-F238E27FC236}">
-                  <a16:creationId xmlns:a16="http://schemas.microsoft.com/office/drawing/2014/main" id="{C8176E27-FC46-DC88-314B-804B7B61FF18}"/>
-                </a:ext>
-              </a:extLst>
-            </p:cNvPr>
-            <p:cNvPicPr>
-              <a:picLocks noChangeAspect="1"/>
-            </p:cNvPicPr>
-            <p:nvPr/>
-          </p:nvPicPr>
-          <p:blipFill>
-            <a:blip r:embed="rId2">
-              <a:extLst>
-                <a:ext uri="{28A0092B-C50C-407E-A947-70E740481C1C}">
-                  <a14:useLocalDpi xmlns:a14="http://schemas.microsoft.com/office/drawing/2010/main" val="0"/>
-                </a:ext>
-              </a:extLst>
-            </a:blip>
-            <a:stretch>
-              <a:fillRect/>
-            </a:stretch>
-          </p:blipFill>
-          <p:spPr>
-            <a:xfrm>
-              <a:off x="7455183" y="1049945"/>
-              <a:ext cx="1141666" cy="1141666"/>
-            </a:xfrm>
-            <a:prstGeom prst="ellipse">
-              <a:avLst/>
-            </a:prstGeom>
+          <a:prstGeom prst="wedgeEllipseCallout">
+            <a:avLst>
+              <a:gd name="adj1" fmla="val -44496"/>
+              <a:gd name="adj2" fmla="val 56060"/>
+            </a:avLst>
+          </a:prstGeom>
+          <a:solidFill>
+            <a:schemeClr val="bg1"/>
+          </a:solidFill>
+          <a:ln>
             <a:solidFill>
-              <a:schemeClr val="bg1"/>
+              <a:schemeClr val="tx1"/>
             </a:solidFill>
-          </p:spPr>
-        </p:pic>
-        <p:sp>
-          <p:nvSpPr>
-            <p:cNvPr id="12" name="Oval Callout 11">
-              <a:extLst>
-                <a:ext uri="{FF2B5EF4-FFF2-40B4-BE49-F238E27FC236}">
-                  <a16:creationId xmlns:a16="http://schemas.microsoft.com/office/drawing/2014/main" id="{1F7FBECC-D66A-FDB7-01DD-AD3438F6FB83}"/>
-                </a:ext>
-              </a:extLst>
-            </p:cNvPr>
-            <p:cNvSpPr/>
-            <p:nvPr/>
-          </p:nvSpPr>
-          <p:spPr>
-            <a:xfrm>
-              <a:off x="8437945" y="645108"/>
-              <a:ext cx="5380068" cy="994983"/>
-            </a:xfrm>
-            <a:prstGeom prst="wedgeEllipseCallout">
-              <a:avLst>
-                <a:gd name="adj1" fmla="val -44496"/>
-                <a:gd name="adj2" fmla="val 56060"/>
-              </a:avLst>
-            </a:prstGeom>
-            <a:solidFill>
-              <a:schemeClr val="bg1"/>
-            </a:solidFill>
-            <a:ln>
+          </a:ln>
+        </p:spPr>
+        <p:style>
+          <a:lnRef idx="2">
+            <a:schemeClr val="accent1">
+              <a:shade val="50000"/>
+            </a:schemeClr>
+          </a:lnRef>
+          <a:fillRef idx="1">
+            <a:schemeClr val="accent1"/>
+          </a:fillRef>
+          <a:effectRef idx="0">
+            <a:schemeClr val="accent1"/>
+          </a:effectRef>
+          <a:fontRef idx="minor">
+            <a:schemeClr val="lt1"/>
+          </a:fontRef>
+        </p:style>
+        <p:txBody>
+          <a:bodyPr rtlCol="0" anchor="ctr"/>
+          <a:lstStyle/>
+          <a:p>
+            <a:pPr algn="ctr"/>
+            <a:r>
+              <a:rPr lang="en-GB" dirty="0">
+                <a:solidFill>
+                  <a:schemeClr val="tx1"/>
+                </a:solidFill>
+              </a:rPr>
+              <a:t>Have a look at the </a:t>
+            </a:r>
+            <a:r>
+              <a:rPr lang="en-GB" sz="1200" dirty="0" err="1">
+                <a:solidFill>
+                  <a:schemeClr val="tx1"/>
+                </a:solidFill>
+                <a:latin typeface="Monaco" pitchFamily="2" charset="77"/>
+              </a:rPr>
+              <a:t>esm_tools</a:t>
+            </a:r>
+            <a:r>
+              <a:rPr lang="en-GB" sz="1200" dirty="0">
+                <a:solidFill>
+                  <a:schemeClr val="tx1"/>
+                </a:solidFill>
+                <a:latin typeface="Monaco" pitchFamily="2" charset="77"/>
+              </a:rPr>
+              <a:t>/configs/machines/</a:t>
+            </a:r>
+            <a:r>
+              <a:rPr lang="en-GB" sz="1200" dirty="0" err="1">
+                <a:solidFill>
+                  <a:schemeClr val="tx1"/>
+                </a:solidFill>
+                <a:latin typeface="Monaco" pitchFamily="2" charset="77"/>
+              </a:rPr>
+              <a:t>mistral.yaml</a:t>
+            </a:r>
+            <a:endParaRPr lang="en-GB" dirty="0">
               <a:solidFill>
                 <a:schemeClr val="tx1"/>
               </a:solidFill>
-            </a:ln>
-          </p:spPr>
-          <p:style>
-            <a:lnRef idx="2">
-              <a:schemeClr val="accent1">
-                <a:shade val="50000"/>
-              </a:schemeClr>
-            </a:lnRef>
-            <a:fillRef idx="1">
-              <a:schemeClr val="accent1"/>
-            </a:fillRef>
-            <a:effectRef idx="0">
-              <a:schemeClr val="accent1"/>
-            </a:effectRef>
-            <a:fontRef idx="minor">
-              <a:schemeClr val="lt1"/>
-            </a:fontRef>
-          </p:style>
-          <p:txBody>
-            <a:bodyPr rtlCol="0" anchor="ctr"/>
-            <a:lstStyle/>
-            <a:p>
-              <a:pPr algn="ctr"/>
-              <a:r>
-                <a:rPr lang="en-GB" dirty="0">
-                  <a:solidFill>
-                    <a:schemeClr val="tx1"/>
-                  </a:solidFill>
-                </a:rPr>
-                <a:t>Have a look at the </a:t>
-              </a:r>
-              <a:r>
-                <a:rPr lang="en-GB" sz="1200" dirty="0" err="1">
-                  <a:solidFill>
-                    <a:schemeClr val="tx1"/>
-                  </a:solidFill>
-                  <a:latin typeface="Monaco" pitchFamily="2" charset="77"/>
-                </a:rPr>
-                <a:t>esm_tools</a:t>
-              </a:r>
-              <a:r>
-                <a:rPr lang="en-GB" sz="1200" dirty="0">
-                  <a:solidFill>
-                    <a:schemeClr val="tx1"/>
-                  </a:solidFill>
-                  <a:latin typeface="Monaco" pitchFamily="2" charset="77"/>
-                </a:rPr>
-                <a:t>/configs/machines/</a:t>
-              </a:r>
-              <a:r>
-                <a:rPr lang="en-GB" sz="1200" dirty="0" err="1">
-                  <a:solidFill>
-                    <a:schemeClr val="tx1"/>
-                  </a:solidFill>
-                  <a:latin typeface="Monaco" pitchFamily="2" charset="77"/>
-                </a:rPr>
-                <a:t>mistral.yaml</a:t>
-              </a:r>
-              <a:endParaRPr lang="en-GB" dirty="0">
-                <a:solidFill>
-                  <a:schemeClr val="tx1"/>
-                </a:solidFill>
-                <a:latin typeface="Monaco" pitchFamily="2" charset="77"/>
-              </a:endParaRPr>
-            </a:p>
-          </p:txBody>
-        </p:sp>
-      </p:grpSp>
+              <a:latin typeface="Monaco" pitchFamily="2" charset="77"/>
+            </a:endParaRPr>
+          </a:p>
+        </p:txBody>
+      </p:sp>
       <p:sp>
         <p:nvSpPr>
           <p:cNvPr id="5" name="Rectangle 4">
@@ -4082,6 +6245,9 @@
                     <p:cTn id="3" fill="hold">
                       <p:stCondLst>
                         <p:cond delay="indefinite"/>
+                        <p:cond evt="onBegin" delay="0">
+                          <p:tn val="2"/>
+                        </p:cond>
                       </p:stCondLst>
                       <p:childTnLst>
                         <p:par>
@@ -4091,7 +6257,7 @@
                             </p:stCondLst>
                             <p:childTnLst>
                               <p:par>
-                                <p:cTn id="5" presetID="1" presetClass="entr" presetSubtype="0" fill="hold" nodeType="clickEffect">
+                                <p:cTn id="5" presetID="1" presetClass="entr" presetSubtype="0" fill="hold" grpId="0" nodeType="withEffect">
                                   <p:stCondLst>
                                     <p:cond delay="0"/>
                                   </p:stCondLst>
@@ -4099,33 +6265,6 @@
                                     <p:set>
                                       <p:cBhvr>
                                         <p:cTn id="6" dur="1" fill="hold">
-                                          <p:stCondLst>
-                                            <p:cond delay="0"/>
-                                          </p:stCondLst>
-                                        </p:cTn>
-                                        <p:tgtEl>
-                                          <p:spTgt spid="10"/>
-                                        </p:tgtEl>
-                                        <p:attrNameLst>
-                                          <p:attrName>style.visibility</p:attrName>
-                                        </p:attrNameLst>
-                                      </p:cBhvr>
-                                      <p:to>
-                                        <p:strVal val="visible"/>
-                                      </p:to>
-                                    </p:set>
-                                  </p:childTnLst>
-                                </p:cTn>
-                              </p:par>
-                              <p:par>
-                                <p:cTn id="7" presetID="1" presetClass="entr" presetSubtype="0" fill="hold" grpId="0" nodeType="withEffect">
-                                  <p:stCondLst>
-                                    <p:cond delay="0"/>
-                                  </p:stCondLst>
-                                  <p:childTnLst>
-                                    <p:set>
-                                      <p:cBhvr>
-                                        <p:cTn id="8" dur="1" fill="hold">
                                           <p:stCondLst>
                                             <p:cond delay="0"/>
                                           </p:stCondLst>
@@ -4178,7 +6317,7 @@
 </p:sld>
 </file>
 
-<file path=ppt/slides/slide10.xml><?xml version="1.0" encoding="utf-8"?>
+<file path=ppt/slides/slide3.xml><?xml version="1.0" encoding="utf-8"?>
 <p:sld xmlns:a="http://schemas.openxmlformats.org/drawingml/2006/main" xmlns:r="http://schemas.openxmlformats.org/officeDocument/2006/relationships" xmlns:p="http://schemas.openxmlformats.org/presentationml/2006/main">
   <p:cSld>
     <p:spTree>
@@ -4237,10 +6376,9 @@
           <a:lstStyle/>
           <a:p>
             <a:r>
-              <a:rPr lang="en-GB" sz="4800" b="1" dirty="0" err="1"/>
-              <a:t>environment_changes</a:t>
-            </a:r>
-            <a:endParaRPr lang="en-GB" sz="4800" b="1" dirty="0"/>
+              <a:rPr lang="en-GB" sz="4800" b="1" dirty="0"/>
+              <a:t>Machine files</a:t>
+            </a:r>
           </a:p>
         </p:txBody>
       </p:sp>
@@ -4252,8 +6390,8 @@
         </p:nvSpPr>
         <p:spPr>
           <a:xfrm>
-            <a:off x="1061012" y="1296366"/>
-            <a:ext cx="10069975" cy="7109639"/>
+            <a:off x="1061012" y="1462072"/>
+            <a:ext cx="10069975" cy="8032968"/>
           </a:xfrm>
           <a:prstGeom prst="rect">
             <a:avLst/>
@@ -4267,12 +6405,34 @@
           <a:lstStyle/>
           <a:p>
             <a:r>
-              <a:rPr lang="en-US" sz="2400" b="1" dirty="0"/>
-              <a:t>Coupled setups</a:t>
-            </a:r>
-          </a:p>
-          <a:p>
-            <a:endParaRPr lang="en-US" sz="2400" dirty="0"/>
+              <a:rPr lang="en-GB" sz="2400" b="1" dirty="0"/>
+              <a:t>Feature variables</a:t>
+            </a:r>
+          </a:p>
+          <a:p>
+            <a:endParaRPr lang="en-GB" sz="2400" dirty="0">
+              <a:solidFill>
+                <a:schemeClr val="accent2"/>
+              </a:solidFill>
+            </a:endParaRPr>
+          </a:p>
+          <a:p>
+            <a:r>
+              <a:rPr lang="en-GB" sz="2400" dirty="0"/>
+              <a:t>SBATCH flags – list of featured variables that can be used from the </a:t>
+            </a:r>
+            <a:r>
+              <a:rPr lang="en-GB" sz="2400" dirty="0">
+                <a:solidFill>
+                  <a:srgbClr val="ED7D31"/>
+                </a:solidFill>
+              </a:rPr>
+              <a:t>computer</a:t>
+            </a:r>
+            <a:r>
+              <a:rPr lang="en-GB" sz="2400" dirty="0"/>
+              <a:t> section to set SBATCH flags (and their defaults):</a:t>
+            </a:r>
           </a:p>
           <a:p>
             <a:pPr marL="342900" indent="-342900">
@@ -4280,78 +6440,16 @@
               <a:buChar char="•"/>
             </a:pPr>
             <a:r>
-              <a:rPr lang="en-GB" sz="2400" dirty="0" err="1">
+              <a:rPr lang="en-GB" sz="1400" dirty="0" err="1">
                 <a:solidFill>
                   <a:srgbClr val="ED7D31"/>
                 </a:solidFill>
               </a:rPr>
-              <a:t>compiletime_environment_changes</a:t>
-            </a:r>
-            <a:r>
-              <a:rPr lang="en-GB" sz="2400" dirty="0">
-                <a:solidFill>
-                  <a:srgbClr val="ED7D31"/>
-                </a:solidFill>
-              </a:rPr>
-              <a:t> </a:t>
-            </a:r>
-            <a:r>
-              <a:rPr lang="en-GB" sz="2400" dirty="0"/>
-              <a:t>allows for different compilation environments under the same coupled setup (i.e. in AWI-ESM-2, the </a:t>
-            </a:r>
-            <a:r>
-              <a:rPr lang="en-GB" dirty="0" err="1">
-                <a:latin typeface="Monaco" pitchFamily="2" charset="77"/>
-              </a:rPr>
-              <a:t>echam.yaml</a:t>
-            </a:r>
-            <a:r>
-              <a:rPr lang="en-GB" dirty="0">
-                <a:latin typeface="Monaco" pitchFamily="2" charset="77"/>
-              </a:rPr>
-              <a:t> </a:t>
-            </a:r>
-            <a:r>
-              <a:rPr lang="en-GB" sz="2400" dirty="0"/>
-              <a:t>and the </a:t>
-            </a:r>
-            <a:r>
-              <a:rPr lang="en-GB" dirty="0">
-                <a:latin typeface="Monaco" pitchFamily="2" charset="77"/>
-              </a:rPr>
-              <a:t>fesom-2.1.yaml </a:t>
-            </a:r>
-            <a:r>
-              <a:rPr lang="en-GB" sz="2400" dirty="0"/>
-              <a:t>both contain </a:t>
-            </a:r>
-            <a:r>
-              <a:rPr lang="en-GB" sz="2400" dirty="0" err="1">
-                <a:solidFill>
-                  <a:srgbClr val="ED7D31"/>
-                </a:solidFill>
-              </a:rPr>
-              <a:t>compiletime_environment_changes</a:t>
-            </a:r>
-            <a:r>
-              <a:rPr lang="en-GB" sz="2400" dirty="0"/>
-              <a:t>, resulting in different compilation environments during </a:t>
-            </a:r>
-            <a:r>
-              <a:rPr lang="en-GB" dirty="0" err="1">
-                <a:latin typeface="Monaco" pitchFamily="2" charset="77"/>
-              </a:rPr>
-              <a:t>esm_master</a:t>
-            </a:r>
-            <a:r>
-              <a:rPr lang="en-GB" dirty="0">
-                <a:latin typeface="Monaco" pitchFamily="2" charset="77"/>
-              </a:rPr>
-              <a:t> comp-awiesm-2.1</a:t>
-            </a:r>
-            <a:r>
-              <a:rPr lang="en-GB" sz="2400" dirty="0"/>
-              <a:t>) </a:t>
+              <a:t>exclusive_flag</a:t>
+            </a:r>
+            <a:r>
+              <a:rPr lang="en-GB" sz="1400" dirty="0"/>
+              <a:t>: ”--exclusive"</a:t>
             </a:r>
           </a:p>
           <a:p>
@@ -4360,160 +6458,401 @@
               <a:buChar char="•"/>
             </a:pPr>
             <a:r>
-              <a:rPr lang="en-GB" sz="2400" dirty="0"/>
-              <a:t>The runtime environment for online coupled setups is the result of combining:</a:t>
-            </a:r>
-          </a:p>
-          <a:p>
-            <a:pPr marL="914400" lvl="1" indent="-457200">
-              <a:buFont typeface="+mj-lt"/>
-              <a:buAutoNum type="arabicPeriod"/>
+              <a:rPr lang="en-GB" sz="1400" dirty="0" err="1">
+                <a:solidFill>
+                  <a:srgbClr val="ED7D31"/>
+                </a:solidFill>
+              </a:rPr>
+              <a:t>notification_flag</a:t>
+            </a:r>
+            <a:r>
+              <a:rPr lang="en-GB" sz="1400" dirty="0"/>
+              <a:t>: “--</a:t>
+            </a:r>
+            <a:r>
+              <a:rPr lang="en-GB" sz="1400" dirty="0" err="1"/>
+              <a:t>mail_type</a:t>
+            </a:r>
+            <a:r>
+              <a:rPr lang="en-GB" sz="1400" dirty="0"/>
+              <a:t>=&lt;type&gt; --</a:t>
+            </a:r>
+            <a:r>
+              <a:rPr lang="en-GB" sz="1400" dirty="0" err="1"/>
+              <a:t>mail_user</a:t>
+            </a:r>
+            <a:r>
+              <a:rPr lang="en-GB" sz="1400" dirty="0"/>
+              <a:t>=&lt;email&gt;”</a:t>
+            </a:r>
+          </a:p>
+          <a:p>
+            <a:pPr marL="342900" indent="-342900">
+              <a:buFont typeface="Arial" panose="020B0604020202020204" pitchFamily="34" charset="0"/>
+              <a:buChar char="•"/>
             </a:pPr>
             <a:r>
-              <a:rPr lang="en-GB" sz="2400" dirty="0"/>
-              <a:t>The environment information of the &lt;</a:t>
-            </a:r>
-            <a:r>
-              <a:rPr lang="en-GB" sz="2400" dirty="0">
+              <a:rPr lang="en-US" sz="1400" dirty="0" err="1">
                 <a:solidFill>
                   <a:srgbClr val="ED7D31"/>
                 </a:solidFill>
               </a:rPr>
-              <a:t>machine</a:t>
-            </a:r>
-            <a:r>
-              <a:rPr lang="en-GB" sz="2400" dirty="0"/>
-              <a:t>&gt;</a:t>
-            </a:r>
-            <a:r>
-              <a:rPr lang="en-GB" sz="2400" dirty="0">
+              <a:t>single_proc_submit_flag</a:t>
+            </a:r>
+            <a:r>
+              <a:rPr lang="en-US" sz="1400" dirty="0"/>
+              <a:t>: "--</a:t>
+            </a:r>
+            <a:r>
+              <a:rPr lang="en-US" sz="1400" dirty="0" err="1"/>
+              <a:t>ntasks</a:t>
+            </a:r>
+            <a:r>
+              <a:rPr lang="en-US" sz="1400" dirty="0"/>
+              <a:t>-per-node=1” (</a:t>
+            </a:r>
+            <a:r>
+              <a:rPr lang="en-US" sz="1400" b="1" dirty="0"/>
+              <a:t>calculated automatically</a:t>
+            </a:r>
+            <a:r>
+              <a:rPr lang="en-US" sz="1400" dirty="0"/>
+              <a:t> by ESM-Tools, based on </a:t>
+            </a:r>
+            <a:r>
+              <a:rPr lang="en-US" sz="1400" dirty="0" err="1"/>
+              <a:t>nproc</a:t>
+            </a:r>
+            <a:r>
+              <a:rPr lang="en-US" sz="1400" dirty="0"/>
+              <a:t>, </a:t>
+            </a:r>
+            <a:r>
+              <a:rPr lang="en-US" sz="1400" dirty="0" err="1"/>
+              <a:t>nproca</a:t>
+            </a:r>
+            <a:r>
+              <a:rPr lang="en-US" sz="1400" dirty="0"/>
+              <a:t>/</a:t>
+            </a:r>
+            <a:r>
+              <a:rPr lang="en-US" sz="1400" dirty="0" err="1"/>
+              <a:t>nprocb</a:t>
+            </a:r>
+            <a:r>
+              <a:rPr lang="en-US" sz="1400" dirty="0"/>
+              <a:t>, </a:t>
+            </a:r>
+            <a:r>
+              <a:rPr lang="en-US" sz="1400" dirty="0" err="1"/>
+              <a:t>omp_num_threads</a:t>
+            </a:r>
+            <a:r>
+              <a:rPr lang="en-US" sz="1400" dirty="0"/>
+              <a:t>…)</a:t>
+            </a:r>
+          </a:p>
+          <a:p>
+            <a:pPr marL="342900" indent="-342900">
+              <a:buFont typeface="Arial" panose="020B0604020202020204" pitchFamily="34" charset="0"/>
+              <a:buChar char="•"/>
+            </a:pPr>
+            <a:r>
+              <a:rPr lang="en-US" sz="1400" dirty="0" err="1">
                 <a:solidFill>
                   <a:srgbClr val="ED7D31"/>
                 </a:solidFill>
               </a:rPr>
-              <a:t>.</a:t>
-            </a:r>
-            <a:r>
-              <a:rPr lang="en-GB" sz="2400" dirty="0" err="1">
+              <a:t>tasks_flag</a:t>
+            </a:r>
+            <a:r>
+              <a:rPr lang="en-US" sz="1400" dirty="0"/>
+              <a:t>: "--</a:t>
+            </a:r>
+            <a:r>
+              <a:rPr lang="en-US" sz="1400" dirty="0" err="1"/>
+              <a:t>ntasks</a:t>
+            </a:r>
+            <a:r>
+              <a:rPr lang="en-US" sz="1400" dirty="0"/>
+              <a:t>=@tasks@” (</a:t>
+            </a:r>
+            <a:r>
+              <a:rPr lang="en-US" sz="1400" b="1" dirty="0"/>
+              <a:t>calculated automatically</a:t>
+            </a:r>
+            <a:r>
+              <a:rPr lang="en-US" sz="1400" dirty="0"/>
+              <a:t> by ESM-Tools, based on </a:t>
+            </a:r>
+            <a:r>
+              <a:rPr lang="en-US" sz="1400" dirty="0" err="1"/>
+              <a:t>nproc</a:t>
+            </a:r>
+            <a:r>
+              <a:rPr lang="en-US" sz="1400" dirty="0"/>
+              <a:t>, </a:t>
+            </a:r>
+            <a:r>
+              <a:rPr lang="en-US" sz="1400" dirty="0" err="1"/>
+              <a:t>nproca</a:t>
+            </a:r>
+            <a:r>
+              <a:rPr lang="en-US" sz="1400" dirty="0"/>
+              <a:t>/</a:t>
+            </a:r>
+            <a:r>
+              <a:rPr lang="en-US" sz="1400" dirty="0" err="1"/>
+              <a:t>nprocb</a:t>
+            </a:r>
+            <a:r>
+              <a:rPr lang="en-US" sz="1400" dirty="0"/>
+              <a:t>, </a:t>
+            </a:r>
+            <a:r>
+              <a:rPr lang="en-US" sz="1400" dirty="0" err="1"/>
+              <a:t>omp_num_threads</a:t>
+            </a:r>
+            <a:r>
+              <a:rPr lang="en-US" sz="1400" dirty="0"/>
+              <a:t>…)</a:t>
+            </a:r>
+          </a:p>
+          <a:p>
+            <a:pPr marL="342900" indent="-342900">
+              <a:buFont typeface="Arial" panose="020B0604020202020204" pitchFamily="34" charset="0"/>
+              <a:buChar char="•"/>
+            </a:pPr>
+            <a:r>
+              <a:rPr lang="en-US" sz="1400" dirty="0" err="1">
                 <a:solidFill>
                   <a:srgbClr val="ED7D31"/>
                 </a:solidFill>
               </a:rPr>
-              <a:t>yaml</a:t>
-            </a:r>
-            <a:endParaRPr lang="en-GB" sz="2400" dirty="0">
-              <a:solidFill>
-                <a:srgbClr val="ED7D31"/>
-              </a:solidFill>
-            </a:endParaRPr>
-          </a:p>
-          <a:p>
-            <a:pPr marL="914400" lvl="1" indent="-457200">
-              <a:buFont typeface="+mj-lt"/>
-              <a:buAutoNum type="arabicPeriod"/>
+              <a:t>partition_flag</a:t>
+            </a:r>
+            <a:r>
+              <a:rPr lang="en-US" sz="1400" dirty="0"/>
+              <a:t>: "--partition=@partition@” (</a:t>
+            </a:r>
+            <a:r>
+              <a:rPr lang="en-US" sz="1400" b="1" dirty="0"/>
+              <a:t>calculated automatical</a:t>
+            </a:r>
+            <a:r>
+              <a:rPr lang="en-US" sz="1400" dirty="0"/>
+              <a:t>ly by ESM-Tools with the info from </a:t>
+            </a:r>
+            <a:r>
+              <a:rPr lang="en-US" sz="1400" dirty="0">
+                <a:solidFill>
+                  <a:srgbClr val="ED7D31"/>
+                </a:solidFill>
+              </a:rPr>
+              <a:t>partitions</a:t>
+            </a:r>
+            <a:r>
+              <a:rPr lang="en-US" sz="1400" dirty="0"/>
+              <a:t> dictionary –next slide-)</a:t>
+            </a:r>
+          </a:p>
+          <a:p>
+            <a:pPr marL="342900" indent="-342900">
+              <a:buFont typeface="Arial" panose="020B0604020202020204" pitchFamily="34" charset="0"/>
+              <a:buChar char="•"/>
             </a:pPr>
             <a:r>
-              <a:rPr lang="en-GB" sz="2400" dirty="0"/>
-              <a:t>The environment information contained in the </a:t>
-            </a:r>
-            <a:r>
-              <a:rPr lang="en-GB" sz="2400" dirty="0" err="1">
+              <a:rPr lang="en-US" sz="1400" dirty="0" err="1">
                 <a:solidFill>
                   <a:srgbClr val="ED7D31"/>
                 </a:solidFill>
               </a:rPr>
-              <a:t>runtime_environment_changes</a:t>
-            </a:r>
-            <a:r>
-              <a:rPr lang="en-GB" sz="2400" dirty="0">
+              <a:t>nodes_flag</a:t>
+            </a:r>
+            <a:r>
+              <a:rPr lang="en-US" sz="1400" dirty="0"/>
+              <a:t>: "--nodes=@nodes@” (</a:t>
+            </a:r>
+            <a:r>
+              <a:rPr lang="en-US" sz="1400" b="1" dirty="0"/>
+              <a:t>calculated automatically</a:t>
+            </a:r>
+            <a:r>
+              <a:rPr lang="en-US" sz="1400" dirty="0"/>
+              <a:t> by ESM-Tools, based on </a:t>
+            </a:r>
+            <a:r>
+              <a:rPr lang="en-US" sz="1400" dirty="0" err="1"/>
+              <a:t>nproc</a:t>
+            </a:r>
+            <a:r>
+              <a:rPr lang="en-US" sz="1400" dirty="0"/>
+              <a:t>, </a:t>
+            </a:r>
+            <a:r>
+              <a:rPr lang="en-US" sz="1400" dirty="0" err="1"/>
+              <a:t>nproca</a:t>
+            </a:r>
+            <a:r>
+              <a:rPr lang="en-US" sz="1400" dirty="0"/>
+              <a:t>/</a:t>
+            </a:r>
+            <a:r>
+              <a:rPr lang="en-US" sz="1400" dirty="0" err="1"/>
+              <a:t>nprocb</a:t>
+            </a:r>
+            <a:r>
+              <a:rPr lang="en-US" sz="1400" dirty="0"/>
+              <a:t>, </a:t>
+            </a:r>
+            <a:r>
+              <a:rPr lang="en-US" sz="1400" dirty="0" err="1"/>
+              <a:t>omp_num_threads</a:t>
+            </a:r>
+            <a:r>
+              <a:rPr lang="en-US" sz="1400" dirty="0"/>
+              <a:t>…)</a:t>
+            </a:r>
+          </a:p>
+          <a:p>
+            <a:pPr marL="342900" indent="-342900">
+              <a:buFont typeface="Arial" panose="020B0604020202020204" pitchFamily="34" charset="0"/>
+              <a:buChar char="•"/>
+            </a:pPr>
+            <a:r>
+              <a:rPr lang="en-US" sz="1400" dirty="0" err="1">
                 <a:solidFill>
                   <a:srgbClr val="ED7D31"/>
                 </a:solidFill>
               </a:rPr>
-              <a:t> </a:t>
-            </a:r>
-            <a:r>
-              <a:rPr lang="en-GB" sz="2400" dirty="0"/>
-              <a:t>in the </a:t>
-            </a:r>
-            <a:r>
-              <a:rPr lang="en-GB" sz="2400" dirty="0">
+              <a:t>time_flag</a:t>
+            </a:r>
+            <a:r>
+              <a:rPr lang="en-US" sz="1400" dirty="0"/>
+              <a:t>: "--time=${</a:t>
+            </a:r>
+            <a:r>
+              <a:rPr lang="en-US" sz="1400" dirty="0" err="1"/>
+              <a:t>compute_time</a:t>
+            </a:r>
+            <a:r>
+              <a:rPr lang="en-US" sz="1400" dirty="0"/>
+              <a:t>}” (</a:t>
+            </a:r>
+            <a:r>
+              <a:rPr lang="en-US" sz="1400" b="1" dirty="0"/>
+              <a:t>calculated automatically</a:t>
+            </a:r>
+            <a:r>
+              <a:rPr lang="en-US" sz="1400" dirty="0"/>
+              <a:t> by ESM-Tools with the info from the </a:t>
+            </a:r>
+            <a:r>
+              <a:rPr lang="en-US" sz="1400" dirty="0">
                 <a:solidFill>
                   <a:srgbClr val="ED7D31"/>
                 </a:solidFill>
               </a:rPr>
-              <a:t>component files </a:t>
-            </a:r>
-            <a:r>
-              <a:rPr lang="en-GB" sz="2400" dirty="0"/>
-              <a:t>(i.e. </a:t>
-            </a:r>
-            <a:r>
-              <a:rPr lang="en-GB" dirty="0" err="1">
-                <a:latin typeface="Monaco" pitchFamily="2" charset="77"/>
-              </a:rPr>
-              <a:t>echam.yaml</a:t>
-            </a:r>
-            <a:r>
-              <a:rPr lang="en-GB" sz="1400" dirty="0">
-                <a:latin typeface="Monaco" pitchFamily="2" charset="77"/>
-              </a:rPr>
-              <a:t>, </a:t>
-            </a:r>
-            <a:r>
-              <a:rPr lang="en-GB" dirty="0">
-                <a:latin typeface="Monaco" pitchFamily="2" charset="77"/>
-              </a:rPr>
-              <a:t>fesom-2.1.yaml</a:t>
-            </a:r>
-            <a:r>
-              <a:rPr lang="en-GB" sz="2400" dirty="0"/>
-              <a:t>, ...)</a:t>
-            </a:r>
-          </a:p>
-          <a:p>
-            <a:pPr marL="914400" lvl="1" indent="-457200">
-              <a:buFont typeface="+mj-lt"/>
-              <a:buAutoNum type="arabicPeriod"/>
+              <a:t>experiment time variables</a:t>
+            </a:r>
+            <a:r>
+              <a:rPr lang="en-US" sz="1400" dirty="0"/>
+              <a:t> -1</a:t>
+            </a:r>
+            <a:r>
+              <a:rPr lang="en-US" sz="1400" baseline="30000" dirty="0"/>
+              <a:t>st</a:t>
+            </a:r>
+            <a:r>
+              <a:rPr lang="en-US" sz="1400" dirty="0"/>
+              <a:t> day presentation-)</a:t>
+            </a:r>
+          </a:p>
+          <a:p>
+            <a:pPr marL="342900" indent="-342900">
+              <a:buFont typeface="Arial" panose="020B0604020202020204" pitchFamily="34" charset="0"/>
+              <a:buChar char="•"/>
             </a:pPr>
             <a:r>
-              <a:rPr lang="en-GB" sz="2400" dirty="0"/>
-              <a:t>The environment information contained in the </a:t>
-            </a:r>
-            <a:r>
-              <a:rPr lang="en-GB" sz="2400" dirty="0" err="1">
+              <a:rPr lang="en-US" sz="1400" dirty="0" err="1">
                 <a:solidFill>
                   <a:srgbClr val="ED7D31"/>
                 </a:solidFill>
               </a:rPr>
-              <a:t>runtime_environment_changes</a:t>
-            </a:r>
-            <a:r>
-              <a:rPr lang="en-GB" sz="2400" dirty="0"/>
-              <a:t> in the </a:t>
-            </a:r>
-            <a:r>
-              <a:rPr lang="en-GB" sz="2400" dirty="0">
+              <a:t>hyperthreading_flag</a:t>
+            </a:r>
+            <a:r>
+              <a:rPr lang="en-US" sz="1400" dirty="0"/>
+              <a:t>: False</a:t>
+            </a:r>
+          </a:p>
+          <a:p>
+            <a:pPr marL="342900" indent="-342900">
+              <a:buFont typeface="Arial" panose="020B0604020202020204" pitchFamily="34" charset="0"/>
+              <a:buChar char="•"/>
+            </a:pPr>
+            <a:r>
+              <a:rPr lang="en-US" sz="2000" b="1" dirty="0" err="1">
                 <a:solidFill>
                   <a:srgbClr val="ED7D31"/>
                 </a:solidFill>
               </a:rPr>
-              <a:t>setup file </a:t>
-            </a:r>
-            <a:r>
-              <a:rPr lang="en-GB" sz="2400" dirty="0"/>
-              <a:t>(</a:t>
-            </a:r>
-            <a:r>
-              <a:rPr lang="en-GB" dirty="0" err="1">
-                <a:latin typeface="Monaco" pitchFamily="2" charset="77"/>
-              </a:rPr>
-              <a:t>awiesm.yaml</a:t>
-            </a:r>
-            <a:r>
-              <a:rPr lang="en-GB" sz="2400" dirty="0"/>
+              <a:t>additional_flags</a:t>
+            </a:r>
+            <a:r>
+              <a:rPr lang="en-US" sz="2000" dirty="0"/>
+              <a:t>: "” (you can use this variable to add more SBATCH flags as a </a:t>
+            </a:r>
+            <a:r>
+              <a:rPr lang="en-US" sz="2000" dirty="0">
+                <a:solidFill>
+                  <a:srgbClr val="ED7D31"/>
+                </a:solidFill>
+              </a:rPr>
+              <a:t>list</a:t>
+            </a:r>
+            <a:r>
+              <a:rPr lang="en-US" sz="2000" dirty="0"/>
               <a:t>)</a:t>
             </a:r>
+          </a:p>
+          <a:p>
+            <a:pPr marL="342900" indent="-342900">
+              <a:buFont typeface="Arial" panose="020B0604020202020204" pitchFamily="34" charset="0"/>
+              <a:buChar char="•"/>
+            </a:pPr>
+            <a:endParaRPr lang="en-US" dirty="0"/>
+          </a:p>
+          <a:p>
+            <a:pPr marL="342900" indent="-342900">
+              <a:buFont typeface="Arial" panose="020B0604020202020204" pitchFamily="34" charset="0"/>
+              <a:buChar char="•"/>
+            </a:pPr>
+            <a:endParaRPr lang="en-US" dirty="0"/>
+          </a:p>
+          <a:p>
+            <a:pPr marL="342900" indent="-342900">
+              <a:buFont typeface="Arial" panose="020B0604020202020204" pitchFamily="34" charset="0"/>
+              <a:buChar char="•"/>
+            </a:pPr>
+            <a:endParaRPr lang="en-US" sz="2400" dirty="0"/>
+          </a:p>
+          <a:p>
+            <a:pPr marL="342900" indent="-342900">
+              <a:buFont typeface="Arial" panose="020B0604020202020204" pitchFamily="34" charset="0"/>
+              <a:buChar char="•"/>
+            </a:pPr>
+            <a:endParaRPr lang="en-GB" sz="2400" dirty="0"/>
+          </a:p>
+          <a:p>
+            <a:pPr marL="342900" indent="-342900">
+              <a:buFont typeface="Arial" panose="020B0604020202020204" pitchFamily="34" charset="0"/>
+              <a:buChar char="•"/>
+            </a:pPr>
+            <a:endParaRPr lang="en-GB" sz="2400" dirty="0"/>
+          </a:p>
+          <a:p>
+            <a:endParaRPr lang="en-GB" sz="2400" dirty="0"/>
           </a:p>
           <a:p>
             <a:endParaRPr lang="en-GB" sz="2400" dirty="0">
@@ -4555,7 +6894,7 @@
         </p:nvSpPr>
         <p:spPr>
           <a:xfrm rot="5400000">
-            <a:off x="348693" y="1380756"/>
+            <a:off x="348693" y="2233121"/>
             <a:ext cx="457812" cy="394666"/>
           </a:xfrm>
           <a:prstGeom prst="triangle">
@@ -4593,10 +6932,178 @@
           </a:p>
         </p:txBody>
       </p:sp>
+      <p:sp>
+        <p:nvSpPr>
+          <p:cNvPr id="4" name="Rectangle 3">
+            <a:extLst>
+              <a:ext uri="{FF2B5EF4-FFF2-40B4-BE49-F238E27FC236}">
+                <a16:creationId xmlns:a16="http://schemas.microsoft.com/office/drawing/2014/main" id="{897F0ADE-59A3-A2A1-690C-950722553BDC}"/>
+              </a:ext>
+            </a:extLst>
+          </p:cNvPr>
+          <p:cNvSpPr/>
+          <p:nvPr/>
+        </p:nvSpPr>
+        <p:spPr>
+          <a:xfrm>
+            <a:off x="1925825" y="5778571"/>
+            <a:ext cx="3900669" cy="954107"/>
+          </a:xfrm>
+          <a:prstGeom prst="rect">
+            <a:avLst/>
+          </a:prstGeom>
+          <a:ln>
+            <a:solidFill>
+              <a:schemeClr val="tx1"/>
+            </a:solidFill>
+          </a:ln>
+        </p:spPr>
+        <p:txBody>
+          <a:bodyPr wrap="square">
+            <a:spAutoFit/>
+          </a:bodyPr>
+          <a:lstStyle/>
+          <a:p>
+            <a:r>
+              <a:rPr lang="en-GB" sz="1400" b="1" dirty="0">
+                <a:latin typeface="Menlo-Regular" panose="020B0609030804020204" pitchFamily="49" charset="0"/>
+              </a:rPr>
+              <a:t>&lt;</a:t>
+            </a:r>
+            <a:r>
+              <a:rPr lang="en-GB" sz="1400" b="1" dirty="0" err="1">
+                <a:latin typeface="Menlo-Regular" panose="020B0609030804020204" pitchFamily="49" charset="0"/>
+              </a:rPr>
+              <a:t>your_runscript</a:t>
+            </a:r>
+            <a:r>
+              <a:rPr lang="en-GB" sz="1400" b="1" dirty="0">
+                <a:latin typeface="Menlo-Regular" panose="020B0609030804020204" pitchFamily="49" charset="0"/>
+              </a:rPr>
+              <a:t>&gt;.</a:t>
+            </a:r>
+            <a:r>
+              <a:rPr lang="en-GB" sz="1400" b="1" dirty="0" err="1">
+                <a:latin typeface="Menlo-Regular" panose="020B0609030804020204" pitchFamily="49" charset="0"/>
+              </a:rPr>
+              <a:t>yaml</a:t>
+            </a:r>
+            <a:endParaRPr lang="en-GB" sz="1400" dirty="0">
+              <a:latin typeface="Menlo-Regular" panose="020B0609030804020204" pitchFamily="49" charset="0"/>
+            </a:endParaRPr>
+          </a:p>
+          <a:p>
+            <a:r>
+              <a:rPr lang="en-GB" sz="1400" dirty="0">
+                <a:solidFill>
+                  <a:srgbClr val="3ABBC8"/>
+                </a:solidFill>
+                <a:latin typeface="Menlo-Regular" panose="020B0609030804020204" pitchFamily="49" charset="0"/>
+              </a:rPr>
+              <a:t>computer</a:t>
+            </a:r>
+            <a:r>
+              <a:rPr lang="en-GB" sz="1400" dirty="0">
+                <a:solidFill>
+                  <a:srgbClr val="DE2ADD"/>
+                </a:solidFill>
+                <a:latin typeface="Menlo-Regular" panose="020B0609030804020204" pitchFamily="49" charset="0"/>
+              </a:rPr>
+              <a:t>:</a:t>
+            </a:r>
+          </a:p>
+          <a:p>
+            <a:r>
+              <a:rPr lang="en-GB" sz="1400" dirty="0">
+                <a:solidFill>
+                  <a:srgbClr val="F2F2F2"/>
+                </a:solidFill>
+                <a:latin typeface="Menlo-Regular" panose="020B0609030804020204" pitchFamily="49" charset="0"/>
+              </a:rPr>
+              <a:t>    </a:t>
+            </a:r>
+            <a:r>
+              <a:rPr lang="en-GB" sz="1400" dirty="0" err="1">
+                <a:solidFill>
+                  <a:srgbClr val="3ABBC8"/>
+                </a:solidFill>
+                <a:latin typeface="Menlo-Regular" panose="020B0609030804020204" pitchFamily="49" charset="0"/>
+              </a:rPr>
+              <a:t>add_</a:t>
+            </a:r>
+            <a:r>
+              <a:rPr lang="en-GB" sz="1400" b="1" dirty="0" err="1">
+                <a:solidFill>
+                  <a:srgbClr val="3ABBC8"/>
+                </a:solidFill>
+                <a:latin typeface="Menlo-Regular" panose="020B0609030804020204" pitchFamily="49" charset="0"/>
+              </a:rPr>
+              <a:t>additional_flags</a:t>
+            </a:r>
+            <a:r>
+              <a:rPr lang="en-GB" sz="1400" dirty="0">
+                <a:solidFill>
+                  <a:srgbClr val="DE2ADD"/>
+                </a:solidFill>
+                <a:latin typeface="Menlo-Regular" panose="020B0609030804020204" pitchFamily="49" charset="0"/>
+              </a:rPr>
+              <a:t>:</a:t>
+            </a:r>
+          </a:p>
+          <a:p>
+            <a:r>
+              <a:rPr lang="en-GB" sz="1400" dirty="0">
+                <a:solidFill>
+                  <a:srgbClr val="F2F2F2"/>
+                </a:solidFill>
+                <a:latin typeface="Menlo-Regular" panose="020B0609030804020204" pitchFamily="49" charset="0"/>
+              </a:rPr>
+              <a:t>        </a:t>
+            </a:r>
+            <a:r>
+              <a:rPr lang="en-GB" sz="1400" dirty="0">
+                <a:solidFill>
+                  <a:srgbClr val="D47326"/>
+                </a:solidFill>
+                <a:latin typeface="Menlo-Regular" panose="020B0609030804020204" pitchFamily="49" charset="0"/>
+              </a:rPr>
+              <a:t>- </a:t>
+            </a:r>
+            <a:r>
+              <a:rPr lang="en-GB" sz="1400" dirty="0">
+                <a:solidFill>
+                  <a:srgbClr val="CD3625"/>
+                </a:solidFill>
+                <a:latin typeface="Menlo-Regular" panose="020B0609030804020204" pitchFamily="49" charset="0"/>
+              </a:rPr>
+              <a:t>"--reservation=</a:t>
+            </a:r>
+            <a:r>
+              <a:rPr lang="en-GB" sz="1400" dirty="0" err="1">
+                <a:solidFill>
+                  <a:srgbClr val="CD3625"/>
+                </a:solidFill>
+                <a:latin typeface="Menlo-Regular" panose="020B0609030804020204" pitchFamily="49" charset="0"/>
+              </a:rPr>
+              <a:t>esmtools</a:t>
+            </a:r>
+            <a:r>
+              <a:rPr lang="en-GB" sz="1400" dirty="0">
+                <a:solidFill>
+                  <a:srgbClr val="CD3625"/>
+                </a:solidFill>
+                <a:latin typeface="Menlo-Regular" panose="020B0609030804020204" pitchFamily="49" charset="0"/>
+              </a:rPr>
+              <a:t>"</a:t>
+            </a:r>
+            <a:endParaRPr lang="en-GB" sz="1400" dirty="0"/>
+          </a:p>
+        </p:txBody>
+      </p:sp>
     </p:spTree>
     <p:extLst>
       <p:ext uri="{BB962C8B-B14F-4D97-AF65-F5344CB8AC3E}">
-        <p14:creationId xmlns:p14="http://schemas.microsoft.com/office/powerpoint/2010/main" val="1465046877"/>
+        <p14:creationId xmlns:p14="http://schemas.microsoft.com/office/powerpoint/2010/main" val="4093174780"/>
       </p:ext>
     </p:extLst>
   </p:cSld>
@@ -4606,7 +7113,7 @@
 </p:sld>
 </file>
 
-<file path=ppt/slides/slide11.xml><?xml version="1.0" encoding="utf-8"?>
+<file path=ppt/slides/slide4.xml><?xml version="1.0" encoding="utf-8"?>
 <p:sld xmlns:a="http://schemas.openxmlformats.org/drawingml/2006/main" xmlns:r="http://schemas.openxmlformats.org/officeDocument/2006/relationships" xmlns:p="http://schemas.openxmlformats.org/presentationml/2006/main">
   <p:cSld>
     <p:spTree>
@@ -4665,10 +7172,9 @@
           <a:lstStyle/>
           <a:p>
             <a:r>
-              <a:rPr lang="en-GB" sz="4800" b="1" dirty="0" err="1"/>
-              <a:t>environment_changes</a:t>
-            </a:r>
-            <a:endParaRPr lang="en-GB" sz="4800" b="1" dirty="0"/>
+              <a:rPr lang="en-GB" sz="4800" b="1" dirty="0"/>
+              <a:t>Machine files</a:t>
+            </a:r>
           </a:p>
         </p:txBody>
       </p:sp>
@@ -4680,8 +7186,8 @@
         </p:nvSpPr>
         <p:spPr>
           <a:xfrm>
-            <a:off x="1061012" y="1759213"/>
-            <a:ext cx="10069975" cy="3785652"/>
+            <a:off x="1061012" y="1462072"/>
+            <a:ext cx="10069975" cy="7755969"/>
           </a:xfrm>
           <a:prstGeom prst="rect">
             <a:avLst/>
@@ -4695,150 +7201,273 @@
           <a:lstStyle/>
           <a:p>
             <a:r>
-              <a:rPr lang="en-US" sz="2400" b="1" dirty="0"/>
-              <a:t>Coupled setups</a:t>
-            </a:r>
-          </a:p>
-          <a:p>
-            <a:endParaRPr lang="en-US" sz="2400" dirty="0"/>
+              <a:rPr lang="en-GB" sz="2400" b="1" dirty="0"/>
+              <a:t>Feature variables</a:t>
+            </a:r>
+          </a:p>
+          <a:p>
+            <a:endParaRPr lang="en-GB" sz="2400" dirty="0">
+              <a:solidFill>
+                <a:schemeClr val="accent2"/>
+              </a:solidFill>
+            </a:endParaRPr>
+          </a:p>
+          <a:p>
+            <a:r>
+              <a:rPr lang="en-GB" sz="2000" dirty="0">
+                <a:solidFill>
+                  <a:srgbClr val="ED7D31"/>
+                </a:solidFill>
+              </a:rPr>
+              <a:t>accounting</a:t>
+            </a:r>
+            <a:r>
+              <a:rPr lang="en-GB" sz="2000" dirty="0"/>
+              <a:t> – if true, the user is required to define a </a:t>
+            </a:r>
+            <a:r>
+              <a:rPr lang="en-GB" sz="2000" dirty="0" err="1">
+                <a:solidFill>
+                  <a:srgbClr val="ED7D31"/>
+                </a:solidFill>
+              </a:rPr>
+              <a:t>general.account</a:t>
+            </a:r>
+            <a:r>
+              <a:rPr lang="en-GB" sz="2000" dirty="0">
+                <a:solidFill>
+                  <a:srgbClr val="ED7D31"/>
+                </a:solidFill>
+              </a:rPr>
+              <a:t> </a:t>
+            </a:r>
+            <a:r>
+              <a:rPr lang="en-GB" sz="2000" dirty="0"/>
+              <a:t>in the </a:t>
+            </a:r>
+            <a:r>
+              <a:rPr lang="en-GB" sz="2000" dirty="0" err="1"/>
+              <a:t>runscript</a:t>
+            </a:r>
+            <a:endParaRPr lang="en-GB" sz="2000" dirty="0"/>
+          </a:p>
+          <a:p>
+            <a:endParaRPr lang="en-GB" sz="2000" dirty="0"/>
+          </a:p>
+          <a:p>
+            <a:r>
+              <a:rPr lang="en-GB" sz="2000" dirty="0" err="1">
+                <a:solidFill>
+                  <a:srgbClr val="ED7D31"/>
+                </a:solidFill>
+              </a:rPr>
+              <a:t>batch_system</a:t>
+            </a:r>
+            <a:r>
+              <a:rPr lang="en-GB" sz="2000" dirty="0">
+                <a:solidFill>
+                  <a:srgbClr val="ED7D31"/>
+                </a:solidFill>
+              </a:rPr>
+              <a:t> </a:t>
+            </a:r>
+            <a:r>
+              <a:rPr lang="en-GB" sz="2000" dirty="0"/>
+              <a:t>– defines with &lt;</a:t>
+            </a:r>
+            <a:r>
+              <a:rPr lang="en-GB" sz="2000" dirty="0" err="1"/>
+              <a:t>job_scheduler</a:t>
+            </a:r>
+            <a:r>
+              <a:rPr lang="en-GB" sz="2000" dirty="0"/>
+              <a:t>&gt;.</a:t>
+            </a:r>
+            <a:r>
+              <a:rPr lang="en-GB" sz="2000" dirty="0" err="1"/>
+              <a:t>py</a:t>
+            </a:r>
+            <a:r>
+              <a:rPr lang="en-GB" sz="2000" dirty="0"/>
+              <a:t> module ESM-Tools will be importing</a:t>
+            </a:r>
+          </a:p>
+          <a:p>
+            <a:endParaRPr lang="en-GB" sz="2000" dirty="0"/>
+          </a:p>
+          <a:p>
+            <a:r>
+              <a:rPr lang="en-GB" sz="2000" dirty="0" err="1">
+                <a:solidFill>
+                  <a:srgbClr val="ED7D31"/>
+                </a:solidFill>
+              </a:rPr>
+              <a:t>sh_interpreter</a:t>
+            </a:r>
+            <a:r>
+              <a:rPr lang="en-GB" sz="2000" dirty="0"/>
+              <a:t> – defines the shebang of the </a:t>
+            </a:r>
+            <a:r>
+              <a:rPr lang="en-GB" sz="2000" dirty="0">
+                <a:solidFill>
+                  <a:srgbClr val="ED7D31"/>
+                </a:solidFill>
+              </a:rPr>
+              <a:t>comp-*.</a:t>
+            </a:r>
+            <a:r>
+              <a:rPr lang="en-GB" sz="2000" dirty="0" err="1">
+                <a:solidFill>
+                  <a:srgbClr val="ED7D31"/>
+                </a:solidFill>
+              </a:rPr>
+              <a:t>sh</a:t>
+            </a:r>
+            <a:r>
+              <a:rPr lang="en-GB" sz="2000" dirty="0">
+                <a:solidFill>
+                  <a:srgbClr val="ED7D31"/>
+                </a:solidFill>
+              </a:rPr>
+              <a:t> </a:t>
+            </a:r>
+            <a:r>
+              <a:rPr lang="en-GB" sz="2000" dirty="0"/>
+              <a:t>and the </a:t>
+            </a:r>
+            <a:r>
+              <a:rPr lang="en-GB" sz="2000" dirty="0">
+                <a:solidFill>
+                  <a:srgbClr val="ED7D31"/>
+                </a:solidFill>
+              </a:rPr>
+              <a:t>*.run</a:t>
+            </a:r>
+            <a:r>
+              <a:rPr lang="en-GB" sz="2000" dirty="0"/>
+              <a:t> files</a:t>
+            </a:r>
+          </a:p>
+          <a:p>
+            <a:endParaRPr lang="en-GB" sz="2000" dirty="0"/>
+          </a:p>
+          <a:p>
+            <a:r>
+              <a:rPr lang="en-GB" sz="2000" dirty="0">
+                <a:solidFill>
+                  <a:srgbClr val="ED7D31"/>
+                </a:solidFill>
+              </a:rPr>
+              <a:t>partitions</a:t>
+            </a:r>
+            <a:r>
+              <a:rPr lang="en-GB" sz="2000" dirty="0"/>
+              <a:t> – </a:t>
+            </a:r>
+            <a:r>
+              <a:rPr lang="en-GB" sz="2000" dirty="0">
+                <a:solidFill>
+                  <a:srgbClr val="ED7D31"/>
+                </a:solidFill>
+              </a:rPr>
+              <a:t>dictionary</a:t>
+            </a:r>
+            <a:r>
+              <a:rPr lang="en-GB" sz="2000" dirty="0"/>
+              <a:t> that defines the partitions available, including the name and the number of cores per node</a:t>
+            </a:r>
+          </a:p>
+          <a:p>
+            <a:endParaRPr lang="en-GB" sz="2000" dirty="0"/>
+          </a:p>
+          <a:p>
+            <a:r>
+              <a:rPr lang="en-GB" sz="2000" dirty="0">
+                <a:solidFill>
+                  <a:srgbClr val="ED7D31"/>
+                </a:solidFill>
+              </a:rPr>
+              <a:t>partition </a:t>
+            </a:r>
+            <a:r>
+              <a:rPr lang="en-GB" sz="2000" dirty="0"/>
+              <a:t>–</a:t>
+            </a:r>
+            <a:r>
+              <a:rPr lang="en-GB" sz="2000" dirty="0">
+                <a:solidFill>
+                  <a:srgbClr val="ED7D31"/>
+                </a:solidFill>
+              </a:rPr>
+              <a:t> </a:t>
+            </a:r>
+            <a:r>
+              <a:rPr lang="en-GB" sz="2000" dirty="0">
+                <a:solidFill>
+                  <a:schemeClr val="accent2"/>
+                </a:solidFill>
+              </a:rPr>
+              <a:t>string</a:t>
+            </a:r>
+            <a:r>
+              <a:rPr lang="en-GB" sz="2000" dirty="0"/>
+              <a:t> use to select the </a:t>
+            </a:r>
+          </a:p>
+          <a:p>
+            <a:r>
+              <a:rPr lang="en-GB" sz="2000" dirty="0"/>
+              <a:t>	partition label to be used from </a:t>
+            </a:r>
+          </a:p>
+          <a:p>
+            <a:r>
+              <a:rPr lang="en-GB" sz="2000" dirty="0"/>
+              <a:t>	the</a:t>
+            </a:r>
+            <a:r>
+              <a:rPr lang="en-GB" sz="2000" dirty="0">
+                <a:solidFill>
+                  <a:srgbClr val="ED7D31"/>
+                </a:solidFill>
+              </a:rPr>
+              <a:t> partitions dictionary</a:t>
+            </a:r>
+            <a:endParaRPr lang="en-US" dirty="0"/>
           </a:p>
           <a:p>
             <a:pPr marL="342900" indent="-342900">
               <a:buFont typeface="Arial" panose="020B0604020202020204" pitchFamily="34" charset="0"/>
               <a:buChar char="•"/>
             </a:pPr>
-            <a:r>
-              <a:rPr lang="en-US" sz="2400" dirty="0"/>
-              <a:t>To define a general </a:t>
-            </a:r>
-            <a:r>
-              <a:rPr lang="en-US" sz="2400" dirty="0" err="1">
-                <a:solidFill>
-                  <a:srgbClr val="ED7D31"/>
-                </a:solidFill>
-              </a:rPr>
-              <a:t>environment_changes</a:t>
-            </a:r>
-            <a:r>
-              <a:rPr lang="en-US" sz="2400" dirty="0"/>
-              <a:t> </a:t>
-            </a:r>
-            <a:r>
-              <a:rPr lang="en-US" sz="2400" b="1" dirty="0"/>
-              <a:t>for all the components of a setup</a:t>
-            </a:r>
-            <a:r>
-              <a:rPr lang="en-US" sz="2400" dirty="0"/>
-              <a:t>, include the </a:t>
-            </a:r>
-            <a:r>
-              <a:rPr lang="en-US" sz="2400" dirty="0" err="1">
-                <a:solidFill>
-                  <a:srgbClr val="ED7D31"/>
-                </a:solidFill>
-              </a:rPr>
-              <a:t>environment_changes</a:t>
-            </a:r>
-            <a:r>
-              <a:rPr lang="en-US" sz="2400" dirty="0">
-                <a:solidFill>
-                  <a:srgbClr val="ED7D31"/>
-                </a:solidFill>
-              </a:rPr>
-              <a:t> </a:t>
-            </a:r>
-            <a:r>
-              <a:rPr lang="en-US" sz="2400" dirty="0"/>
-              <a:t>inside the </a:t>
-            </a:r>
-            <a:r>
-              <a:rPr lang="en-US" sz="2400" dirty="0">
-                <a:solidFill>
-                  <a:srgbClr val="ED7D31"/>
-                </a:solidFill>
-              </a:rPr>
-              <a:t>general</a:t>
-            </a:r>
-            <a:r>
-              <a:rPr lang="en-US" sz="2400" dirty="0"/>
-              <a:t> section of the </a:t>
-            </a:r>
-            <a:r>
-              <a:rPr lang="en-US" sz="2400" dirty="0">
-                <a:solidFill>
-                  <a:srgbClr val="ED7D31"/>
-                </a:solidFill>
-              </a:rPr>
-              <a:t>setup file</a:t>
-            </a:r>
-            <a:r>
-              <a:rPr lang="en-US" sz="2400" dirty="0"/>
-              <a:t>. </a:t>
-            </a:r>
-            <a:r>
-              <a:rPr lang="en-US" sz="2400" b="1" dirty="0"/>
-              <a:t>This will ignore all the</a:t>
-            </a:r>
-            <a:r>
-              <a:rPr lang="en-US" sz="2400" dirty="0"/>
-              <a:t> </a:t>
-            </a:r>
-            <a:r>
-              <a:rPr lang="en-US" sz="2400" dirty="0" err="1">
-                <a:solidFill>
-                  <a:srgbClr val="ED7D31"/>
-                </a:solidFill>
-              </a:rPr>
-              <a:t>environment_changes</a:t>
-            </a:r>
-            <a:r>
-              <a:rPr lang="en-US" sz="2400" dirty="0">
-                <a:solidFill>
-                  <a:srgbClr val="ED7D31"/>
-                </a:solidFill>
-              </a:rPr>
-              <a:t> </a:t>
-            </a:r>
-            <a:r>
-              <a:rPr lang="en-US" sz="2400" b="1" dirty="0"/>
-              <a:t>defined by the standalone files</a:t>
-            </a:r>
-            <a:r>
-              <a:rPr lang="en-US" sz="2400" dirty="0"/>
-              <a:t>. It is still possible to add component-specific </a:t>
-            </a:r>
-            <a:r>
-              <a:rPr lang="en-US" sz="2400" dirty="0" err="1">
-                <a:solidFill>
-                  <a:srgbClr val="ED7D31"/>
-                </a:solidFill>
-              </a:rPr>
-              <a:t>environment_changes</a:t>
-            </a:r>
-            <a:r>
-              <a:rPr lang="en-US" sz="2400" dirty="0"/>
-              <a:t> </a:t>
-            </a:r>
-            <a:r>
-              <a:rPr lang="en-US" sz="2400" b="1" dirty="0"/>
-              <a:t>from the </a:t>
-            </a:r>
-            <a:r>
-              <a:rPr lang="en-US" sz="2400" b="1" dirty="0">
-                <a:solidFill>
-                  <a:srgbClr val="ED7D31"/>
-                </a:solidFill>
-              </a:rPr>
-              <a:t>component</a:t>
-            </a:r>
-            <a:r>
-              <a:rPr lang="en-US" sz="2400" b="1" dirty="0"/>
-              <a:t> section inside the setup file</a:t>
-            </a:r>
-            <a:r>
-              <a:rPr lang="en-US" sz="2400" dirty="0"/>
-              <a:t>.</a:t>
-            </a:r>
+            <a:endParaRPr lang="en-US" dirty="0"/>
+          </a:p>
+          <a:p>
+            <a:pPr marL="342900" indent="-342900">
+              <a:buFont typeface="Arial" panose="020B0604020202020204" pitchFamily="34" charset="0"/>
+              <a:buChar char="•"/>
+            </a:pPr>
+            <a:endParaRPr lang="en-US" sz="2400" dirty="0"/>
+          </a:p>
+          <a:p>
+            <a:pPr marL="342900" indent="-342900">
+              <a:buFont typeface="Arial" panose="020B0604020202020204" pitchFamily="34" charset="0"/>
+              <a:buChar char="•"/>
+            </a:pPr>
+            <a:endParaRPr lang="en-GB" sz="2400" dirty="0"/>
+          </a:p>
+          <a:p>
+            <a:pPr marL="342900" indent="-342900">
+              <a:buFont typeface="Arial" panose="020B0604020202020204" pitchFamily="34" charset="0"/>
+              <a:buChar char="•"/>
+            </a:pPr>
+            <a:endParaRPr lang="en-GB" sz="2400" dirty="0"/>
+          </a:p>
+          <a:p>
+            <a:endParaRPr lang="en-GB" sz="2400" dirty="0"/>
+          </a:p>
+          <a:p>
             <a:endParaRPr lang="en-GB" sz="2400" dirty="0">
               <a:solidFill>
                 <a:schemeClr val="accent2"/>
@@ -4878,7 +7507,7 @@
         </p:nvSpPr>
         <p:spPr>
           <a:xfrm rot="5400000">
-            <a:off x="348693" y="1787158"/>
+            <a:off x="348693" y="2221546"/>
             <a:ext cx="457812" cy="394666"/>
           </a:xfrm>
           <a:prstGeom prst="triangle">
@@ -4916,10 +7545,595 @@
           </a:p>
         </p:txBody>
       </p:sp>
+      <p:sp>
+        <p:nvSpPr>
+          <p:cNvPr id="6" name="Isosceles Triangle 6">
+            <a:extLst>
+              <a:ext uri="{FF2B5EF4-FFF2-40B4-BE49-F238E27FC236}">
+                <a16:creationId xmlns:a16="http://schemas.microsoft.com/office/drawing/2014/main" id="{4F5A986E-8B09-DDF8-012C-B0E4560706C4}"/>
+              </a:ext>
+            </a:extLst>
+          </p:cNvPr>
+          <p:cNvSpPr/>
+          <p:nvPr/>
+        </p:nvSpPr>
+        <p:spPr>
+          <a:xfrm rot="5400000">
+            <a:off x="348693" y="2815277"/>
+            <a:ext cx="457812" cy="394666"/>
+          </a:xfrm>
+          <a:prstGeom prst="triangle">
+            <a:avLst/>
+          </a:prstGeom>
+          <a:solidFill>
+            <a:srgbClr val="00ACE6"/>
+          </a:solidFill>
+          <a:ln>
+            <a:noFill/>
+          </a:ln>
+        </p:spPr>
+        <p:style>
+          <a:lnRef idx="2">
+            <a:schemeClr val="accent1">
+              <a:shade val="50000"/>
+            </a:schemeClr>
+          </a:lnRef>
+          <a:fillRef idx="1">
+            <a:schemeClr val="accent1"/>
+          </a:fillRef>
+          <a:effectRef idx="0">
+            <a:schemeClr val="accent1"/>
+          </a:effectRef>
+          <a:fontRef idx="minor">
+            <a:schemeClr val="lt1"/>
+          </a:fontRef>
+        </p:style>
+        <p:txBody>
+          <a:bodyPr rtlCol="0" anchor="ctr"/>
+          <a:lstStyle/>
+          <a:p>
+            <a:pPr algn="ctr"/>
+            <a:endParaRPr lang="tr-TR"/>
+          </a:p>
+        </p:txBody>
+      </p:sp>
+      <p:sp>
+        <p:nvSpPr>
+          <p:cNvPr id="7" name="Isosceles Triangle 6">
+            <a:extLst>
+              <a:ext uri="{FF2B5EF4-FFF2-40B4-BE49-F238E27FC236}">
+                <a16:creationId xmlns:a16="http://schemas.microsoft.com/office/drawing/2014/main" id="{04FC73F6-F7B7-6C14-AFE1-0E45DFC7B469}"/>
+              </a:ext>
+            </a:extLst>
+          </p:cNvPr>
+          <p:cNvSpPr/>
+          <p:nvPr/>
+        </p:nvSpPr>
+        <p:spPr>
+          <a:xfrm rot="5400000">
+            <a:off x="348693" y="3425848"/>
+            <a:ext cx="457812" cy="394666"/>
+          </a:xfrm>
+          <a:prstGeom prst="triangle">
+            <a:avLst/>
+          </a:prstGeom>
+          <a:solidFill>
+            <a:srgbClr val="00ACE6"/>
+          </a:solidFill>
+          <a:ln>
+            <a:noFill/>
+          </a:ln>
+        </p:spPr>
+        <p:style>
+          <a:lnRef idx="2">
+            <a:schemeClr val="accent1">
+              <a:shade val="50000"/>
+            </a:schemeClr>
+          </a:lnRef>
+          <a:fillRef idx="1">
+            <a:schemeClr val="accent1"/>
+          </a:fillRef>
+          <a:effectRef idx="0">
+            <a:schemeClr val="accent1"/>
+          </a:effectRef>
+          <a:fontRef idx="minor">
+            <a:schemeClr val="lt1"/>
+          </a:fontRef>
+        </p:style>
+        <p:txBody>
+          <a:bodyPr rtlCol="0" anchor="ctr"/>
+          <a:lstStyle/>
+          <a:p>
+            <a:pPr algn="ctr"/>
+            <a:endParaRPr lang="tr-TR"/>
+          </a:p>
+        </p:txBody>
+      </p:sp>
+      <p:sp>
+        <p:nvSpPr>
+          <p:cNvPr id="8" name="Isosceles Triangle 6">
+            <a:extLst>
+              <a:ext uri="{FF2B5EF4-FFF2-40B4-BE49-F238E27FC236}">
+                <a16:creationId xmlns:a16="http://schemas.microsoft.com/office/drawing/2014/main" id="{5F74D2E6-2D55-E901-0F5B-A41F4374857E}"/>
+              </a:ext>
+            </a:extLst>
+          </p:cNvPr>
+          <p:cNvSpPr/>
+          <p:nvPr/>
+        </p:nvSpPr>
+        <p:spPr>
+          <a:xfrm rot="5400000">
+            <a:off x="348693" y="4042849"/>
+            <a:ext cx="457812" cy="394666"/>
+          </a:xfrm>
+          <a:prstGeom prst="triangle">
+            <a:avLst/>
+          </a:prstGeom>
+          <a:solidFill>
+            <a:srgbClr val="00ACE6"/>
+          </a:solidFill>
+          <a:ln>
+            <a:noFill/>
+          </a:ln>
+        </p:spPr>
+        <p:style>
+          <a:lnRef idx="2">
+            <a:schemeClr val="accent1">
+              <a:shade val="50000"/>
+            </a:schemeClr>
+          </a:lnRef>
+          <a:fillRef idx="1">
+            <a:schemeClr val="accent1"/>
+          </a:fillRef>
+          <a:effectRef idx="0">
+            <a:schemeClr val="accent1"/>
+          </a:effectRef>
+          <a:fontRef idx="minor">
+            <a:schemeClr val="lt1"/>
+          </a:fontRef>
+        </p:style>
+        <p:txBody>
+          <a:bodyPr rtlCol="0" anchor="ctr"/>
+          <a:lstStyle/>
+          <a:p>
+            <a:pPr algn="ctr"/>
+            <a:endParaRPr lang="tr-TR"/>
+          </a:p>
+        </p:txBody>
+      </p:sp>
+      <p:sp>
+        <p:nvSpPr>
+          <p:cNvPr id="3" name="Rectangle 2">
+            <a:extLst>
+              <a:ext uri="{FF2B5EF4-FFF2-40B4-BE49-F238E27FC236}">
+                <a16:creationId xmlns:a16="http://schemas.microsoft.com/office/drawing/2014/main" id="{667A7CE4-8618-8217-A973-B98EC9D9162B}"/>
+              </a:ext>
+            </a:extLst>
+          </p:cNvPr>
+          <p:cNvSpPr/>
+          <p:nvPr/>
+        </p:nvSpPr>
+        <p:spPr>
+          <a:xfrm>
+            <a:off x="5795631" y="4645849"/>
+            <a:ext cx="6126295" cy="1492716"/>
+          </a:xfrm>
+          <a:prstGeom prst="rect">
+            <a:avLst/>
+          </a:prstGeom>
+          <a:ln w="12700">
+            <a:solidFill>
+              <a:schemeClr val="tx1"/>
+            </a:solidFill>
+          </a:ln>
+        </p:spPr>
+        <p:txBody>
+          <a:bodyPr wrap="square">
+            <a:spAutoFit/>
+          </a:bodyPr>
+          <a:lstStyle/>
+          <a:p>
+            <a:r>
+              <a:rPr lang="en-GB" sz="1200" b="1" dirty="0">
+                <a:latin typeface="Menlo-Regular" panose="020B0609030804020204" pitchFamily="49" charset="0"/>
+              </a:rPr>
+              <a:t>&lt;machine&gt;.</a:t>
+            </a:r>
+            <a:r>
+              <a:rPr lang="en-GB" sz="1200" b="1" dirty="0" err="1">
+                <a:latin typeface="Menlo-Regular" panose="020B0609030804020204" pitchFamily="49" charset="0"/>
+              </a:rPr>
+              <a:t>yaml</a:t>
+            </a:r>
+            <a:endParaRPr lang="en-GB" sz="1200" dirty="0">
+              <a:latin typeface="Menlo-Regular" panose="020B0609030804020204" pitchFamily="49" charset="0"/>
+            </a:endParaRPr>
+          </a:p>
+          <a:p>
+            <a:r>
+              <a:rPr lang="en-GB" sz="1100" dirty="0">
+                <a:solidFill>
+                  <a:srgbClr val="0E6E35"/>
+                </a:solidFill>
+                <a:latin typeface="Courier" pitchFamily="2" charset="0"/>
+              </a:rPr>
+              <a:t>partitions</a:t>
+            </a:r>
+            <a:r>
+              <a:rPr lang="en-GB" sz="1100" dirty="0">
+                <a:solidFill>
+                  <a:srgbClr val="000000"/>
+                </a:solidFill>
+                <a:latin typeface="Courier" pitchFamily="2" charset="0"/>
+              </a:rPr>
+              <a:t>:</a:t>
+            </a:r>
+          </a:p>
+          <a:p>
+            <a:r>
+              <a:rPr lang="en-GB" sz="1100" dirty="0">
+                <a:solidFill>
+                  <a:srgbClr val="0E6E35"/>
+                </a:solidFill>
+                <a:latin typeface="Courier" pitchFamily="2" charset="0"/>
+              </a:rPr>
+              <a:t>        &lt;label_for_partition-1&gt;</a:t>
+            </a:r>
+            <a:r>
+              <a:rPr lang="en-GB" sz="1100" dirty="0">
+                <a:solidFill>
+                  <a:srgbClr val="000000"/>
+                </a:solidFill>
+                <a:latin typeface="Courier" pitchFamily="2" charset="0"/>
+              </a:rPr>
+              <a:t>:</a:t>
+            </a:r>
+          </a:p>
+          <a:p>
+            <a:r>
+              <a:rPr lang="en-GB" sz="1100" dirty="0">
+                <a:solidFill>
+                  <a:srgbClr val="0F7001"/>
+                </a:solidFill>
+                <a:latin typeface="Courier" pitchFamily="2" charset="0"/>
+              </a:rPr>
+              <a:t>                name</a:t>
+            </a:r>
+            <a:r>
+              <a:rPr lang="en-GB" sz="1100" b="1" dirty="0">
+                <a:solidFill>
+                  <a:srgbClr val="921A20"/>
+                </a:solidFill>
+                <a:latin typeface="Courier-Bold" pitchFamily="2" charset="0"/>
+              </a:rPr>
+              <a:t>: </a:t>
+            </a:r>
+            <a:r>
+              <a:rPr lang="en-GB" sz="1100" dirty="0">
+                <a:solidFill>
+                  <a:srgbClr val="000000"/>
+                </a:solidFill>
+                <a:latin typeface="Courier" pitchFamily="2" charset="0"/>
+              </a:rPr>
+              <a:t>&lt;</a:t>
+            </a:r>
+            <a:r>
+              <a:rPr lang="en-GB" sz="1100" dirty="0" err="1">
+                <a:solidFill>
+                  <a:srgbClr val="000000"/>
+                </a:solidFill>
+                <a:latin typeface="Courier" pitchFamily="2" charset="0"/>
+              </a:rPr>
+              <a:t>actual_name_for_the</a:t>
+            </a:r>
+            <a:r>
+              <a:rPr lang="en-GB" sz="1100" dirty="0">
+                <a:solidFill>
+                  <a:srgbClr val="000000"/>
+                </a:solidFill>
+                <a:latin typeface="Courier" pitchFamily="2" charset="0"/>
+              </a:rPr>
+              <a:t>_--</a:t>
+            </a:r>
+            <a:r>
+              <a:rPr lang="en-GB" sz="1100" dirty="0" err="1">
+                <a:solidFill>
+                  <a:srgbClr val="000000"/>
+                </a:solidFill>
+                <a:latin typeface="Courier" pitchFamily="2" charset="0"/>
+              </a:rPr>
+              <a:t>partition_flag_in_sbatch</a:t>
+            </a:r>
+            <a:r>
+              <a:rPr lang="en-GB" sz="1100" dirty="0">
+                <a:solidFill>
+                  <a:srgbClr val="000000"/>
+                </a:solidFill>
+                <a:latin typeface="Courier" pitchFamily="2" charset="0"/>
+              </a:rPr>
+              <a:t>&gt;</a:t>
+            </a:r>
+          </a:p>
+          <a:p>
+            <a:r>
+              <a:rPr lang="en-GB" sz="1100" dirty="0">
+                <a:solidFill>
+                  <a:srgbClr val="0F7001"/>
+                </a:solidFill>
+                <a:latin typeface="Courier" pitchFamily="2" charset="0"/>
+              </a:rPr>
+              <a:t>                </a:t>
+            </a:r>
+            <a:r>
+              <a:rPr lang="en-GB" sz="1100" dirty="0" err="1">
+                <a:solidFill>
+                  <a:srgbClr val="0F7001"/>
+                </a:solidFill>
+                <a:latin typeface="Courier" pitchFamily="2" charset="0"/>
+              </a:rPr>
+              <a:t>cores_per_node</a:t>
+            </a:r>
+            <a:r>
+              <a:rPr lang="en-GB" sz="1100" b="1" dirty="0">
+                <a:solidFill>
+                  <a:srgbClr val="921A20"/>
+                </a:solidFill>
+                <a:latin typeface="Courier-Bold" pitchFamily="2" charset="0"/>
+              </a:rPr>
+              <a:t>: </a:t>
+            </a:r>
+            <a:r>
+              <a:rPr lang="en-GB" sz="1100" dirty="0">
+                <a:solidFill>
+                  <a:srgbClr val="000000"/>
+                </a:solidFill>
+                <a:latin typeface="Courier" pitchFamily="2" charset="0"/>
+              </a:rPr>
+              <a:t>&lt;</a:t>
+            </a:r>
+            <a:r>
+              <a:rPr lang="en-GB" sz="1100" dirty="0" err="1">
+                <a:solidFill>
+                  <a:srgbClr val="000000"/>
+                </a:solidFill>
+                <a:latin typeface="Courier" pitchFamily="2" charset="0"/>
+              </a:rPr>
+              <a:t>n_cores_per_node</a:t>
+            </a:r>
+            <a:r>
+              <a:rPr lang="en-GB" sz="1100" dirty="0">
+                <a:solidFill>
+                  <a:srgbClr val="000000"/>
+                </a:solidFill>
+                <a:latin typeface="Courier" pitchFamily="2" charset="0"/>
+              </a:rPr>
+              <a:t>&gt;</a:t>
+            </a:r>
+          </a:p>
+          <a:p>
+            <a:r>
+              <a:rPr lang="en-GB" sz="1100" dirty="0">
+                <a:solidFill>
+                  <a:srgbClr val="0F7001"/>
+                </a:solidFill>
+                <a:latin typeface="Courier" pitchFamily="2" charset="0"/>
+              </a:rPr>
+              <a:t>        </a:t>
+            </a:r>
+            <a:r>
+              <a:rPr lang="en-GB" sz="1100" dirty="0">
+                <a:solidFill>
+                  <a:srgbClr val="0E6E35"/>
+                </a:solidFill>
+                <a:latin typeface="Courier" pitchFamily="2" charset="0"/>
+              </a:rPr>
+              <a:t>&lt;label_for_partition-2&gt;</a:t>
+            </a:r>
+            <a:r>
+              <a:rPr lang="en-GB" sz="1100" dirty="0">
+                <a:solidFill>
+                  <a:srgbClr val="000000"/>
+                </a:solidFill>
+                <a:latin typeface="Courier" pitchFamily="2" charset="0"/>
+              </a:rPr>
+              <a:t>:</a:t>
+            </a:r>
+            <a:endParaRPr lang="en-GB" sz="1100" b="1" dirty="0">
+              <a:solidFill>
+                <a:srgbClr val="921A20"/>
+              </a:solidFill>
+              <a:latin typeface="Courier-Bold" pitchFamily="2" charset="0"/>
+            </a:endParaRPr>
+          </a:p>
+          <a:p>
+            <a:r>
+              <a:rPr lang="en-GB" sz="1100" b="1" dirty="0">
+                <a:solidFill>
+                  <a:srgbClr val="921A20"/>
+                </a:solidFill>
+                <a:latin typeface="Courier-Bold" pitchFamily="2" charset="0"/>
+              </a:rPr>
+              <a:t> </a:t>
+            </a:r>
+            <a:r>
+              <a:rPr lang="en-GB" sz="1100" dirty="0">
+                <a:solidFill>
+                  <a:srgbClr val="0F7001"/>
+                </a:solidFill>
+                <a:latin typeface="Courier" pitchFamily="2" charset="0"/>
+              </a:rPr>
+              <a:t>               name</a:t>
+            </a:r>
+            <a:r>
+              <a:rPr lang="en-GB" sz="1100" b="1" dirty="0">
+                <a:solidFill>
+                  <a:srgbClr val="921A20"/>
+                </a:solidFill>
+                <a:latin typeface="Courier-Bold" pitchFamily="2" charset="0"/>
+              </a:rPr>
+              <a:t>: </a:t>
+            </a:r>
+            <a:r>
+              <a:rPr lang="en-GB" sz="1100" dirty="0">
+                <a:solidFill>
+                  <a:srgbClr val="000000"/>
+                </a:solidFill>
+                <a:latin typeface="Courier" pitchFamily="2" charset="0"/>
+              </a:rPr>
+              <a:t>&lt;</a:t>
+            </a:r>
+            <a:r>
+              <a:rPr lang="en-GB" sz="1100" dirty="0" err="1">
+                <a:solidFill>
+                  <a:srgbClr val="000000"/>
+                </a:solidFill>
+                <a:latin typeface="Courier" pitchFamily="2" charset="0"/>
+              </a:rPr>
+              <a:t>actual_name_for_the</a:t>
+            </a:r>
+            <a:r>
+              <a:rPr lang="en-GB" sz="1100" dirty="0">
+                <a:solidFill>
+                  <a:srgbClr val="000000"/>
+                </a:solidFill>
+                <a:latin typeface="Courier" pitchFamily="2" charset="0"/>
+              </a:rPr>
+              <a:t>_--</a:t>
+            </a:r>
+            <a:r>
+              <a:rPr lang="en-GB" sz="1100" dirty="0" err="1">
+                <a:solidFill>
+                  <a:srgbClr val="000000"/>
+                </a:solidFill>
+                <a:latin typeface="Courier" pitchFamily="2" charset="0"/>
+              </a:rPr>
+              <a:t>partition_flag_in_sbatch</a:t>
+            </a:r>
+            <a:r>
+              <a:rPr lang="en-GB" sz="1100" dirty="0">
+                <a:solidFill>
+                  <a:srgbClr val="000000"/>
+                </a:solidFill>
+                <a:latin typeface="Courier" pitchFamily="2" charset="0"/>
+              </a:rPr>
+              <a:t>&gt;</a:t>
+            </a:r>
+          </a:p>
+          <a:p>
+            <a:r>
+              <a:rPr lang="en-GB" sz="1100" dirty="0">
+                <a:solidFill>
+                  <a:srgbClr val="0F7001"/>
+                </a:solidFill>
+                <a:latin typeface="Courier" pitchFamily="2" charset="0"/>
+              </a:rPr>
+              <a:t>                </a:t>
+            </a:r>
+            <a:r>
+              <a:rPr lang="en-GB" sz="1100" dirty="0" err="1">
+                <a:solidFill>
+                  <a:srgbClr val="0F7001"/>
+                </a:solidFill>
+                <a:latin typeface="Courier" pitchFamily="2" charset="0"/>
+              </a:rPr>
+              <a:t>cores_per_node</a:t>
+            </a:r>
+            <a:r>
+              <a:rPr lang="en-GB" sz="1100" b="1" dirty="0">
+                <a:solidFill>
+                  <a:srgbClr val="921A20"/>
+                </a:solidFill>
+                <a:latin typeface="Courier-Bold" pitchFamily="2" charset="0"/>
+              </a:rPr>
+              <a:t>: </a:t>
+            </a:r>
+            <a:r>
+              <a:rPr lang="en-GB" sz="1100" dirty="0">
+                <a:solidFill>
+                  <a:srgbClr val="000000"/>
+                </a:solidFill>
+                <a:latin typeface="Courier" pitchFamily="2" charset="0"/>
+              </a:rPr>
+              <a:t>&lt;</a:t>
+            </a:r>
+            <a:r>
+              <a:rPr lang="en-GB" sz="1100" dirty="0" err="1">
+                <a:solidFill>
+                  <a:srgbClr val="000000"/>
+                </a:solidFill>
+                <a:latin typeface="Courier" pitchFamily="2" charset="0"/>
+              </a:rPr>
+              <a:t>n_cores_per_node</a:t>
+            </a:r>
+            <a:r>
+              <a:rPr lang="en-GB" sz="1100" dirty="0">
+                <a:solidFill>
+                  <a:srgbClr val="000000"/>
+                </a:solidFill>
+                <a:latin typeface="Courier" pitchFamily="2" charset="0"/>
+              </a:rPr>
+              <a:t>&gt;</a:t>
+            </a:r>
+            <a:endParaRPr lang="en-GB" sz="1100" dirty="0"/>
+          </a:p>
+        </p:txBody>
+      </p:sp>
+      <p:sp>
+        <p:nvSpPr>
+          <p:cNvPr id="10" name="Isosceles Triangle 6">
+            <a:extLst>
+              <a:ext uri="{FF2B5EF4-FFF2-40B4-BE49-F238E27FC236}">
+                <a16:creationId xmlns:a16="http://schemas.microsoft.com/office/drawing/2014/main" id="{FB82775A-04E8-E59D-12BD-4AC15792E735}"/>
+              </a:ext>
+            </a:extLst>
+          </p:cNvPr>
+          <p:cNvSpPr/>
+          <p:nvPr/>
+        </p:nvSpPr>
+        <p:spPr>
+          <a:xfrm rot="5400000">
+            <a:off x="348693" y="4982756"/>
+            <a:ext cx="457812" cy="394666"/>
+          </a:xfrm>
+          <a:prstGeom prst="triangle">
+            <a:avLst/>
+          </a:prstGeom>
+          <a:solidFill>
+            <a:srgbClr val="00ACE6"/>
+          </a:solidFill>
+          <a:ln>
+            <a:noFill/>
+          </a:ln>
+        </p:spPr>
+        <p:style>
+          <a:lnRef idx="2">
+            <a:schemeClr val="accent1">
+              <a:shade val="50000"/>
+            </a:schemeClr>
+          </a:lnRef>
+          <a:fillRef idx="1">
+            <a:schemeClr val="accent1"/>
+          </a:fillRef>
+          <a:effectRef idx="0">
+            <a:schemeClr val="accent1"/>
+          </a:effectRef>
+          <a:fontRef idx="minor">
+            <a:schemeClr val="lt1"/>
+          </a:fontRef>
+        </p:style>
+        <p:txBody>
+          <a:bodyPr rtlCol="0" anchor="ctr"/>
+          <a:lstStyle/>
+          <a:p>
+            <a:pPr algn="ctr"/>
+            <a:endParaRPr lang="tr-TR"/>
+          </a:p>
+        </p:txBody>
+      </p:sp>
     </p:spTree>
     <p:extLst>
       <p:ext uri="{BB962C8B-B14F-4D97-AF65-F5344CB8AC3E}">
-        <p14:creationId xmlns:p14="http://schemas.microsoft.com/office/powerpoint/2010/main" val="2352253443"/>
+        <p14:creationId xmlns:p14="http://schemas.microsoft.com/office/powerpoint/2010/main" val="3221355017"/>
       </p:ext>
     </p:extLst>
   </p:cSld>
@@ -4929,7 +8143,7 @@
 </p:sld>
 </file>
 
-<file path=ppt/slides/slide2.xml><?xml version="1.0" encoding="utf-8"?>
+<file path=ppt/slides/slide5.xml><?xml version="1.0" encoding="utf-8"?>
 <p:sld xmlns:a="http://schemas.openxmlformats.org/drawingml/2006/main" xmlns:r="http://schemas.openxmlformats.org/officeDocument/2006/relationships" xmlns:p="http://schemas.openxmlformats.org/presentationml/2006/main">
   <p:cSld>
     <p:spTree>
@@ -5003,7 +8217,7 @@
         <p:spPr>
           <a:xfrm>
             <a:off x="1061012" y="1462072"/>
-            <a:ext cx="10069975" cy="8032968"/>
+            <a:ext cx="10069975" cy="6924973"/>
           </a:xfrm>
           <a:prstGeom prst="rect">
             <a:avLst/>
@@ -5030,20 +8244,103 @@
           </a:p>
           <a:p>
             <a:r>
+              <a:rPr lang="en-GB" sz="2400" dirty="0" err="1">
+                <a:solidFill>
+                  <a:schemeClr val="accent2"/>
+                </a:solidFill>
+              </a:rPr>
+              <a:t>module_actions</a:t>
+            </a:r>
+            <a:r>
               <a:rPr lang="en-GB" sz="2400" dirty="0"/>
-              <a:t>SBATCH flags – list of featured variables that can be used from the </a:t>
-            </a:r>
-            <a:r>
-              <a:rPr lang="en-GB" sz="2400" dirty="0">
-                <a:solidFill>
-                  <a:srgbClr val="ED7D31"/>
-                </a:solidFill>
-              </a:rPr>
-              <a:t>computer</a:t>
-            </a:r>
-            <a:r>
-              <a:rPr lang="en-GB" sz="2400" dirty="0"/>
-              <a:t> section to set SBATCH flags (and their defaults):</a:t>
+              <a:t> – </a:t>
+            </a:r>
+            <a:r>
+              <a:rPr lang="en-US" sz="2400" dirty="0"/>
+              <a:t>a </a:t>
+            </a:r>
+            <a:r>
+              <a:rPr lang="en-US" sz="2400" dirty="0">
+                <a:solidFill>
+                  <a:schemeClr val="accent2"/>
+                </a:solidFill>
+              </a:rPr>
+              <a:t>list</a:t>
+            </a:r>
+            <a:r>
+              <a:rPr lang="en-US" sz="2400" dirty="0"/>
+              <a:t> of module actions to be included in the compilation and </a:t>
+            </a:r>
+            <a:r>
+              <a:rPr lang="en-US" sz="2400" dirty="0">
+                <a:solidFill>
+                  <a:schemeClr val="accent2"/>
+                </a:solidFill>
+              </a:rPr>
+              <a:t>*.run </a:t>
+            </a:r>
+            <a:r>
+              <a:rPr lang="en-US" sz="2400" dirty="0"/>
+              <a:t>files (i.e. </a:t>
+            </a:r>
+            <a:r>
+              <a:rPr lang="en-US" dirty="0">
+                <a:latin typeface="Monaco" pitchFamily="2" charset="77"/>
+              </a:rPr>
+              <a:t>module load </a:t>
+            </a:r>
+            <a:r>
+              <a:rPr lang="en-US" dirty="0" err="1">
+                <a:latin typeface="Monaco" pitchFamily="2" charset="77"/>
+              </a:rPr>
+              <a:t>netcdf</a:t>
+            </a:r>
+            <a:r>
+              <a:rPr lang="en-US" sz="2400" dirty="0"/>
+              <a:t>, </a:t>
+            </a:r>
+            <a:r>
+              <a:rPr lang="en-US" dirty="0">
+                <a:latin typeface="Monaco" pitchFamily="2" charset="77"/>
+              </a:rPr>
+              <a:t>module unload </a:t>
+            </a:r>
+            <a:r>
+              <a:rPr lang="en-US" dirty="0" err="1">
+                <a:latin typeface="Monaco" pitchFamily="2" charset="77"/>
+              </a:rPr>
+              <a:t>netcdf</a:t>
+            </a:r>
+            <a:r>
+              <a:rPr lang="en-US" sz="2400" dirty="0"/>
+              <a:t>, </a:t>
+            </a:r>
+            <a:r>
+              <a:rPr lang="en-US" dirty="0">
+                <a:latin typeface="Monaco" pitchFamily="2" charset="77"/>
+              </a:rPr>
+              <a:t>module purge</a:t>
+            </a:r>
+            <a:r>
+              <a:rPr lang="en-US" sz="2400" dirty="0"/>
+              <a:t>, </a:t>
+            </a:r>
+            <a:r>
+              <a:rPr lang="en-US" sz="2400" dirty="0" err="1"/>
+              <a:t>etc</a:t>
+            </a:r>
+            <a:r>
+              <a:rPr lang="en-US" sz="2400" dirty="0"/>
+              <a:t>).</a:t>
+            </a:r>
+          </a:p>
+          <a:p>
+            <a:endParaRPr lang="en-US" sz="2400" b="1" dirty="0"/>
+          </a:p>
+          <a:p>
+            <a:r>
+              <a:rPr lang="en-US" sz="2400" b="1" dirty="0"/>
+              <a:t>Syntax</a:t>
             </a:r>
           </a:p>
           <a:p>
@@ -5052,16 +8349,8 @@
               <a:buChar char="•"/>
             </a:pPr>
             <a:r>
-              <a:rPr lang="en-GB" sz="1400" dirty="0" err="1">
-                <a:solidFill>
-                  <a:srgbClr val="ED7D31"/>
-                </a:solidFill>
-              </a:rPr>
-              <a:t>exclusive_flag</a:t>
-            </a:r>
-            <a:r>
-              <a:rPr lang="en-GB" sz="1400" dirty="0"/>
-              <a:t>: ”--exclusive"</a:t>
+              <a:rPr lang="en-US" sz="2400" dirty="0"/>
+              <a:t>Omit the “module” word from the command</a:t>
             </a:r>
           </a:p>
           <a:p>
@@ -5070,363 +8359,10 @@
               <a:buChar char="•"/>
             </a:pPr>
             <a:r>
-              <a:rPr lang="en-GB" sz="1400" dirty="0" err="1">
-                <a:solidFill>
-                  <a:srgbClr val="ED7D31"/>
-                </a:solidFill>
-              </a:rPr>
-              <a:t>notification_flag</a:t>
-            </a:r>
-            <a:r>
-              <a:rPr lang="en-GB" sz="1400" dirty="0"/>
-              <a:t>: “--</a:t>
-            </a:r>
-            <a:r>
-              <a:rPr lang="en-GB" sz="1400" dirty="0" err="1"/>
-              <a:t>mail_type</a:t>
-            </a:r>
-            <a:r>
-              <a:rPr lang="en-GB" sz="1400" dirty="0"/>
-              <a:t>=&lt;type&gt; --</a:t>
-            </a:r>
-            <a:r>
-              <a:rPr lang="en-GB" sz="1400" dirty="0" err="1"/>
-              <a:t>mail_user</a:t>
-            </a:r>
-            <a:r>
-              <a:rPr lang="en-GB" sz="1400" dirty="0"/>
-              <a:t>=&lt;email&gt;”</a:t>
-            </a:r>
-          </a:p>
-          <a:p>
-            <a:pPr marL="342900" indent="-342900">
-              <a:buFont typeface="Arial" panose="020B0604020202020204" pitchFamily="34" charset="0"/>
-              <a:buChar char="•"/>
-            </a:pPr>
-            <a:r>
-              <a:rPr lang="en-US" sz="1400" dirty="0" err="1">
-                <a:solidFill>
-                  <a:srgbClr val="ED7D31"/>
-                </a:solidFill>
-              </a:rPr>
-              <a:t>single_proc_submit_flag</a:t>
-            </a:r>
-            <a:r>
-              <a:rPr lang="en-US" sz="1400" dirty="0"/>
-              <a:t>: "--</a:t>
-            </a:r>
-            <a:r>
-              <a:rPr lang="en-US" sz="1400" dirty="0" err="1"/>
-              <a:t>ntasks</a:t>
-            </a:r>
-            <a:r>
-              <a:rPr lang="en-US" sz="1400" dirty="0"/>
-              <a:t>-per-node=1” (</a:t>
-            </a:r>
-            <a:r>
-              <a:rPr lang="en-US" sz="1400" b="1" dirty="0"/>
-              <a:t>calculated automatically</a:t>
-            </a:r>
-            <a:r>
-              <a:rPr lang="en-US" sz="1400" dirty="0"/>
-              <a:t> by ESM-Tools, based on </a:t>
-            </a:r>
-            <a:r>
-              <a:rPr lang="en-US" sz="1400" dirty="0" err="1"/>
-              <a:t>nproc</a:t>
-            </a:r>
-            <a:r>
-              <a:rPr lang="en-US" sz="1400" dirty="0"/>
-              <a:t>, </a:t>
-            </a:r>
-            <a:r>
-              <a:rPr lang="en-US" sz="1400" dirty="0" err="1"/>
-              <a:t>nproca</a:t>
-            </a:r>
-            <a:r>
-              <a:rPr lang="en-US" sz="1400" dirty="0"/>
-              <a:t>/</a:t>
-            </a:r>
-            <a:r>
-              <a:rPr lang="en-US" sz="1400" dirty="0" err="1"/>
-              <a:t>nprocb</a:t>
-            </a:r>
-            <a:r>
-              <a:rPr lang="en-US" sz="1400" dirty="0"/>
-              <a:t>, </a:t>
-            </a:r>
-            <a:r>
-              <a:rPr lang="en-US" sz="1400" dirty="0" err="1"/>
-              <a:t>omp_num_threads</a:t>
-            </a:r>
-            <a:r>
-              <a:rPr lang="en-US" sz="1400" dirty="0"/>
-              <a:t>…)</a:t>
-            </a:r>
-          </a:p>
-          <a:p>
-            <a:pPr marL="342900" indent="-342900">
-              <a:buFont typeface="Arial" panose="020B0604020202020204" pitchFamily="34" charset="0"/>
-              <a:buChar char="•"/>
-            </a:pPr>
-            <a:r>
-              <a:rPr lang="en-US" sz="1400" dirty="0" err="1">
-                <a:solidFill>
-                  <a:srgbClr val="ED7D31"/>
-                </a:solidFill>
-              </a:rPr>
-              <a:t>tasks_flag</a:t>
-            </a:r>
-            <a:r>
-              <a:rPr lang="en-US" sz="1400" dirty="0"/>
-              <a:t>: "--</a:t>
-            </a:r>
-            <a:r>
-              <a:rPr lang="en-US" sz="1400" dirty="0" err="1"/>
-              <a:t>ntasks</a:t>
-            </a:r>
-            <a:r>
-              <a:rPr lang="en-US" sz="1400" dirty="0"/>
-              <a:t>=@tasks@” (</a:t>
-            </a:r>
-            <a:r>
-              <a:rPr lang="en-US" sz="1400" b="1" dirty="0"/>
-              <a:t>calculated automatically</a:t>
-            </a:r>
-            <a:r>
-              <a:rPr lang="en-US" sz="1400" dirty="0"/>
-              <a:t> by ESM-Tools, based on </a:t>
-            </a:r>
-            <a:r>
-              <a:rPr lang="en-US" sz="1400" dirty="0" err="1"/>
-              <a:t>nproc</a:t>
-            </a:r>
-            <a:r>
-              <a:rPr lang="en-US" sz="1400" dirty="0"/>
-              <a:t>, </a:t>
-            </a:r>
-            <a:r>
-              <a:rPr lang="en-US" sz="1400" dirty="0" err="1"/>
-              <a:t>nproca</a:t>
-            </a:r>
-            <a:r>
-              <a:rPr lang="en-US" sz="1400" dirty="0"/>
-              <a:t>/</a:t>
-            </a:r>
-            <a:r>
-              <a:rPr lang="en-US" sz="1400" dirty="0" err="1"/>
-              <a:t>nprocb</a:t>
-            </a:r>
-            <a:r>
-              <a:rPr lang="en-US" sz="1400" dirty="0"/>
-              <a:t>, </a:t>
-            </a:r>
-            <a:r>
-              <a:rPr lang="en-US" sz="1400" dirty="0" err="1"/>
-              <a:t>omp_num_threads</a:t>
-            </a:r>
-            <a:r>
-              <a:rPr lang="en-US" sz="1400" dirty="0"/>
-              <a:t>…)</a:t>
-            </a:r>
-          </a:p>
-          <a:p>
-            <a:pPr marL="342900" indent="-342900">
-              <a:buFont typeface="Arial" panose="020B0604020202020204" pitchFamily="34" charset="0"/>
-              <a:buChar char="•"/>
-            </a:pPr>
-            <a:r>
-              <a:rPr lang="en-US" sz="1400" dirty="0" err="1">
-                <a:solidFill>
-                  <a:srgbClr val="ED7D31"/>
-                </a:solidFill>
-              </a:rPr>
-              <a:t>partition_flag</a:t>
-            </a:r>
-            <a:r>
-              <a:rPr lang="en-US" sz="1400" dirty="0"/>
-              <a:t>: "--partition=@partition@” (</a:t>
-            </a:r>
-            <a:r>
-              <a:rPr lang="en-US" sz="1400" b="1" dirty="0"/>
-              <a:t>calculated automatical</a:t>
-            </a:r>
-            <a:r>
-              <a:rPr lang="en-US" sz="1400" dirty="0"/>
-              <a:t>ly by ESM-Tools with the info from </a:t>
-            </a:r>
-            <a:r>
-              <a:rPr lang="en-US" sz="1400" dirty="0">
-                <a:solidFill>
-                  <a:srgbClr val="ED7D31"/>
-                </a:solidFill>
-              </a:rPr>
-              <a:t>partitions</a:t>
-            </a:r>
-            <a:r>
-              <a:rPr lang="en-US" sz="1400" dirty="0"/>
-              <a:t> dictionary –next slide-)</a:t>
-            </a:r>
-          </a:p>
-          <a:p>
-            <a:pPr marL="342900" indent="-342900">
-              <a:buFont typeface="Arial" panose="020B0604020202020204" pitchFamily="34" charset="0"/>
-              <a:buChar char="•"/>
-            </a:pPr>
-            <a:r>
-              <a:rPr lang="en-US" sz="1400" dirty="0" err="1">
-                <a:solidFill>
-                  <a:srgbClr val="ED7D31"/>
-                </a:solidFill>
-              </a:rPr>
-              <a:t>nodes_flag</a:t>
-            </a:r>
-            <a:r>
-              <a:rPr lang="en-US" sz="1400" dirty="0"/>
-              <a:t>: "--nodes=@nodes@” (</a:t>
-            </a:r>
-            <a:r>
-              <a:rPr lang="en-US" sz="1400" b="1" dirty="0"/>
-              <a:t>calculated automatically</a:t>
-            </a:r>
-            <a:r>
-              <a:rPr lang="en-US" sz="1400" dirty="0"/>
-              <a:t> by ESM-Tools, based on </a:t>
-            </a:r>
-            <a:r>
-              <a:rPr lang="en-US" sz="1400" dirty="0" err="1"/>
-              <a:t>nproc</a:t>
-            </a:r>
-            <a:r>
-              <a:rPr lang="en-US" sz="1400" dirty="0"/>
-              <a:t>, </a:t>
-            </a:r>
-            <a:r>
-              <a:rPr lang="en-US" sz="1400" dirty="0" err="1"/>
-              <a:t>nproca</a:t>
-            </a:r>
-            <a:r>
-              <a:rPr lang="en-US" sz="1400" dirty="0"/>
-              <a:t>/</a:t>
-            </a:r>
-            <a:r>
-              <a:rPr lang="en-US" sz="1400" dirty="0" err="1"/>
-              <a:t>nprocb</a:t>
-            </a:r>
-            <a:r>
-              <a:rPr lang="en-US" sz="1400" dirty="0"/>
-              <a:t>, </a:t>
-            </a:r>
-            <a:r>
-              <a:rPr lang="en-US" sz="1400" dirty="0" err="1"/>
-              <a:t>omp_num_threads</a:t>
-            </a:r>
-            <a:r>
-              <a:rPr lang="en-US" sz="1400" dirty="0"/>
-              <a:t>…)</a:t>
-            </a:r>
-          </a:p>
-          <a:p>
-            <a:pPr marL="342900" indent="-342900">
-              <a:buFont typeface="Arial" panose="020B0604020202020204" pitchFamily="34" charset="0"/>
-              <a:buChar char="•"/>
-            </a:pPr>
-            <a:r>
-              <a:rPr lang="en-US" sz="1400" dirty="0" err="1">
-                <a:solidFill>
-                  <a:srgbClr val="ED7D31"/>
-                </a:solidFill>
-              </a:rPr>
-              <a:t>time_flag</a:t>
-            </a:r>
-            <a:r>
-              <a:rPr lang="en-US" sz="1400" dirty="0"/>
-              <a:t>: "--time=${</a:t>
-            </a:r>
-            <a:r>
-              <a:rPr lang="en-US" sz="1400" dirty="0" err="1"/>
-              <a:t>compute_time</a:t>
-            </a:r>
-            <a:r>
-              <a:rPr lang="en-US" sz="1400" dirty="0"/>
-              <a:t>}” (</a:t>
-            </a:r>
-            <a:r>
-              <a:rPr lang="en-US" sz="1400" b="1" dirty="0"/>
-              <a:t>calculated automatically</a:t>
-            </a:r>
-            <a:r>
-              <a:rPr lang="en-US" sz="1400" dirty="0"/>
-              <a:t> by ESM-Tools with the info from the </a:t>
-            </a:r>
-            <a:r>
-              <a:rPr lang="en-US" sz="1400" dirty="0">
-                <a:solidFill>
-                  <a:srgbClr val="ED7D31"/>
-                </a:solidFill>
-              </a:rPr>
-              <a:t>experiment time variables</a:t>
-            </a:r>
-            <a:r>
-              <a:rPr lang="en-US" sz="1400" dirty="0"/>
-              <a:t> -1</a:t>
-            </a:r>
-            <a:r>
-              <a:rPr lang="en-US" sz="1400" baseline="30000" dirty="0"/>
-              <a:t>st</a:t>
-            </a:r>
-            <a:r>
-              <a:rPr lang="en-US" sz="1400" dirty="0"/>
-              <a:t> day presentation-)</a:t>
-            </a:r>
-          </a:p>
-          <a:p>
-            <a:pPr marL="342900" indent="-342900">
-              <a:buFont typeface="Arial" panose="020B0604020202020204" pitchFamily="34" charset="0"/>
-              <a:buChar char="•"/>
-            </a:pPr>
-            <a:r>
-              <a:rPr lang="en-US" sz="1400" dirty="0" err="1">
-                <a:solidFill>
-                  <a:srgbClr val="ED7D31"/>
-                </a:solidFill>
-              </a:rPr>
-              <a:t>hyperthreading_flag</a:t>
-            </a:r>
-            <a:r>
-              <a:rPr lang="en-US" sz="1400" dirty="0"/>
-              <a:t>: False</a:t>
-            </a:r>
-          </a:p>
-          <a:p>
-            <a:pPr marL="342900" indent="-342900">
-              <a:buFont typeface="Arial" panose="020B0604020202020204" pitchFamily="34" charset="0"/>
-              <a:buChar char="•"/>
-            </a:pPr>
-            <a:r>
-              <a:rPr lang="en-US" sz="2000" b="1" dirty="0" err="1">
-                <a:solidFill>
-                  <a:srgbClr val="ED7D31"/>
-                </a:solidFill>
-              </a:rPr>
-              <a:t>additional_flags</a:t>
-            </a:r>
-            <a:r>
-              <a:rPr lang="en-US" sz="2000" dirty="0"/>
-              <a:t>: "” (you can use this variable to add more SBATCH flags as a </a:t>
-            </a:r>
-            <a:r>
-              <a:rPr lang="en-US" sz="2000" dirty="0">
-                <a:solidFill>
-                  <a:srgbClr val="ED7D31"/>
-                </a:solidFill>
-              </a:rPr>
-              <a:t>list</a:t>
-            </a:r>
-            <a:r>
-              <a:rPr lang="en-US" sz="2000" dirty="0"/>
-              <a:t>)</a:t>
-            </a:r>
+              <a:rPr lang="en-US" sz="2400" dirty="0"/>
+              <a:t>Although it has nothing to do with the modules, “source” commands are also accepted here</a:t>
+            </a:r>
+            <a:endParaRPr lang="en-US" sz="2000" dirty="0"/>
           </a:p>
           <a:p>
             <a:pPr marL="342900" indent="-342900">
@@ -5546,1554 +8482,6 @@
       </p:sp>
       <p:sp>
         <p:nvSpPr>
-          <p:cNvPr id="4" name="Rectangle 3">
-            <a:extLst>
-              <a:ext uri="{FF2B5EF4-FFF2-40B4-BE49-F238E27FC236}">
-                <a16:creationId xmlns:a16="http://schemas.microsoft.com/office/drawing/2014/main" id="{897F0ADE-59A3-A2A1-690C-950722553BDC}"/>
-              </a:ext>
-            </a:extLst>
-          </p:cNvPr>
-          <p:cNvSpPr/>
-          <p:nvPr/>
-        </p:nvSpPr>
-        <p:spPr>
-          <a:xfrm>
-            <a:off x="1925825" y="5778571"/>
-            <a:ext cx="3900669" cy="954107"/>
-          </a:xfrm>
-          <a:prstGeom prst="rect">
-            <a:avLst/>
-          </a:prstGeom>
-          <a:ln>
-            <a:solidFill>
-              <a:schemeClr val="tx1"/>
-            </a:solidFill>
-          </a:ln>
-        </p:spPr>
-        <p:txBody>
-          <a:bodyPr wrap="square">
-            <a:spAutoFit/>
-          </a:bodyPr>
-          <a:lstStyle/>
-          <a:p>
-            <a:r>
-              <a:rPr lang="en-GB" sz="1400" b="1" dirty="0">
-                <a:latin typeface="Menlo-Regular" panose="020B0609030804020204" pitchFamily="49" charset="0"/>
-              </a:rPr>
-              <a:t>&lt;</a:t>
-            </a:r>
-            <a:r>
-              <a:rPr lang="en-GB" sz="1400" b="1" dirty="0" err="1">
-                <a:latin typeface="Menlo-Regular" panose="020B0609030804020204" pitchFamily="49" charset="0"/>
-              </a:rPr>
-              <a:t>your_runscript</a:t>
-            </a:r>
-            <a:r>
-              <a:rPr lang="en-GB" sz="1400" b="1" dirty="0">
-                <a:latin typeface="Menlo-Regular" panose="020B0609030804020204" pitchFamily="49" charset="0"/>
-              </a:rPr>
-              <a:t>&gt;.</a:t>
-            </a:r>
-            <a:r>
-              <a:rPr lang="en-GB" sz="1400" b="1" dirty="0" err="1">
-                <a:latin typeface="Menlo-Regular" panose="020B0609030804020204" pitchFamily="49" charset="0"/>
-              </a:rPr>
-              <a:t>yaml</a:t>
-            </a:r>
-            <a:endParaRPr lang="en-GB" sz="1400" dirty="0">
-              <a:latin typeface="Menlo-Regular" panose="020B0609030804020204" pitchFamily="49" charset="0"/>
-            </a:endParaRPr>
-          </a:p>
-          <a:p>
-            <a:r>
-              <a:rPr lang="en-GB" sz="1400" dirty="0">
-                <a:solidFill>
-                  <a:srgbClr val="3ABBC8"/>
-                </a:solidFill>
-                <a:latin typeface="Menlo-Regular" panose="020B0609030804020204" pitchFamily="49" charset="0"/>
-              </a:rPr>
-              <a:t>computer</a:t>
-            </a:r>
-            <a:r>
-              <a:rPr lang="en-GB" sz="1400" dirty="0">
-                <a:solidFill>
-                  <a:srgbClr val="DE2ADD"/>
-                </a:solidFill>
-                <a:latin typeface="Menlo-Regular" panose="020B0609030804020204" pitchFamily="49" charset="0"/>
-              </a:rPr>
-              <a:t>:</a:t>
-            </a:r>
-          </a:p>
-          <a:p>
-            <a:r>
-              <a:rPr lang="en-GB" sz="1400" dirty="0">
-                <a:solidFill>
-                  <a:srgbClr val="F2F2F2"/>
-                </a:solidFill>
-                <a:latin typeface="Menlo-Regular" panose="020B0609030804020204" pitchFamily="49" charset="0"/>
-              </a:rPr>
-              <a:t>    </a:t>
-            </a:r>
-            <a:r>
-              <a:rPr lang="en-GB" sz="1400" dirty="0" err="1">
-                <a:solidFill>
-                  <a:srgbClr val="3ABBC8"/>
-                </a:solidFill>
-                <a:latin typeface="Menlo-Regular" panose="020B0609030804020204" pitchFamily="49" charset="0"/>
-              </a:rPr>
-              <a:t>add_</a:t>
-            </a:r>
-            <a:r>
-              <a:rPr lang="en-GB" sz="1400" b="1" dirty="0" err="1">
-                <a:solidFill>
-                  <a:srgbClr val="3ABBC8"/>
-                </a:solidFill>
-                <a:latin typeface="Menlo-Regular" panose="020B0609030804020204" pitchFamily="49" charset="0"/>
-              </a:rPr>
-              <a:t>additional_flags</a:t>
-            </a:r>
-            <a:r>
-              <a:rPr lang="en-GB" sz="1400" dirty="0">
-                <a:solidFill>
-                  <a:srgbClr val="DE2ADD"/>
-                </a:solidFill>
-                <a:latin typeface="Menlo-Regular" panose="020B0609030804020204" pitchFamily="49" charset="0"/>
-              </a:rPr>
-              <a:t>:</a:t>
-            </a:r>
-          </a:p>
-          <a:p>
-            <a:r>
-              <a:rPr lang="en-GB" sz="1400" dirty="0">
-                <a:solidFill>
-                  <a:srgbClr val="F2F2F2"/>
-                </a:solidFill>
-                <a:latin typeface="Menlo-Regular" panose="020B0609030804020204" pitchFamily="49" charset="0"/>
-              </a:rPr>
-              <a:t>        </a:t>
-            </a:r>
-            <a:r>
-              <a:rPr lang="en-GB" sz="1400" dirty="0">
-                <a:solidFill>
-                  <a:srgbClr val="D47326"/>
-                </a:solidFill>
-                <a:latin typeface="Menlo-Regular" panose="020B0609030804020204" pitchFamily="49" charset="0"/>
-              </a:rPr>
-              <a:t>- </a:t>
-            </a:r>
-            <a:r>
-              <a:rPr lang="en-GB" sz="1400" dirty="0">
-                <a:solidFill>
-                  <a:srgbClr val="CD3625"/>
-                </a:solidFill>
-                <a:latin typeface="Menlo-Regular" panose="020B0609030804020204" pitchFamily="49" charset="0"/>
-              </a:rPr>
-              <a:t>"--reservation=</a:t>
-            </a:r>
-            <a:r>
-              <a:rPr lang="en-GB" sz="1400" dirty="0" err="1">
-                <a:solidFill>
-                  <a:srgbClr val="CD3625"/>
-                </a:solidFill>
-                <a:latin typeface="Menlo-Regular" panose="020B0609030804020204" pitchFamily="49" charset="0"/>
-              </a:rPr>
-              <a:t>esmtools</a:t>
-            </a:r>
-            <a:r>
-              <a:rPr lang="en-GB" sz="1400" dirty="0">
-                <a:solidFill>
-                  <a:srgbClr val="CD3625"/>
-                </a:solidFill>
-                <a:latin typeface="Menlo-Regular" panose="020B0609030804020204" pitchFamily="49" charset="0"/>
-              </a:rPr>
-              <a:t>"</a:t>
-            </a:r>
-            <a:endParaRPr lang="en-GB" sz="1400" dirty="0"/>
-          </a:p>
-        </p:txBody>
-      </p:sp>
-    </p:spTree>
-    <p:extLst>
-      <p:ext uri="{BB962C8B-B14F-4D97-AF65-F5344CB8AC3E}">
-        <p14:creationId xmlns:p14="http://schemas.microsoft.com/office/powerpoint/2010/main" val="4093174780"/>
-      </p:ext>
-    </p:extLst>
-  </p:cSld>
-  <p:clrMapOvr>
-    <a:masterClrMapping/>
-  </p:clrMapOvr>
-</p:sld>
-</file>
-
-<file path=ppt/slides/slide3.xml><?xml version="1.0" encoding="utf-8"?>
-<p:sld xmlns:a="http://schemas.openxmlformats.org/drawingml/2006/main" xmlns:r="http://schemas.openxmlformats.org/officeDocument/2006/relationships" xmlns:p="http://schemas.openxmlformats.org/presentationml/2006/main">
-  <p:cSld>
-    <p:spTree>
-      <p:nvGrpSpPr>
-        <p:cNvPr id="1" name=""/>
-        <p:cNvGrpSpPr/>
-        <p:nvPr/>
-      </p:nvGrpSpPr>
-      <p:grpSpPr>
-        <a:xfrm>
-          <a:off x="0" y="0"/>
-          <a:ext cx="0" cy="0"/>
-          <a:chOff x="0" y="0"/>
-          <a:chExt cx="0" cy="0"/>
-        </a:xfrm>
-      </p:grpSpPr>
-      <p:sp>
-        <p:nvSpPr>
-          <p:cNvPr id="2" name="Rectangle 1"/>
-          <p:cNvSpPr/>
-          <p:nvPr/>
-        </p:nvSpPr>
-        <p:spPr>
-          <a:xfrm>
-            <a:off x="0" y="2"/>
-            <a:ext cx="12192000" cy="1296364"/>
-          </a:xfrm>
-          <a:prstGeom prst="rect">
-            <a:avLst/>
-          </a:prstGeom>
-          <a:solidFill>
-            <a:srgbClr val="00ACE6"/>
-          </a:solidFill>
-          <a:ln>
-            <a:noFill/>
-          </a:ln>
-        </p:spPr>
-        <p:style>
-          <a:lnRef idx="2">
-            <a:schemeClr val="accent1">
-              <a:shade val="50000"/>
-            </a:schemeClr>
-          </a:lnRef>
-          <a:fillRef idx="1">
-            <a:schemeClr val="accent1"/>
-          </a:fillRef>
-          <a:effectRef idx="0">
-            <a:schemeClr val="accent1"/>
-          </a:effectRef>
-          <a:fontRef idx="minor">
-            <a:schemeClr val="lt1"/>
-          </a:fontRef>
-        </p:style>
-        <p:txBody>
-          <a:bodyPr rtlCol="0" anchor="ctr"/>
-          <a:lstStyle/>
-          <a:p>
-            <a:r>
-              <a:rPr lang="en-GB" sz="4800" b="1" dirty="0"/>
-              <a:t>Machine files</a:t>
-            </a:r>
-          </a:p>
-        </p:txBody>
-      </p:sp>
-      <p:sp>
-        <p:nvSpPr>
-          <p:cNvPr id="14" name="TextBox 13"/>
-          <p:cNvSpPr txBox="1"/>
-          <p:nvPr/>
-        </p:nvSpPr>
-        <p:spPr>
-          <a:xfrm>
-            <a:off x="1061012" y="1462072"/>
-            <a:ext cx="10069975" cy="7755969"/>
-          </a:xfrm>
-          <a:prstGeom prst="rect">
-            <a:avLst/>
-          </a:prstGeom>
-          <a:noFill/>
-        </p:spPr>
-        <p:txBody>
-          <a:bodyPr wrap="square" rtlCol="0">
-            <a:spAutoFit/>
-          </a:bodyPr>
-          <a:lstStyle/>
-          <a:p>
-            <a:r>
-              <a:rPr lang="en-GB" sz="2400" b="1" dirty="0"/>
-              <a:t>Feature variables</a:t>
-            </a:r>
-          </a:p>
-          <a:p>
-            <a:endParaRPr lang="en-GB" sz="2400" dirty="0">
-              <a:solidFill>
-                <a:schemeClr val="accent2"/>
-              </a:solidFill>
-            </a:endParaRPr>
-          </a:p>
-          <a:p>
-            <a:r>
-              <a:rPr lang="en-GB" sz="2000" dirty="0">
-                <a:solidFill>
-                  <a:srgbClr val="ED7D31"/>
-                </a:solidFill>
-              </a:rPr>
-              <a:t>accounting</a:t>
-            </a:r>
-            <a:r>
-              <a:rPr lang="en-GB" sz="2000" dirty="0"/>
-              <a:t> – if true, the user is required to define a </a:t>
-            </a:r>
-            <a:r>
-              <a:rPr lang="en-GB" sz="2000" dirty="0" err="1">
-                <a:solidFill>
-                  <a:srgbClr val="ED7D31"/>
-                </a:solidFill>
-              </a:rPr>
-              <a:t>general.account</a:t>
-            </a:r>
-            <a:r>
-              <a:rPr lang="en-GB" sz="2000" dirty="0">
-                <a:solidFill>
-                  <a:srgbClr val="ED7D31"/>
-                </a:solidFill>
-              </a:rPr>
-              <a:t> </a:t>
-            </a:r>
-            <a:r>
-              <a:rPr lang="en-GB" sz="2000" dirty="0"/>
-              <a:t>in the </a:t>
-            </a:r>
-            <a:r>
-              <a:rPr lang="en-GB" sz="2000" dirty="0" err="1"/>
-              <a:t>runscript</a:t>
-            </a:r>
-            <a:endParaRPr lang="en-GB" sz="2000" dirty="0"/>
-          </a:p>
-          <a:p>
-            <a:endParaRPr lang="en-GB" sz="2000" dirty="0"/>
-          </a:p>
-          <a:p>
-            <a:r>
-              <a:rPr lang="en-GB" sz="2000" dirty="0" err="1">
-                <a:solidFill>
-                  <a:srgbClr val="ED7D31"/>
-                </a:solidFill>
-              </a:rPr>
-              <a:t>batch_system</a:t>
-            </a:r>
-            <a:r>
-              <a:rPr lang="en-GB" sz="2000" dirty="0">
-                <a:solidFill>
-                  <a:srgbClr val="ED7D31"/>
-                </a:solidFill>
-              </a:rPr>
-              <a:t> </a:t>
-            </a:r>
-            <a:r>
-              <a:rPr lang="en-GB" sz="2000" dirty="0"/>
-              <a:t>– defines with &lt;</a:t>
-            </a:r>
-            <a:r>
-              <a:rPr lang="en-GB" sz="2000" dirty="0" err="1"/>
-              <a:t>job_scheduler</a:t>
-            </a:r>
-            <a:r>
-              <a:rPr lang="en-GB" sz="2000" dirty="0"/>
-              <a:t>&gt;.</a:t>
-            </a:r>
-            <a:r>
-              <a:rPr lang="en-GB" sz="2000" dirty="0" err="1"/>
-              <a:t>py</a:t>
-            </a:r>
-            <a:r>
-              <a:rPr lang="en-GB" sz="2000" dirty="0"/>
-              <a:t> module ESM-Tools will be importing</a:t>
-            </a:r>
-          </a:p>
-          <a:p>
-            <a:endParaRPr lang="en-GB" sz="2000" dirty="0"/>
-          </a:p>
-          <a:p>
-            <a:r>
-              <a:rPr lang="en-GB" sz="2000" dirty="0" err="1">
-                <a:solidFill>
-                  <a:srgbClr val="ED7D31"/>
-                </a:solidFill>
-              </a:rPr>
-              <a:t>sh_interpreter</a:t>
-            </a:r>
-            <a:r>
-              <a:rPr lang="en-GB" sz="2000" dirty="0"/>
-              <a:t> – defines the shebang of the </a:t>
-            </a:r>
-            <a:r>
-              <a:rPr lang="en-GB" sz="2000" dirty="0">
-                <a:solidFill>
-                  <a:srgbClr val="ED7D31"/>
-                </a:solidFill>
-              </a:rPr>
-              <a:t>comp-*.</a:t>
-            </a:r>
-            <a:r>
-              <a:rPr lang="en-GB" sz="2000" dirty="0" err="1">
-                <a:solidFill>
-                  <a:srgbClr val="ED7D31"/>
-                </a:solidFill>
-              </a:rPr>
-              <a:t>sh</a:t>
-            </a:r>
-            <a:r>
-              <a:rPr lang="en-GB" sz="2000" dirty="0">
-                <a:solidFill>
-                  <a:srgbClr val="ED7D31"/>
-                </a:solidFill>
-              </a:rPr>
-              <a:t> </a:t>
-            </a:r>
-            <a:r>
-              <a:rPr lang="en-GB" sz="2000" dirty="0"/>
-              <a:t>and the </a:t>
-            </a:r>
-            <a:r>
-              <a:rPr lang="en-GB" sz="2000" dirty="0">
-                <a:solidFill>
-                  <a:srgbClr val="ED7D31"/>
-                </a:solidFill>
-              </a:rPr>
-              <a:t>*.run</a:t>
-            </a:r>
-            <a:r>
-              <a:rPr lang="en-GB" sz="2000" dirty="0"/>
-              <a:t> files</a:t>
-            </a:r>
-          </a:p>
-          <a:p>
-            <a:endParaRPr lang="en-GB" sz="2000" dirty="0"/>
-          </a:p>
-          <a:p>
-            <a:r>
-              <a:rPr lang="en-GB" sz="2000" dirty="0">
-                <a:solidFill>
-                  <a:srgbClr val="ED7D31"/>
-                </a:solidFill>
-              </a:rPr>
-              <a:t>partitions</a:t>
-            </a:r>
-            <a:r>
-              <a:rPr lang="en-GB" sz="2000" dirty="0"/>
-              <a:t> – </a:t>
-            </a:r>
-            <a:r>
-              <a:rPr lang="en-GB" sz="2000" dirty="0">
-                <a:solidFill>
-                  <a:srgbClr val="ED7D31"/>
-                </a:solidFill>
-              </a:rPr>
-              <a:t>dictionary</a:t>
-            </a:r>
-            <a:r>
-              <a:rPr lang="en-GB" sz="2000" dirty="0"/>
-              <a:t> that defines the partitions available, including the name and the number of cores per node</a:t>
-            </a:r>
-          </a:p>
-          <a:p>
-            <a:endParaRPr lang="en-GB" sz="2000" dirty="0"/>
-          </a:p>
-          <a:p>
-            <a:r>
-              <a:rPr lang="en-GB" sz="2000" dirty="0">
-                <a:solidFill>
-                  <a:srgbClr val="ED7D31"/>
-                </a:solidFill>
-              </a:rPr>
-              <a:t>partition </a:t>
-            </a:r>
-            <a:r>
-              <a:rPr lang="en-GB" sz="2000" dirty="0"/>
-              <a:t>–</a:t>
-            </a:r>
-            <a:r>
-              <a:rPr lang="en-GB" sz="2000" dirty="0">
-                <a:solidFill>
-                  <a:srgbClr val="ED7D31"/>
-                </a:solidFill>
-              </a:rPr>
-              <a:t> </a:t>
-            </a:r>
-            <a:r>
-              <a:rPr lang="en-GB" sz="2000" dirty="0">
-                <a:solidFill>
-                  <a:schemeClr val="accent2"/>
-                </a:solidFill>
-              </a:rPr>
-              <a:t>string</a:t>
-            </a:r>
-            <a:r>
-              <a:rPr lang="en-GB" sz="2000" dirty="0"/>
-              <a:t> use to select the </a:t>
-            </a:r>
-          </a:p>
-          <a:p>
-            <a:r>
-              <a:rPr lang="en-GB" sz="2000" dirty="0"/>
-              <a:t>	partition label to be used from </a:t>
-            </a:r>
-          </a:p>
-          <a:p>
-            <a:r>
-              <a:rPr lang="en-GB" sz="2000" dirty="0"/>
-              <a:t>	the</a:t>
-            </a:r>
-            <a:r>
-              <a:rPr lang="en-GB" sz="2000" dirty="0">
-                <a:solidFill>
-                  <a:srgbClr val="ED7D31"/>
-                </a:solidFill>
-              </a:rPr>
-              <a:t> partitions dictionary</a:t>
-            </a:r>
-            <a:endParaRPr lang="en-US" dirty="0"/>
-          </a:p>
-          <a:p>
-            <a:pPr marL="342900" indent="-342900">
-              <a:buFont typeface="Arial" panose="020B0604020202020204" pitchFamily="34" charset="0"/>
-              <a:buChar char="•"/>
-            </a:pPr>
-            <a:endParaRPr lang="en-US" dirty="0"/>
-          </a:p>
-          <a:p>
-            <a:pPr marL="342900" indent="-342900">
-              <a:buFont typeface="Arial" panose="020B0604020202020204" pitchFamily="34" charset="0"/>
-              <a:buChar char="•"/>
-            </a:pPr>
-            <a:endParaRPr lang="en-US" sz="2400" dirty="0"/>
-          </a:p>
-          <a:p>
-            <a:pPr marL="342900" indent="-342900">
-              <a:buFont typeface="Arial" panose="020B0604020202020204" pitchFamily="34" charset="0"/>
-              <a:buChar char="•"/>
-            </a:pPr>
-            <a:endParaRPr lang="en-GB" sz="2400" dirty="0"/>
-          </a:p>
-          <a:p>
-            <a:pPr marL="342900" indent="-342900">
-              <a:buFont typeface="Arial" panose="020B0604020202020204" pitchFamily="34" charset="0"/>
-              <a:buChar char="•"/>
-            </a:pPr>
-            <a:endParaRPr lang="en-GB" sz="2400" dirty="0"/>
-          </a:p>
-          <a:p>
-            <a:endParaRPr lang="en-GB" sz="2400" dirty="0"/>
-          </a:p>
-          <a:p>
-            <a:endParaRPr lang="en-GB" sz="2400" dirty="0">
-              <a:solidFill>
-                <a:schemeClr val="accent2"/>
-              </a:solidFill>
-            </a:endParaRPr>
-          </a:p>
-          <a:p>
-            <a:endParaRPr lang="en-GB" sz="2400" dirty="0">
-              <a:solidFill>
-                <a:schemeClr val="accent2"/>
-              </a:solidFill>
-            </a:endParaRPr>
-          </a:p>
-          <a:p>
-            <a:endParaRPr lang="en-GB" sz="2400" dirty="0">
-              <a:solidFill>
-                <a:schemeClr val="accent2"/>
-              </a:solidFill>
-            </a:endParaRPr>
-          </a:p>
-          <a:p>
-            <a:endParaRPr lang="en-GB" sz="2400" b="1" dirty="0"/>
-          </a:p>
-        </p:txBody>
-      </p:sp>
-      <p:sp>
-        <p:nvSpPr>
-          <p:cNvPr id="9" name="Isosceles Triangle 6">
-            <a:extLst>
-              <a:ext uri="{FF2B5EF4-FFF2-40B4-BE49-F238E27FC236}">
-                <a16:creationId xmlns:a16="http://schemas.microsoft.com/office/drawing/2014/main" id="{C8A477D7-37D5-C571-F295-169D7D1718A1}"/>
-              </a:ext>
-            </a:extLst>
-          </p:cNvPr>
-          <p:cNvSpPr/>
-          <p:nvPr/>
-        </p:nvSpPr>
-        <p:spPr>
-          <a:xfrm rot="5400000">
-            <a:off x="348693" y="2221546"/>
-            <a:ext cx="457812" cy="394666"/>
-          </a:xfrm>
-          <a:prstGeom prst="triangle">
-            <a:avLst/>
-          </a:prstGeom>
-          <a:solidFill>
-            <a:srgbClr val="00ACE6"/>
-          </a:solidFill>
-          <a:ln>
-            <a:noFill/>
-          </a:ln>
-        </p:spPr>
-        <p:style>
-          <a:lnRef idx="2">
-            <a:schemeClr val="accent1">
-              <a:shade val="50000"/>
-            </a:schemeClr>
-          </a:lnRef>
-          <a:fillRef idx="1">
-            <a:schemeClr val="accent1"/>
-          </a:fillRef>
-          <a:effectRef idx="0">
-            <a:schemeClr val="accent1"/>
-          </a:effectRef>
-          <a:fontRef idx="minor">
-            <a:schemeClr val="lt1"/>
-          </a:fontRef>
-        </p:style>
-        <p:txBody>
-          <a:bodyPr rtlCol="0" anchor="ctr"/>
-          <a:lstStyle/>
-          <a:p>
-            <a:pPr algn="ctr"/>
-            <a:endParaRPr lang="tr-TR"/>
-          </a:p>
-        </p:txBody>
-      </p:sp>
-      <p:sp>
-        <p:nvSpPr>
-          <p:cNvPr id="6" name="Isosceles Triangle 6">
-            <a:extLst>
-              <a:ext uri="{FF2B5EF4-FFF2-40B4-BE49-F238E27FC236}">
-                <a16:creationId xmlns:a16="http://schemas.microsoft.com/office/drawing/2014/main" id="{4F5A986E-8B09-DDF8-012C-B0E4560706C4}"/>
-              </a:ext>
-            </a:extLst>
-          </p:cNvPr>
-          <p:cNvSpPr/>
-          <p:nvPr/>
-        </p:nvSpPr>
-        <p:spPr>
-          <a:xfrm rot="5400000">
-            <a:off x="348693" y="2815277"/>
-            <a:ext cx="457812" cy="394666"/>
-          </a:xfrm>
-          <a:prstGeom prst="triangle">
-            <a:avLst/>
-          </a:prstGeom>
-          <a:solidFill>
-            <a:srgbClr val="00ACE6"/>
-          </a:solidFill>
-          <a:ln>
-            <a:noFill/>
-          </a:ln>
-        </p:spPr>
-        <p:style>
-          <a:lnRef idx="2">
-            <a:schemeClr val="accent1">
-              <a:shade val="50000"/>
-            </a:schemeClr>
-          </a:lnRef>
-          <a:fillRef idx="1">
-            <a:schemeClr val="accent1"/>
-          </a:fillRef>
-          <a:effectRef idx="0">
-            <a:schemeClr val="accent1"/>
-          </a:effectRef>
-          <a:fontRef idx="minor">
-            <a:schemeClr val="lt1"/>
-          </a:fontRef>
-        </p:style>
-        <p:txBody>
-          <a:bodyPr rtlCol="0" anchor="ctr"/>
-          <a:lstStyle/>
-          <a:p>
-            <a:pPr algn="ctr"/>
-            <a:endParaRPr lang="tr-TR"/>
-          </a:p>
-        </p:txBody>
-      </p:sp>
-      <p:sp>
-        <p:nvSpPr>
-          <p:cNvPr id="7" name="Isosceles Triangle 6">
-            <a:extLst>
-              <a:ext uri="{FF2B5EF4-FFF2-40B4-BE49-F238E27FC236}">
-                <a16:creationId xmlns:a16="http://schemas.microsoft.com/office/drawing/2014/main" id="{04FC73F6-F7B7-6C14-AFE1-0E45DFC7B469}"/>
-              </a:ext>
-            </a:extLst>
-          </p:cNvPr>
-          <p:cNvSpPr/>
-          <p:nvPr/>
-        </p:nvSpPr>
-        <p:spPr>
-          <a:xfrm rot="5400000">
-            <a:off x="348693" y="3425848"/>
-            <a:ext cx="457812" cy="394666"/>
-          </a:xfrm>
-          <a:prstGeom prst="triangle">
-            <a:avLst/>
-          </a:prstGeom>
-          <a:solidFill>
-            <a:srgbClr val="00ACE6"/>
-          </a:solidFill>
-          <a:ln>
-            <a:noFill/>
-          </a:ln>
-        </p:spPr>
-        <p:style>
-          <a:lnRef idx="2">
-            <a:schemeClr val="accent1">
-              <a:shade val="50000"/>
-            </a:schemeClr>
-          </a:lnRef>
-          <a:fillRef idx="1">
-            <a:schemeClr val="accent1"/>
-          </a:fillRef>
-          <a:effectRef idx="0">
-            <a:schemeClr val="accent1"/>
-          </a:effectRef>
-          <a:fontRef idx="minor">
-            <a:schemeClr val="lt1"/>
-          </a:fontRef>
-        </p:style>
-        <p:txBody>
-          <a:bodyPr rtlCol="0" anchor="ctr"/>
-          <a:lstStyle/>
-          <a:p>
-            <a:pPr algn="ctr"/>
-            <a:endParaRPr lang="tr-TR"/>
-          </a:p>
-        </p:txBody>
-      </p:sp>
-      <p:sp>
-        <p:nvSpPr>
-          <p:cNvPr id="8" name="Isosceles Triangle 6">
-            <a:extLst>
-              <a:ext uri="{FF2B5EF4-FFF2-40B4-BE49-F238E27FC236}">
-                <a16:creationId xmlns:a16="http://schemas.microsoft.com/office/drawing/2014/main" id="{5F74D2E6-2D55-E901-0F5B-A41F4374857E}"/>
-              </a:ext>
-            </a:extLst>
-          </p:cNvPr>
-          <p:cNvSpPr/>
-          <p:nvPr/>
-        </p:nvSpPr>
-        <p:spPr>
-          <a:xfrm rot="5400000">
-            <a:off x="348693" y="4042849"/>
-            <a:ext cx="457812" cy="394666"/>
-          </a:xfrm>
-          <a:prstGeom prst="triangle">
-            <a:avLst/>
-          </a:prstGeom>
-          <a:solidFill>
-            <a:srgbClr val="00ACE6"/>
-          </a:solidFill>
-          <a:ln>
-            <a:noFill/>
-          </a:ln>
-        </p:spPr>
-        <p:style>
-          <a:lnRef idx="2">
-            <a:schemeClr val="accent1">
-              <a:shade val="50000"/>
-            </a:schemeClr>
-          </a:lnRef>
-          <a:fillRef idx="1">
-            <a:schemeClr val="accent1"/>
-          </a:fillRef>
-          <a:effectRef idx="0">
-            <a:schemeClr val="accent1"/>
-          </a:effectRef>
-          <a:fontRef idx="minor">
-            <a:schemeClr val="lt1"/>
-          </a:fontRef>
-        </p:style>
-        <p:txBody>
-          <a:bodyPr rtlCol="0" anchor="ctr"/>
-          <a:lstStyle/>
-          <a:p>
-            <a:pPr algn="ctr"/>
-            <a:endParaRPr lang="tr-TR"/>
-          </a:p>
-        </p:txBody>
-      </p:sp>
-      <p:sp>
-        <p:nvSpPr>
-          <p:cNvPr id="3" name="Rectangle 2">
-            <a:extLst>
-              <a:ext uri="{FF2B5EF4-FFF2-40B4-BE49-F238E27FC236}">
-                <a16:creationId xmlns:a16="http://schemas.microsoft.com/office/drawing/2014/main" id="{667A7CE4-8618-8217-A973-B98EC9D9162B}"/>
-              </a:ext>
-            </a:extLst>
-          </p:cNvPr>
-          <p:cNvSpPr/>
-          <p:nvPr/>
-        </p:nvSpPr>
-        <p:spPr>
-          <a:xfrm>
-            <a:off x="5795631" y="4645849"/>
-            <a:ext cx="6126295" cy="1492716"/>
-          </a:xfrm>
-          <a:prstGeom prst="rect">
-            <a:avLst/>
-          </a:prstGeom>
-          <a:ln w="12700">
-            <a:solidFill>
-              <a:schemeClr val="tx1"/>
-            </a:solidFill>
-          </a:ln>
-        </p:spPr>
-        <p:txBody>
-          <a:bodyPr wrap="square">
-            <a:spAutoFit/>
-          </a:bodyPr>
-          <a:lstStyle/>
-          <a:p>
-            <a:r>
-              <a:rPr lang="en-GB" sz="1200" b="1" dirty="0">
-                <a:latin typeface="Menlo-Regular" panose="020B0609030804020204" pitchFamily="49" charset="0"/>
-              </a:rPr>
-              <a:t>&lt;machine&gt;.</a:t>
-            </a:r>
-            <a:r>
-              <a:rPr lang="en-GB" sz="1200" b="1" dirty="0" err="1">
-                <a:latin typeface="Menlo-Regular" panose="020B0609030804020204" pitchFamily="49" charset="0"/>
-              </a:rPr>
-              <a:t>yaml</a:t>
-            </a:r>
-            <a:endParaRPr lang="en-GB" sz="1200" dirty="0">
-              <a:latin typeface="Menlo-Regular" panose="020B0609030804020204" pitchFamily="49" charset="0"/>
-            </a:endParaRPr>
-          </a:p>
-          <a:p>
-            <a:r>
-              <a:rPr lang="en-GB" sz="1100" dirty="0">
-                <a:solidFill>
-                  <a:srgbClr val="0E6E35"/>
-                </a:solidFill>
-                <a:latin typeface="Courier" pitchFamily="2" charset="0"/>
-              </a:rPr>
-              <a:t>partitions</a:t>
-            </a:r>
-            <a:r>
-              <a:rPr lang="en-GB" sz="1100" dirty="0">
-                <a:solidFill>
-                  <a:srgbClr val="000000"/>
-                </a:solidFill>
-                <a:latin typeface="Courier" pitchFamily="2" charset="0"/>
-              </a:rPr>
-              <a:t>:</a:t>
-            </a:r>
-          </a:p>
-          <a:p>
-            <a:r>
-              <a:rPr lang="en-GB" sz="1100" dirty="0">
-                <a:solidFill>
-                  <a:srgbClr val="0E6E35"/>
-                </a:solidFill>
-                <a:latin typeface="Courier" pitchFamily="2" charset="0"/>
-              </a:rPr>
-              <a:t>        &lt;label_for_partition-1&gt;</a:t>
-            </a:r>
-            <a:r>
-              <a:rPr lang="en-GB" sz="1100" dirty="0">
-                <a:solidFill>
-                  <a:srgbClr val="000000"/>
-                </a:solidFill>
-                <a:latin typeface="Courier" pitchFamily="2" charset="0"/>
-              </a:rPr>
-              <a:t>:</a:t>
-            </a:r>
-          </a:p>
-          <a:p>
-            <a:r>
-              <a:rPr lang="en-GB" sz="1100" dirty="0">
-                <a:solidFill>
-                  <a:srgbClr val="0F7001"/>
-                </a:solidFill>
-                <a:latin typeface="Courier" pitchFamily="2" charset="0"/>
-              </a:rPr>
-              <a:t>                name</a:t>
-            </a:r>
-            <a:r>
-              <a:rPr lang="en-GB" sz="1100" b="1" dirty="0">
-                <a:solidFill>
-                  <a:srgbClr val="921A20"/>
-                </a:solidFill>
-                <a:latin typeface="Courier-Bold" pitchFamily="2" charset="0"/>
-              </a:rPr>
-              <a:t>: </a:t>
-            </a:r>
-            <a:r>
-              <a:rPr lang="en-GB" sz="1100" dirty="0">
-                <a:solidFill>
-                  <a:srgbClr val="000000"/>
-                </a:solidFill>
-                <a:latin typeface="Courier" pitchFamily="2" charset="0"/>
-              </a:rPr>
-              <a:t>&lt;</a:t>
-            </a:r>
-            <a:r>
-              <a:rPr lang="en-GB" sz="1100" dirty="0" err="1">
-                <a:solidFill>
-                  <a:srgbClr val="000000"/>
-                </a:solidFill>
-                <a:latin typeface="Courier" pitchFamily="2" charset="0"/>
-              </a:rPr>
-              <a:t>actual_name_for_the</a:t>
-            </a:r>
-            <a:r>
-              <a:rPr lang="en-GB" sz="1100" dirty="0">
-                <a:solidFill>
-                  <a:srgbClr val="000000"/>
-                </a:solidFill>
-                <a:latin typeface="Courier" pitchFamily="2" charset="0"/>
-              </a:rPr>
-              <a:t>_--</a:t>
-            </a:r>
-            <a:r>
-              <a:rPr lang="en-GB" sz="1100" dirty="0" err="1">
-                <a:solidFill>
-                  <a:srgbClr val="000000"/>
-                </a:solidFill>
-                <a:latin typeface="Courier" pitchFamily="2" charset="0"/>
-              </a:rPr>
-              <a:t>partition_flag_in_sbatch</a:t>
-            </a:r>
-            <a:r>
-              <a:rPr lang="en-GB" sz="1100" dirty="0">
-                <a:solidFill>
-                  <a:srgbClr val="000000"/>
-                </a:solidFill>
-                <a:latin typeface="Courier" pitchFamily="2" charset="0"/>
-              </a:rPr>
-              <a:t>&gt;</a:t>
-            </a:r>
-          </a:p>
-          <a:p>
-            <a:r>
-              <a:rPr lang="en-GB" sz="1100" dirty="0">
-                <a:solidFill>
-                  <a:srgbClr val="0F7001"/>
-                </a:solidFill>
-                <a:latin typeface="Courier" pitchFamily="2" charset="0"/>
-              </a:rPr>
-              <a:t>                </a:t>
-            </a:r>
-            <a:r>
-              <a:rPr lang="en-GB" sz="1100" dirty="0" err="1">
-                <a:solidFill>
-                  <a:srgbClr val="0F7001"/>
-                </a:solidFill>
-                <a:latin typeface="Courier" pitchFamily="2" charset="0"/>
-              </a:rPr>
-              <a:t>cores_per_node</a:t>
-            </a:r>
-            <a:r>
-              <a:rPr lang="en-GB" sz="1100" b="1" dirty="0">
-                <a:solidFill>
-                  <a:srgbClr val="921A20"/>
-                </a:solidFill>
-                <a:latin typeface="Courier-Bold" pitchFamily="2" charset="0"/>
-              </a:rPr>
-              <a:t>: </a:t>
-            </a:r>
-            <a:r>
-              <a:rPr lang="en-GB" sz="1100" dirty="0">
-                <a:solidFill>
-                  <a:srgbClr val="000000"/>
-                </a:solidFill>
-                <a:latin typeface="Courier" pitchFamily="2" charset="0"/>
-              </a:rPr>
-              <a:t>&lt;</a:t>
-            </a:r>
-            <a:r>
-              <a:rPr lang="en-GB" sz="1100" dirty="0" err="1">
-                <a:solidFill>
-                  <a:srgbClr val="000000"/>
-                </a:solidFill>
-                <a:latin typeface="Courier" pitchFamily="2" charset="0"/>
-              </a:rPr>
-              <a:t>n_cores_per_node</a:t>
-            </a:r>
-            <a:r>
-              <a:rPr lang="en-GB" sz="1100" dirty="0">
-                <a:solidFill>
-                  <a:srgbClr val="000000"/>
-                </a:solidFill>
-                <a:latin typeface="Courier" pitchFamily="2" charset="0"/>
-              </a:rPr>
-              <a:t>&gt;</a:t>
-            </a:r>
-          </a:p>
-          <a:p>
-            <a:r>
-              <a:rPr lang="en-GB" sz="1100" dirty="0">
-                <a:solidFill>
-                  <a:srgbClr val="0F7001"/>
-                </a:solidFill>
-                <a:latin typeface="Courier" pitchFamily="2" charset="0"/>
-              </a:rPr>
-              <a:t>        </a:t>
-            </a:r>
-            <a:r>
-              <a:rPr lang="en-GB" sz="1100" dirty="0">
-                <a:solidFill>
-                  <a:srgbClr val="0E6E35"/>
-                </a:solidFill>
-                <a:latin typeface="Courier" pitchFamily="2" charset="0"/>
-              </a:rPr>
-              <a:t>&lt;label_for_partition-2&gt;</a:t>
-            </a:r>
-            <a:r>
-              <a:rPr lang="en-GB" sz="1100" dirty="0">
-                <a:solidFill>
-                  <a:srgbClr val="000000"/>
-                </a:solidFill>
-                <a:latin typeface="Courier" pitchFamily="2" charset="0"/>
-              </a:rPr>
-              <a:t>:</a:t>
-            </a:r>
-            <a:endParaRPr lang="en-GB" sz="1100" b="1" dirty="0">
-              <a:solidFill>
-                <a:srgbClr val="921A20"/>
-              </a:solidFill>
-              <a:latin typeface="Courier-Bold" pitchFamily="2" charset="0"/>
-            </a:endParaRPr>
-          </a:p>
-          <a:p>
-            <a:r>
-              <a:rPr lang="en-GB" sz="1100" b="1" dirty="0">
-                <a:solidFill>
-                  <a:srgbClr val="921A20"/>
-                </a:solidFill>
-                <a:latin typeface="Courier-Bold" pitchFamily="2" charset="0"/>
-              </a:rPr>
-              <a:t> </a:t>
-            </a:r>
-            <a:r>
-              <a:rPr lang="en-GB" sz="1100" dirty="0">
-                <a:solidFill>
-                  <a:srgbClr val="0F7001"/>
-                </a:solidFill>
-                <a:latin typeface="Courier" pitchFamily="2" charset="0"/>
-              </a:rPr>
-              <a:t>               name</a:t>
-            </a:r>
-            <a:r>
-              <a:rPr lang="en-GB" sz="1100" b="1" dirty="0">
-                <a:solidFill>
-                  <a:srgbClr val="921A20"/>
-                </a:solidFill>
-                <a:latin typeface="Courier-Bold" pitchFamily="2" charset="0"/>
-              </a:rPr>
-              <a:t>: </a:t>
-            </a:r>
-            <a:r>
-              <a:rPr lang="en-GB" sz="1100" dirty="0">
-                <a:solidFill>
-                  <a:srgbClr val="000000"/>
-                </a:solidFill>
-                <a:latin typeface="Courier" pitchFamily="2" charset="0"/>
-              </a:rPr>
-              <a:t>&lt;</a:t>
-            </a:r>
-            <a:r>
-              <a:rPr lang="en-GB" sz="1100" dirty="0" err="1">
-                <a:solidFill>
-                  <a:srgbClr val="000000"/>
-                </a:solidFill>
-                <a:latin typeface="Courier" pitchFamily="2" charset="0"/>
-              </a:rPr>
-              <a:t>actual_name_for_the</a:t>
-            </a:r>
-            <a:r>
-              <a:rPr lang="en-GB" sz="1100" dirty="0">
-                <a:solidFill>
-                  <a:srgbClr val="000000"/>
-                </a:solidFill>
-                <a:latin typeface="Courier" pitchFamily="2" charset="0"/>
-              </a:rPr>
-              <a:t>_--</a:t>
-            </a:r>
-            <a:r>
-              <a:rPr lang="en-GB" sz="1100" dirty="0" err="1">
-                <a:solidFill>
-                  <a:srgbClr val="000000"/>
-                </a:solidFill>
-                <a:latin typeface="Courier" pitchFamily="2" charset="0"/>
-              </a:rPr>
-              <a:t>partition_flag_in_sbatch</a:t>
-            </a:r>
-            <a:r>
-              <a:rPr lang="en-GB" sz="1100" dirty="0">
-                <a:solidFill>
-                  <a:srgbClr val="000000"/>
-                </a:solidFill>
-                <a:latin typeface="Courier" pitchFamily="2" charset="0"/>
-              </a:rPr>
-              <a:t>&gt;</a:t>
-            </a:r>
-          </a:p>
-          <a:p>
-            <a:r>
-              <a:rPr lang="en-GB" sz="1100" dirty="0">
-                <a:solidFill>
-                  <a:srgbClr val="0F7001"/>
-                </a:solidFill>
-                <a:latin typeface="Courier" pitchFamily="2" charset="0"/>
-              </a:rPr>
-              <a:t>                </a:t>
-            </a:r>
-            <a:r>
-              <a:rPr lang="en-GB" sz="1100" dirty="0" err="1">
-                <a:solidFill>
-                  <a:srgbClr val="0F7001"/>
-                </a:solidFill>
-                <a:latin typeface="Courier" pitchFamily="2" charset="0"/>
-              </a:rPr>
-              <a:t>cores_per_node</a:t>
-            </a:r>
-            <a:r>
-              <a:rPr lang="en-GB" sz="1100" b="1" dirty="0">
-                <a:solidFill>
-                  <a:srgbClr val="921A20"/>
-                </a:solidFill>
-                <a:latin typeface="Courier-Bold" pitchFamily="2" charset="0"/>
-              </a:rPr>
-              <a:t>: </a:t>
-            </a:r>
-            <a:r>
-              <a:rPr lang="en-GB" sz="1100" dirty="0">
-                <a:solidFill>
-                  <a:srgbClr val="000000"/>
-                </a:solidFill>
-                <a:latin typeface="Courier" pitchFamily="2" charset="0"/>
-              </a:rPr>
-              <a:t>&lt;</a:t>
-            </a:r>
-            <a:r>
-              <a:rPr lang="en-GB" sz="1100" dirty="0" err="1">
-                <a:solidFill>
-                  <a:srgbClr val="000000"/>
-                </a:solidFill>
-                <a:latin typeface="Courier" pitchFamily="2" charset="0"/>
-              </a:rPr>
-              <a:t>n_cores_per_node</a:t>
-            </a:r>
-            <a:r>
-              <a:rPr lang="en-GB" sz="1100" dirty="0">
-                <a:solidFill>
-                  <a:srgbClr val="000000"/>
-                </a:solidFill>
-                <a:latin typeface="Courier" pitchFamily="2" charset="0"/>
-              </a:rPr>
-              <a:t>&gt;</a:t>
-            </a:r>
-            <a:endParaRPr lang="en-GB" sz="1100" dirty="0"/>
-          </a:p>
-        </p:txBody>
-      </p:sp>
-      <p:sp>
-        <p:nvSpPr>
-          <p:cNvPr id="10" name="Isosceles Triangle 6">
-            <a:extLst>
-              <a:ext uri="{FF2B5EF4-FFF2-40B4-BE49-F238E27FC236}">
-                <a16:creationId xmlns:a16="http://schemas.microsoft.com/office/drawing/2014/main" id="{FB82775A-04E8-E59D-12BD-4AC15792E735}"/>
-              </a:ext>
-            </a:extLst>
-          </p:cNvPr>
-          <p:cNvSpPr/>
-          <p:nvPr/>
-        </p:nvSpPr>
-        <p:spPr>
-          <a:xfrm rot="5400000">
-            <a:off x="348693" y="4982756"/>
-            <a:ext cx="457812" cy="394666"/>
-          </a:xfrm>
-          <a:prstGeom prst="triangle">
-            <a:avLst/>
-          </a:prstGeom>
-          <a:solidFill>
-            <a:srgbClr val="00ACE6"/>
-          </a:solidFill>
-          <a:ln>
-            <a:noFill/>
-          </a:ln>
-        </p:spPr>
-        <p:style>
-          <a:lnRef idx="2">
-            <a:schemeClr val="accent1">
-              <a:shade val="50000"/>
-            </a:schemeClr>
-          </a:lnRef>
-          <a:fillRef idx="1">
-            <a:schemeClr val="accent1"/>
-          </a:fillRef>
-          <a:effectRef idx="0">
-            <a:schemeClr val="accent1"/>
-          </a:effectRef>
-          <a:fontRef idx="minor">
-            <a:schemeClr val="lt1"/>
-          </a:fontRef>
-        </p:style>
-        <p:txBody>
-          <a:bodyPr rtlCol="0" anchor="ctr"/>
-          <a:lstStyle/>
-          <a:p>
-            <a:pPr algn="ctr"/>
-            <a:endParaRPr lang="tr-TR"/>
-          </a:p>
-        </p:txBody>
-      </p:sp>
-    </p:spTree>
-    <p:extLst>
-      <p:ext uri="{BB962C8B-B14F-4D97-AF65-F5344CB8AC3E}">
-        <p14:creationId xmlns:p14="http://schemas.microsoft.com/office/powerpoint/2010/main" val="3221355017"/>
-      </p:ext>
-    </p:extLst>
-  </p:cSld>
-  <p:clrMapOvr>
-    <a:masterClrMapping/>
-  </p:clrMapOvr>
-</p:sld>
-</file>
-
-<file path=ppt/slides/slide4.xml><?xml version="1.0" encoding="utf-8"?>
-<p:sld xmlns:a="http://schemas.openxmlformats.org/drawingml/2006/main" xmlns:r="http://schemas.openxmlformats.org/officeDocument/2006/relationships" xmlns:p="http://schemas.openxmlformats.org/presentationml/2006/main">
-  <p:cSld>
-    <p:spTree>
-      <p:nvGrpSpPr>
-        <p:cNvPr id="1" name=""/>
-        <p:cNvGrpSpPr/>
-        <p:nvPr/>
-      </p:nvGrpSpPr>
-      <p:grpSpPr>
-        <a:xfrm>
-          <a:off x="0" y="0"/>
-          <a:ext cx="0" cy="0"/>
-          <a:chOff x="0" y="0"/>
-          <a:chExt cx="0" cy="0"/>
-        </a:xfrm>
-      </p:grpSpPr>
-      <p:sp>
-        <p:nvSpPr>
-          <p:cNvPr id="2" name="Rectangle 1"/>
-          <p:cNvSpPr/>
-          <p:nvPr/>
-        </p:nvSpPr>
-        <p:spPr>
-          <a:xfrm>
-            <a:off x="0" y="2"/>
-            <a:ext cx="12192000" cy="1296364"/>
-          </a:xfrm>
-          <a:prstGeom prst="rect">
-            <a:avLst/>
-          </a:prstGeom>
-          <a:solidFill>
-            <a:srgbClr val="00ACE6"/>
-          </a:solidFill>
-          <a:ln>
-            <a:noFill/>
-          </a:ln>
-        </p:spPr>
-        <p:style>
-          <a:lnRef idx="2">
-            <a:schemeClr val="accent1">
-              <a:shade val="50000"/>
-            </a:schemeClr>
-          </a:lnRef>
-          <a:fillRef idx="1">
-            <a:schemeClr val="accent1"/>
-          </a:fillRef>
-          <a:effectRef idx="0">
-            <a:schemeClr val="accent1"/>
-          </a:effectRef>
-          <a:fontRef idx="minor">
-            <a:schemeClr val="lt1"/>
-          </a:fontRef>
-        </p:style>
-        <p:txBody>
-          <a:bodyPr rtlCol="0" anchor="ctr"/>
-          <a:lstStyle/>
-          <a:p>
-            <a:r>
-              <a:rPr lang="en-GB" sz="4800" b="1" dirty="0"/>
-              <a:t>Machine files</a:t>
-            </a:r>
-          </a:p>
-        </p:txBody>
-      </p:sp>
-      <p:sp>
-        <p:nvSpPr>
-          <p:cNvPr id="14" name="TextBox 13"/>
-          <p:cNvSpPr txBox="1"/>
-          <p:nvPr/>
-        </p:nvSpPr>
-        <p:spPr>
-          <a:xfrm>
-            <a:off x="1061012" y="1462072"/>
-            <a:ext cx="10069975" cy="6924973"/>
-          </a:xfrm>
-          <a:prstGeom prst="rect">
-            <a:avLst/>
-          </a:prstGeom>
-          <a:noFill/>
-        </p:spPr>
-        <p:txBody>
-          <a:bodyPr wrap="square" rtlCol="0">
-            <a:spAutoFit/>
-          </a:bodyPr>
-          <a:lstStyle/>
-          <a:p>
-            <a:r>
-              <a:rPr lang="en-GB" sz="2400" b="1" dirty="0"/>
-              <a:t>Feature variables</a:t>
-            </a:r>
-          </a:p>
-          <a:p>
-            <a:endParaRPr lang="en-GB" sz="2400" dirty="0">
-              <a:solidFill>
-                <a:schemeClr val="accent2"/>
-              </a:solidFill>
-            </a:endParaRPr>
-          </a:p>
-          <a:p>
-            <a:r>
-              <a:rPr lang="en-GB" sz="2400" dirty="0" err="1">
-                <a:solidFill>
-                  <a:schemeClr val="accent2"/>
-                </a:solidFill>
-              </a:rPr>
-              <a:t>module_actions</a:t>
-            </a:r>
-            <a:r>
-              <a:rPr lang="en-GB" sz="2400" dirty="0"/>
-              <a:t> – </a:t>
-            </a:r>
-            <a:r>
-              <a:rPr lang="en-US" sz="2400" dirty="0"/>
-              <a:t>a </a:t>
-            </a:r>
-            <a:r>
-              <a:rPr lang="en-US" sz="2400" dirty="0">
-                <a:solidFill>
-                  <a:schemeClr val="accent2"/>
-                </a:solidFill>
-              </a:rPr>
-              <a:t>list</a:t>
-            </a:r>
-            <a:r>
-              <a:rPr lang="en-US" sz="2400" dirty="0"/>
-              <a:t> of module actions to be included in the compilation and </a:t>
-            </a:r>
-            <a:r>
-              <a:rPr lang="en-US" sz="2400" dirty="0">
-                <a:solidFill>
-                  <a:schemeClr val="accent2"/>
-                </a:solidFill>
-              </a:rPr>
-              <a:t>*.run </a:t>
-            </a:r>
-            <a:r>
-              <a:rPr lang="en-US" sz="2400" dirty="0"/>
-              <a:t>files (i.e. </a:t>
-            </a:r>
-            <a:r>
-              <a:rPr lang="en-US" dirty="0">
-                <a:latin typeface="Monaco" pitchFamily="2" charset="77"/>
-              </a:rPr>
-              <a:t>module load </a:t>
-            </a:r>
-            <a:r>
-              <a:rPr lang="en-US" dirty="0" err="1">
-                <a:latin typeface="Monaco" pitchFamily="2" charset="77"/>
-              </a:rPr>
-              <a:t>netcdf</a:t>
-            </a:r>
-            <a:r>
-              <a:rPr lang="en-US" sz="2400" dirty="0"/>
-              <a:t>, </a:t>
-            </a:r>
-            <a:r>
-              <a:rPr lang="en-US" dirty="0">
-                <a:latin typeface="Monaco" pitchFamily="2" charset="77"/>
-              </a:rPr>
-              <a:t>module unload </a:t>
-            </a:r>
-            <a:r>
-              <a:rPr lang="en-US" dirty="0" err="1">
-                <a:latin typeface="Monaco" pitchFamily="2" charset="77"/>
-              </a:rPr>
-              <a:t>netcdf</a:t>
-            </a:r>
-            <a:r>
-              <a:rPr lang="en-US" sz="2400" dirty="0"/>
-              <a:t>, </a:t>
-            </a:r>
-            <a:r>
-              <a:rPr lang="en-US" dirty="0">
-                <a:latin typeface="Monaco" pitchFamily="2" charset="77"/>
-              </a:rPr>
-              <a:t>module purge</a:t>
-            </a:r>
-            <a:r>
-              <a:rPr lang="en-US" sz="2400" dirty="0"/>
-              <a:t>, </a:t>
-            </a:r>
-            <a:r>
-              <a:rPr lang="en-US" sz="2400" dirty="0" err="1"/>
-              <a:t>etc</a:t>
-            </a:r>
-            <a:r>
-              <a:rPr lang="en-US" sz="2400" dirty="0"/>
-              <a:t>).</a:t>
-            </a:r>
-          </a:p>
-          <a:p>
-            <a:endParaRPr lang="en-US" sz="2400" b="1" dirty="0"/>
-          </a:p>
-          <a:p>
-            <a:r>
-              <a:rPr lang="en-US" sz="2400" b="1" dirty="0"/>
-              <a:t>Syntax</a:t>
-            </a:r>
-          </a:p>
-          <a:p>
-            <a:pPr marL="342900" indent="-342900">
-              <a:buFont typeface="Arial" panose="020B0604020202020204" pitchFamily="34" charset="0"/>
-              <a:buChar char="•"/>
-            </a:pPr>
-            <a:r>
-              <a:rPr lang="en-US" sz="2400" dirty="0"/>
-              <a:t>Omit the “module” word from the command</a:t>
-            </a:r>
-          </a:p>
-          <a:p>
-            <a:pPr marL="342900" indent="-342900">
-              <a:buFont typeface="Arial" panose="020B0604020202020204" pitchFamily="34" charset="0"/>
-              <a:buChar char="•"/>
-            </a:pPr>
-            <a:r>
-              <a:rPr lang="en-US" sz="2400" dirty="0"/>
-              <a:t>Although it has nothing to do with the modules, “source” commands are also accepted here</a:t>
-            </a:r>
-            <a:endParaRPr lang="en-US" sz="2000" dirty="0"/>
-          </a:p>
-          <a:p>
-            <a:pPr marL="342900" indent="-342900">
-              <a:buFont typeface="Arial" panose="020B0604020202020204" pitchFamily="34" charset="0"/>
-              <a:buChar char="•"/>
-            </a:pPr>
-            <a:endParaRPr lang="en-US" dirty="0"/>
-          </a:p>
-          <a:p>
-            <a:pPr marL="342900" indent="-342900">
-              <a:buFont typeface="Arial" panose="020B0604020202020204" pitchFamily="34" charset="0"/>
-              <a:buChar char="•"/>
-            </a:pPr>
-            <a:endParaRPr lang="en-US" dirty="0"/>
-          </a:p>
-          <a:p>
-            <a:pPr marL="342900" indent="-342900">
-              <a:buFont typeface="Arial" panose="020B0604020202020204" pitchFamily="34" charset="0"/>
-              <a:buChar char="•"/>
-            </a:pPr>
-            <a:endParaRPr lang="en-US" sz="2400" dirty="0"/>
-          </a:p>
-          <a:p>
-            <a:pPr marL="342900" indent="-342900">
-              <a:buFont typeface="Arial" panose="020B0604020202020204" pitchFamily="34" charset="0"/>
-              <a:buChar char="•"/>
-            </a:pPr>
-            <a:endParaRPr lang="en-GB" sz="2400" dirty="0"/>
-          </a:p>
-          <a:p>
-            <a:pPr marL="342900" indent="-342900">
-              <a:buFont typeface="Arial" panose="020B0604020202020204" pitchFamily="34" charset="0"/>
-              <a:buChar char="•"/>
-            </a:pPr>
-            <a:endParaRPr lang="en-GB" sz="2400" dirty="0"/>
-          </a:p>
-          <a:p>
-            <a:endParaRPr lang="en-GB" sz="2400" dirty="0"/>
-          </a:p>
-          <a:p>
-            <a:endParaRPr lang="en-GB" sz="2400" dirty="0">
-              <a:solidFill>
-                <a:schemeClr val="accent2"/>
-              </a:solidFill>
-            </a:endParaRPr>
-          </a:p>
-          <a:p>
-            <a:endParaRPr lang="en-GB" sz="2400" dirty="0">
-              <a:solidFill>
-                <a:schemeClr val="accent2"/>
-              </a:solidFill>
-            </a:endParaRPr>
-          </a:p>
-          <a:p>
-            <a:endParaRPr lang="en-GB" sz="2400" dirty="0">
-              <a:solidFill>
-                <a:schemeClr val="accent2"/>
-              </a:solidFill>
-            </a:endParaRPr>
-          </a:p>
-          <a:p>
-            <a:endParaRPr lang="en-GB" sz="2400" b="1" dirty="0"/>
-          </a:p>
-        </p:txBody>
-      </p:sp>
-      <p:sp>
-        <p:nvSpPr>
-          <p:cNvPr id="9" name="Isosceles Triangle 6">
-            <a:extLst>
-              <a:ext uri="{FF2B5EF4-FFF2-40B4-BE49-F238E27FC236}">
-                <a16:creationId xmlns:a16="http://schemas.microsoft.com/office/drawing/2014/main" id="{C8A477D7-37D5-C571-F295-169D7D1718A1}"/>
-              </a:ext>
-            </a:extLst>
-          </p:cNvPr>
-          <p:cNvSpPr/>
-          <p:nvPr/>
-        </p:nvSpPr>
-        <p:spPr>
-          <a:xfrm rot="5400000">
-            <a:off x="348693" y="2233121"/>
-            <a:ext cx="457812" cy="394666"/>
-          </a:xfrm>
-          <a:prstGeom prst="triangle">
-            <a:avLst/>
-          </a:prstGeom>
-          <a:solidFill>
-            <a:srgbClr val="00ACE6"/>
-          </a:solidFill>
-          <a:ln>
-            <a:noFill/>
-          </a:ln>
-        </p:spPr>
-        <p:style>
-          <a:lnRef idx="2">
-            <a:schemeClr val="accent1">
-              <a:shade val="50000"/>
-            </a:schemeClr>
-          </a:lnRef>
-          <a:fillRef idx="1">
-            <a:schemeClr val="accent1"/>
-          </a:fillRef>
-          <a:effectRef idx="0">
-            <a:schemeClr val="accent1"/>
-          </a:effectRef>
-          <a:fontRef idx="minor">
-            <a:schemeClr val="lt1"/>
-          </a:fontRef>
-        </p:style>
-        <p:txBody>
-          <a:bodyPr rtlCol="0" anchor="ctr"/>
-          <a:lstStyle/>
-          <a:p>
-            <a:pPr algn="ctr"/>
-            <a:endParaRPr lang="tr-TR"/>
-          </a:p>
-        </p:txBody>
-      </p:sp>
-      <p:sp>
-        <p:nvSpPr>
           <p:cNvPr id="3" name="Rectangle 2">
             <a:extLst>
               <a:ext uri="{FF2B5EF4-FFF2-40B4-BE49-F238E27FC236}">
@@ -7265,7 +8653,7 @@
 </p:sld>
 </file>
 
-<file path=ppt/slides/slide5.xml><?xml version="1.0" encoding="utf-8"?>
+<file path=ppt/slides/slide6.xml><?xml version="1.0" encoding="utf-8"?>
 <p:sld xmlns:a="http://schemas.openxmlformats.org/drawingml/2006/main" xmlns:r="http://schemas.openxmlformats.org/officeDocument/2006/relationships" xmlns:p="http://schemas.openxmlformats.org/presentationml/2006/main">
   <p:cSld>
     <p:spTree>
@@ -7946,7 +9334,7 @@
 </p:sld>
 </file>
 
-<file path=ppt/slides/slide6.xml><?xml version="1.0" encoding="utf-8"?>
+<file path=ppt/slides/slide7.xml><?xml version="1.0" encoding="utf-8"?>
 <p:sld xmlns:a="http://schemas.openxmlformats.org/drawingml/2006/main" xmlns:r="http://schemas.openxmlformats.org/officeDocument/2006/relationships" xmlns:p="http://schemas.openxmlformats.org/presentationml/2006/main">
   <p:cSld>
     <p:spTree>
@@ -8806,7 +10194,7 @@
 </p:sld>
 </file>
 
-<file path=ppt/slides/slide7.xml><?xml version="1.0" encoding="utf-8"?>
+<file path=ppt/slides/slide8.xml><?xml version="1.0" encoding="utf-8"?>
 <p:sld xmlns:a="http://schemas.openxmlformats.org/drawingml/2006/main" xmlns:r="http://schemas.openxmlformats.org/officeDocument/2006/relationships" xmlns:p="http://schemas.openxmlformats.org/presentationml/2006/main">
   <p:cSld>
     <p:spTree>
@@ -9424,7 +10812,7 @@
 </p:sld>
 </file>
 
-<file path=ppt/slides/slide8.xml><?xml version="1.0" encoding="utf-8"?>
+<file path=ppt/slides/slide9.xml><?xml version="1.0" encoding="utf-8"?>
 <p:sld xmlns:a="http://schemas.openxmlformats.org/drawingml/2006/main" xmlns:r="http://schemas.openxmlformats.org/officeDocument/2006/relationships" xmlns:p="http://schemas.openxmlformats.org/presentationml/2006/main">
   <p:cSld>
     <p:spTree>
@@ -9838,814 +11226,6 @@
     <p:extLst>
       <p:ext uri="{BB962C8B-B14F-4D97-AF65-F5344CB8AC3E}">
         <p14:creationId xmlns:p14="http://schemas.microsoft.com/office/powerpoint/2010/main" val="4072737956"/>
-      </p:ext>
-    </p:extLst>
-  </p:cSld>
-  <p:clrMapOvr>
-    <a:masterClrMapping/>
-  </p:clrMapOvr>
-</p:sld>
-</file>
-
-<file path=ppt/slides/slide9.xml><?xml version="1.0" encoding="utf-8"?>
-<p:sld xmlns:a="http://schemas.openxmlformats.org/drawingml/2006/main" xmlns:r="http://schemas.openxmlformats.org/officeDocument/2006/relationships" xmlns:p="http://schemas.openxmlformats.org/presentationml/2006/main">
-  <p:cSld>
-    <p:spTree>
-      <p:nvGrpSpPr>
-        <p:cNvPr id="1" name=""/>
-        <p:cNvGrpSpPr/>
-        <p:nvPr/>
-      </p:nvGrpSpPr>
-      <p:grpSpPr>
-        <a:xfrm>
-          <a:off x="0" y="0"/>
-          <a:ext cx="0" cy="0"/>
-          <a:chOff x="0" y="0"/>
-          <a:chExt cx="0" cy="0"/>
-        </a:xfrm>
-      </p:grpSpPr>
-      <p:sp>
-        <p:nvSpPr>
-          <p:cNvPr id="2" name="Rectangle 1"/>
-          <p:cNvSpPr/>
-          <p:nvPr/>
-        </p:nvSpPr>
-        <p:spPr>
-          <a:xfrm>
-            <a:off x="0" y="2"/>
-            <a:ext cx="12192000" cy="1296364"/>
-          </a:xfrm>
-          <a:prstGeom prst="rect">
-            <a:avLst/>
-          </a:prstGeom>
-          <a:solidFill>
-            <a:srgbClr val="00ACE6"/>
-          </a:solidFill>
-          <a:ln>
-            <a:noFill/>
-          </a:ln>
-        </p:spPr>
-        <p:style>
-          <a:lnRef idx="2">
-            <a:schemeClr val="accent1">
-              <a:shade val="50000"/>
-            </a:schemeClr>
-          </a:lnRef>
-          <a:fillRef idx="1">
-            <a:schemeClr val="accent1"/>
-          </a:fillRef>
-          <a:effectRef idx="0">
-            <a:schemeClr val="accent1"/>
-          </a:effectRef>
-          <a:fontRef idx="minor">
-            <a:schemeClr val="lt1"/>
-          </a:fontRef>
-        </p:style>
-        <p:txBody>
-          <a:bodyPr rtlCol="0" anchor="ctr"/>
-          <a:lstStyle/>
-          <a:p>
-            <a:r>
-              <a:rPr lang="en-GB" sz="4800" b="1" dirty="0" err="1"/>
-              <a:t>environment_changes</a:t>
-            </a:r>
-            <a:endParaRPr lang="en-GB" sz="4800" b="1" dirty="0"/>
-          </a:p>
-        </p:txBody>
-      </p:sp>
-      <p:sp>
-        <p:nvSpPr>
-          <p:cNvPr id="14" name="TextBox 13"/>
-          <p:cNvSpPr txBox="1"/>
-          <p:nvPr/>
-        </p:nvSpPr>
-        <p:spPr>
-          <a:xfrm>
-            <a:off x="1061012" y="1462072"/>
-            <a:ext cx="10069975" cy="2677656"/>
-          </a:xfrm>
-          <a:prstGeom prst="rect">
-            <a:avLst/>
-          </a:prstGeom>
-          <a:noFill/>
-        </p:spPr>
-        <p:txBody>
-          <a:bodyPr wrap="square" rtlCol="0">
-            <a:spAutoFit/>
-          </a:bodyPr>
-          <a:lstStyle/>
-          <a:p>
-            <a:r>
-              <a:rPr lang="en-US" sz="2400" b="1" dirty="0"/>
-              <a:t>Example</a:t>
-            </a:r>
-          </a:p>
-          <a:p>
-            <a:endParaRPr lang="en-US" sz="2400" dirty="0"/>
-          </a:p>
-          <a:p>
-            <a:endParaRPr lang="en-GB" sz="2400" dirty="0">
-              <a:solidFill>
-                <a:srgbClr val="ED7D31"/>
-              </a:solidFill>
-            </a:endParaRPr>
-          </a:p>
-          <a:p>
-            <a:endParaRPr lang="en-GB" sz="2400" dirty="0">
-              <a:solidFill>
-                <a:schemeClr val="accent2"/>
-              </a:solidFill>
-            </a:endParaRPr>
-          </a:p>
-          <a:p>
-            <a:endParaRPr lang="en-GB" sz="2400" dirty="0">
-              <a:solidFill>
-                <a:schemeClr val="accent2"/>
-              </a:solidFill>
-            </a:endParaRPr>
-          </a:p>
-          <a:p>
-            <a:endParaRPr lang="en-GB" sz="2400" dirty="0">
-              <a:solidFill>
-                <a:schemeClr val="accent2"/>
-              </a:solidFill>
-            </a:endParaRPr>
-          </a:p>
-          <a:p>
-            <a:endParaRPr lang="en-GB" sz="2400" b="1" dirty="0"/>
-          </a:p>
-        </p:txBody>
-      </p:sp>
-      <p:sp>
-        <p:nvSpPr>
-          <p:cNvPr id="9" name="Isosceles Triangle 6">
-            <a:extLst>
-              <a:ext uri="{FF2B5EF4-FFF2-40B4-BE49-F238E27FC236}">
-                <a16:creationId xmlns:a16="http://schemas.microsoft.com/office/drawing/2014/main" id="{C8A477D7-37D5-C571-F295-169D7D1718A1}"/>
-              </a:ext>
-            </a:extLst>
-          </p:cNvPr>
-          <p:cNvSpPr/>
-          <p:nvPr/>
-        </p:nvSpPr>
-        <p:spPr>
-          <a:xfrm rot="5400000">
-            <a:off x="348693" y="1504934"/>
-            <a:ext cx="457812" cy="394666"/>
-          </a:xfrm>
-          <a:prstGeom prst="triangle">
-            <a:avLst/>
-          </a:prstGeom>
-          <a:solidFill>
-            <a:srgbClr val="00ACE6"/>
-          </a:solidFill>
-          <a:ln>
-            <a:noFill/>
-          </a:ln>
-        </p:spPr>
-        <p:style>
-          <a:lnRef idx="2">
-            <a:schemeClr val="accent1">
-              <a:shade val="50000"/>
-            </a:schemeClr>
-          </a:lnRef>
-          <a:fillRef idx="1">
-            <a:schemeClr val="accent1"/>
-          </a:fillRef>
-          <a:effectRef idx="0">
-            <a:schemeClr val="accent1"/>
-          </a:effectRef>
-          <a:fontRef idx="minor">
-            <a:schemeClr val="lt1"/>
-          </a:fontRef>
-        </p:style>
-        <p:txBody>
-          <a:bodyPr rtlCol="0" anchor="ctr"/>
-          <a:lstStyle/>
-          <a:p>
-            <a:pPr algn="ctr"/>
-            <a:endParaRPr lang="tr-TR"/>
-          </a:p>
-        </p:txBody>
-      </p:sp>
-      <p:sp>
-        <p:nvSpPr>
-          <p:cNvPr id="3" name="Rectangle 2">
-            <a:extLst>
-              <a:ext uri="{FF2B5EF4-FFF2-40B4-BE49-F238E27FC236}">
-                <a16:creationId xmlns:a16="http://schemas.microsoft.com/office/drawing/2014/main" id="{22D2F14A-CE06-4DDC-DCA2-C0DF5CCEDCEA}"/>
-              </a:ext>
-            </a:extLst>
-          </p:cNvPr>
-          <p:cNvSpPr/>
-          <p:nvPr/>
-        </p:nvSpPr>
-        <p:spPr>
-          <a:xfrm>
-            <a:off x="2863822" y="1459218"/>
-            <a:ext cx="8035823" cy="2554545"/>
-          </a:xfrm>
-          <a:prstGeom prst="rect">
-            <a:avLst/>
-          </a:prstGeom>
-          <a:ln w="12700">
-            <a:solidFill>
-              <a:schemeClr val="tx1"/>
-            </a:solidFill>
-          </a:ln>
-        </p:spPr>
-        <p:txBody>
-          <a:bodyPr wrap="square">
-            <a:spAutoFit/>
-          </a:bodyPr>
-          <a:lstStyle/>
-          <a:p>
-            <a:r>
-              <a:rPr lang="en-GB" sz="1600" b="1" dirty="0">
-                <a:latin typeface="Menlo-Regular" panose="020B0609030804020204" pitchFamily="49" charset="0"/>
-              </a:rPr>
-              <a:t>fesom-2.1.yaml</a:t>
-            </a:r>
-            <a:endParaRPr lang="en-GB" sz="1600" dirty="0">
-              <a:solidFill>
-                <a:srgbClr val="0E6E35"/>
-              </a:solidFill>
-              <a:latin typeface="Courier" pitchFamily="2" charset="0"/>
-            </a:endParaRPr>
-          </a:p>
-          <a:p>
-            <a:r>
-              <a:rPr lang="en-GB" sz="1600" dirty="0" err="1">
-                <a:solidFill>
-                  <a:srgbClr val="0E6E35"/>
-                </a:solidFill>
-                <a:latin typeface="Courier" pitchFamily="2" charset="0"/>
-              </a:rPr>
-              <a:t>compiletime_environment_changes</a:t>
-            </a:r>
-            <a:r>
-              <a:rPr lang="en-GB" sz="1600" dirty="0">
-                <a:solidFill>
-                  <a:srgbClr val="000000"/>
-                </a:solidFill>
-                <a:latin typeface="Courier" pitchFamily="2" charset="0"/>
-              </a:rPr>
-              <a:t>:</a:t>
-            </a:r>
-          </a:p>
-          <a:p>
-            <a:r>
-              <a:rPr lang="en-GB" sz="1600" dirty="0">
-                <a:solidFill>
-                  <a:srgbClr val="0E6E35"/>
-                </a:solidFill>
-                <a:latin typeface="Courier" pitchFamily="2" charset="0"/>
-              </a:rPr>
-              <a:t>        </a:t>
-            </a:r>
-            <a:r>
-              <a:rPr lang="en-GB" sz="1600" dirty="0" err="1">
-                <a:solidFill>
-                  <a:srgbClr val="0E6E35"/>
-                </a:solidFill>
-                <a:latin typeface="Courier" pitchFamily="2" charset="0"/>
-              </a:rPr>
-              <a:t>add_export_vars</a:t>
-            </a:r>
-            <a:r>
-              <a:rPr lang="en-GB" sz="1600" dirty="0">
-                <a:solidFill>
-                  <a:srgbClr val="000000"/>
-                </a:solidFill>
-                <a:latin typeface="Courier" pitchFamily="2" charset="0"/>
-              </a:rPr>
-              <a:t>:</a:t>
-            </a:r>
-          </a:p>
-          <a:p>
-            <a:r>
-              <a:rPr lang="en-GB" sz="1600" dirty="0">
-                <a:solidFill>
-                  <a:srgbClr val="0F7001"/>
-                </a:solidFill>
-                <a:latin typeface="Courier" pitchFamily="2" charset="0"/>
-              </a:rPr>
-              <a:t>                taken2from</a:t>
-            </a:r>
-            <a:r>
-              <a:rPr lang="en-GB" sz="1600" b="1" dirty="0">
-                <a:solidFill>
-                  <a:srgbClr val="921A20"/>
-                </a:solidFill>
-                <a:latin typeface="Courier-Bold" pitchFamily="2" charset="0"/>
-              </a:rPr>
-              <a:t>: </a:t>
-            </a:r>
-            <a:r>
-              <a:rPr lang="en-GB" sz="1600" dirty="0">
-                <a:solidFill>
-                  <a:srgbClr val="000000"/>
-                </a:solidFill>
-                <a:latin typeface="Courier" pitchFamily="2" charset="0"/>
-              </a:rPr>
-              <a:t>     fesom2_compile</a:t>
-            </a:r>
-          </a:p>
-          <a:p>
-            <a:r>
-              <a:rPr lang="en-GB" sz="1600" dirty="0">
-                <a:solidFill>
-                  <a:srgbClr val="0E6E35"/>
-                </a:solidFill>
-                <a:latin typeface="Courier" pitchFamily="2" charset="0"/>
-              </a:rPr>
-              <a:t>        </a:t>
-            </a:r>
-            <a:r>
-              <a:rPr lang="en-GB" sz="1600" dirty="0" err="1">
-                <a:solidFill>
-                  <a:srgbClr val="0E6E35"/>
-                </a:solidFill>
-                <a:latin typeface="Courier" pitchFamily="2" charset="0"/>
-              </a:rPr>
-              <a:t>choose_computer.name</a:t>
-            </a:r>
-            <a:r>
-              <a:rPr lang="en-GB" sz="1600" dirty="0">
-                <a:solidFill>
-                  <a:srgbClr val="000000"/>
-                </a:solidFill>
-                <a:latin typeface="Courier" pitchFamily="2" charset="0"/>
-              </a:rPr>
-              <a:t>:</a:t>
-            </a:r>
-          </a:p>
-          <a:p>
-            <a:r>
-              <a:rPr lang="en-GB" sz="1600" dirty="0">
-                <a:solidFill>
-                  <a:srgbClr val="0E6E35"/>
-                </a:solidFill>
-                <a:latin typeface="Courier" pitchFamily="2" charset="0"/>
-              </a:rPr>
-              <a:t>                </a:t>
-            </a:r>
-            <a:r>
-              <a:rPr lang="en-GB" sz="1600" dirty="0" err="1">
-                <a:solidFill>
-                  <a:srgbClr val="0E6E35"/>
-                </a:solidFill>
-                <a:latin typeface="Courier" pitchFamily="2" charset="0"/>
-              </a:rPr>
-              <a:t>juwels</a:t>
-            </a:r>
-            <a:r>
-              <a:rPr lang="en-GB" sz="1600" dirty="0">
-                <a:solidFill>
-                  <a:srgbClr val="000000"/>
-                </a:solidFill>
-                <a:latin typeface="Courier" pitchFamily="2" charset="0"/>
-              </a:rPr>
-              <a:t>:</a:t>
-            </a:r>
-          </a:p>
-          <a:p>
-            <a:r>
-              <a:rPr lang="en-GB" sz="1600" dirty="0">
-                <a:solidFill>
-                  <a:srgbClr val="0E6E35"/>
-                </a:solidFill>
-                <a:latin typeface="Courier" pitchFamily="2" charset="0"/>
-              </a:rPr>
-              <a:t>                        </a:t>
-            </a:r>
-            <a:r>
-              <a:rPr lang="en-GB" sz="1600" dirty="0" err="1">
-                <a:solidFill>
-                  <a:srgbClr val="0E6E35"/>
-                </a:solidFill>
-                <a:latin typeface="Courier" pitchFamily="2" charset="0"/>
-              </a:rPr>
-              <a:t>add_module_actions</a:t>
-            </a:r>
-            <a:r>
-              <a:rPr lang="en-GB" sz="1600" b="1" dirty="0">
-                <a:solidFill>
-                  <a:srgbClr val="921A20"/>
-                </a:solidFill>
-                <a:latin typeface="Courier-Bold" pitchFamily="2" charset="0"/>
-              </a:rPr>
-              <a:t>:</a:t>
-            </a:r>
-          </a:p>
-          <a:p>
-            <a:r>
-              <a:rPr lang="en-GB" sz="1600" dirty="0">
-                <a:solidFill>
-                  <a:srgbClr val="000000"/>
-                </a:solidFill>
-                <a:latin typeface="Courier" pitchFamily="2" charset="0"/>
-              </a:rPr>
-              <a:t>                                - </a:t>
-            </a:r>
-            <a:r>
-              <a:rPr lang="en-GB" sz="1600" dirty="0">
-                <a:solidFill>
-                  <a:srgbClr val="C100C4"/>
-                </a:solidFill>
-                <a:latin typeface="Courier" pitchFamily="2" charset="0"/>
-              </a:rPr>
-              <a:t>"unload </a:t>
-            </a:r>
-            <a:r>
-              <a:rPr lang="en-GB" sz="1600" dirty="0" err="1">
-                <a:solidFill>
-                  <a:srgbClr val="C100C4"/>
-                </a:solidFill>
-                <a:latin typeface="Courier" pitchFamily="2" charset="0"/>
-              </a:rPr>
-              <a:t>ParaStationMPI</a:t>
-            </a:r>
-            <a:r>
-              <a:rPr lang="en-GB" sz="1600" dirty="0">
-                <a:solidFill>
-                  <a:srgbClr val="C100C4"/>
-                </a:solidFill>
-                <a:latin typeface="Courier" pitchFamily="2" charset="0"/>
-              </a:rPr>
-              <a:t>”</a:t>
-            </a:r>
-          </a:p>
-          <a:p>
-            <a:r>
-              <a:rPr lang="en-GB" sz="1600" dirty="0">
-                <a:solidFill>
-                  <a:srgbClr val="000000"/>
-                </a:solidFill>
-                <a:latin typeface="Courier" pitchFamily="2" charset="0"/>
-              </a:rPr>
-              <a:t>                                - </a:t>
-            </a:r>
-            <a:r>
-              <a:rPr lang="en-GB" sz="1600" dirty="0">
-                <a:solidFill>
-                  <a:srgbClr val="C100C4"/>
-                </a:solidFill>
-                <a:latin typeface="Courier" pitchFamily="2" charset="0"/>
-              </a:rPr>
-              <a:t>"load </a:t>
-            </a:r>
-            <a:r>
-              <a:rPr lang="en-GB" sz="1600" dirty="0" err="1">
-                <a:solidFill>
-                  <a:srgbClr val="C100C4"/>
-                </a:solidFill>
-                <a:latin typeface="Courier" pitchFamily="2" charset="0"/>
-              </a:rPr>
-              <a:t>ParaStationMPI</a:t>
-            </a:r>
-            <a:r>
-              <a:rPr lang="en-GB" sz="1600" dirty="0">
-                <a:solidFill>
-                  <a:srgbClr val="C100C4"/>
-                </a:solidFill>
-                <a:latin typeface="Courier" pitchFamily="2" charset="0"/>
-              </a:rPr>
-              <a:t>/5.4.4-1”</a:t>
-            </a:r>
-          </a:p>
-          <a:p>
-            <a:r>
-              <a:rPr lang="en-GB" sz="1600" dirty="0">
-                <a:solidFill>
-                  <a:srgbClr val="000000"/>
-                </a:solidFill>
-                <a:latin typeface="Courier" pitchFamily="2" charset="0"/>
-              </a:rPr>
-              <a:t>                                - </a:t>
-            </a:r>
-            <a:r>
-              <a:rPr lang="en-GB" sz="1600" dirty="0">
-                <a:solidFill>
-                  <a:srgbClr val="C100C4"/>
-                </a:solidFill>
-                <a:latin typeface="Courier" pitchFamily="2" charset="0"/>
-              </a:rPr>
-              <a:t>"load </a:t>
-            </a:r>
-            <a:r>
-              <a:rPr lang="en-GB" sz="1600" dirty="0" err="1">
-                <a:solidFill>
-                  <a:srgbClr val="C100C4"/>
-                </a:solidFill>
-                <a:latin typeface="Courier" pitchFamily="2" charset="0"/>
-              </a:rPr>
-              <a:t>netCDF</a:t>
-            </a:r>
-            <a:r>
-              <a:rPr lang="en-GB" sz="1600" dirty="0">
-                <a:solidFill>
-                  <a:srgbClr val="C100C4"/>
-                </a:solidFill>
-                <a:latin typeface="Courier" pitchFamily="2" charset="0"/>
-              </a:rPr>
-              <a:t>-Fortran/4.4.5"</a:t>
-            </a:r>
-            <a:endParaRPr lang="en-GB" sz="1600" dirty="0"/>
-          </a:p>
-        </p:txBody>
-      </p:sp>
-      <p:sp>
-        <p:nvSpPr>
-          <p:cNvPr id="5" name="Rectangle 4">
-            <a:extLst>
-              <a:ext uri="{FF2B5EF4-FFF2-40B4-BE49-F238E27FC236}">
-                <a16:creationId xmlns:a16="http://schemas.microsoft.com/office/drawing/2014/main" id="{17883B31-ACC5-4052-729D-818284D4215B}"/>
-              </a:ext>
-            </a:extLst>
-          </p:cNvPr>
-          <p:cNvSpPr/>
-          <p:nvPr/>
-        </p:nvSpPr>
-        <p:spPr>
-          <a:xfrm>
-            <a:off x="3833733" y="4305434"/>
-            <a:ext cx="6096000" cy="2308324"/>
-          </a:xfrm>
-          <a:prstGeom prst="rect">
-            <a:avLst/>
-          </a:prstGeom>
-          <a:ln w="12700">
-            <a:solidFill>
-              <a:schemeClr val="tx1"/>
-            </a:solidFill>
-          </a:ln>
-        </p:spPr>
-        <p:txBody>
-          <a:bodyPr>
-            <a:spAutoFit/>
-          </a:bodyPr>
-          <a:lstStyle/>
-          <a:p>
-            <a:r>
-              <a:rPr lang="en-GB" sz="1600" b="1" dirty="0">
-                <a:latin typeface="Menlo-Regular" panose="020B0609030804020204" pitchFamily="49" charset="0"/>
-              </a:rPr>
-              <a:t>comp-fesom-2.1.yaml in </a:t>
-            </a:r>
-            <a:r>
-              <a:rPr lang="en-GB" sz="1600" b="1" dirty="0" err="1">
-                <a:latin typeface="Menlo-Regular" panose="020B0609030804020204" pitchFamily="49" charset="0"/>
-              </a:rPr>
-              <a:t>Juwels</a:t>
-            </a:r>
-            <a:endParaRPr lang="en-GB" sz="1600" dirty="0">
-              <a:solidFill>
-                <a:srgbClr val="0E6E35"/>
-              </a:solidFill>
-              <a:latin typeface="Courier" pitchFamily="2" charset="0"/>
-            </a:endParaRPr>
-          </a:p>
-          <a:p>
-            <a:r>
-              <a:rPr lang="en-GB" sz="1600" i="1" dirty="0">
-                <a:solidFill>
-                  <a:srgbClr val="535353"/>
-                </a:solidFill>
-                <a:latin typeface="Courier-Oblique" pitchFamily="2" charset="0"/>
-              </a:rPr>
-              <a:t>#&lt;module actions defined in </a:t>
-            </a:r>
-            <a:r>
-              <a:rPr lang="en-GB" sz="1600" i="1" dirty="0" err="1">
-                <a:solidFill>
-                  <a:srgbClr val="535353"/>
-                </a:solidFill>
-                <a:latin typeface="Courier-Oblique" pitchFamily="2" charset="0"/>
-              </a:rPr>
-              <a:t>juwels.yaml</a:t>
-            </a:r>
-            <a:r>
-              <a:rPr lang="en-GB" sz="1600" i="1" dirty="0">
-                <a:solidFill>
-                  <a:srgbClr val="535353"/>
-                </a:solidFill>
-                <a:latin typeface="Courier-Oblique" pitchFamily="2" charset="0"/>
-              </a:rPr>
-              <a:t>&gt;</a:t>
-            </a:r>
-          </a:p>
-          <a:p>
-            <a:r>
-              <a:rPr lang="en-GB" sz="1600" b="1" dirty="0">
-                <a:solidFill>
-                  <a:srgbClr val="000000"/>
-                </a:solidFill>
-                <a:latin typeface="Courier" pitchFamily="2" charset="0"/>
-              </a:rPr>
-              <a:t>module unload </a:t>
-            </a:r>
-            <a:r>
-              <a:rPr lang="en-GB" sz="1600" b="1" dirty="0" err="1">
-                <a:solidFill>
-                  <a:srgbClr val="000000"/>
-                </a:solidFill>
-                <a:latin typeface="Courier" pitchFamily="2" charset="0"/>
-              </a:rPr>
-              <a:t>ParaStationMPI</a:t>
-            </a:r>
-            <a:endParaRPr lang="en-GB" sz="1600" b="1" dirty="0">
-              <a:solidFill>
-                <a:srgbClr val="000000"/>
-              </a:solidFill>
-              <a:latin typeface="Courier" pitchFamily="2" charset="0"/>
-            </a:endParaRPr>
-          </a:p>
-          <a:p>
-            <a:r>
-              <a:rPr lang="en-GB" sz="1600" b="1" dirty="0">
-                <a:solidFill>
-                  <a:srgbClr val="000000"/>
-                </a:solidFill>
-                <a:latin typeface="Courier" pitchFamily="2" charset="0"/>
-              </a:rPr>
-              <a:t>module load </a:t>
-            </a:r>
-            <a:r>
-              <a:rPr lang="en-GB" sz="1600" b="1" dirty="0" err="1">
-                <a:solidFill>
-                  <a:srgbClr val="000000"/>
-                </a:solidFill>
-                <a:latin typeface="Courier" pitchFamily="2" charset="0"/>
-              </a:rPr>
-              <a:t>ParaStationMPI</a:t>
-            </a:r>
-            <a:r>
-              <a:rPr lang="en-GB" sz="1600" b="1" dirty="0">
-                <a:solidFill>
-                  <a:srgbClr val="000000"/>
-                </a:solidFill>
-                <a:latin typeface="Courier-Bold" pitchFamily="2" charset="0"/>
-              </a:rPr>
-              <a:t>/</a:t>
-            </a:r>
-            <a:r>
-              <a:rPr lang="en-GB" sz="1600" b="1" dirty="0">
-                <a:solidFill>
-                  <a:srgbClr val="000000"/>
-                </a:solidFill>
-                <a:latin typeface="Courier" pitchFamily="2" charset="0"/>
-              </a:rPr>
-              <a:t>5.4.4-1</a:t>
-            </a:r>
-          </a:p>
-          <a:p>
-            <a:r>
-              <a:rPr lang="en-GB" sz="1600" b="1" dirty="0">
-                <a:solidFill>
-                  <a:srgbClr val="000000"/>
-                </a:solidFill>
-                <a:latin typeface="Courier" pitchFamily="2" charset="0"/>
-              </a:rPr>
-              <a:t>module load </a:t>
-            </a:r>
-            <a:r>
-              <a:rPr lang="en-GB" sz="1600" b="1" dirty="0" err="1">
-                <a:solidFill>
-                  <a:srgbClr val="000000"/>
-                </a:solidFill>
-                <a:latin typeface="Courier" pitchFamily="2" charset="0"/>
-              </a:rPr>
-              <a:t>netCDF</a:t>
-            </a:r>
-            <a:r>
-              <a:rPr lang="en-GB" sz="1600" b="1" dirty="0">
-                <a:solidFill>
-                  <a:srgbClr val="000000"/>
-                </a:solidFill>
-                <a:latin typeface="Courier" pitchFamily="2" charset="0"/>
-              </a:rPr>
-              <a:t>-Fortran</a:t>
-            </a:r>
-            <a:r>
-              <a:rPr lang="en-GB" sz="1600" b="1" dirty="0">
-                <a:solidFill>
-                  <a:srgbClr val="000000"/>
-                </a:solidFill>
-                <a:latin typeface="Courier-Bold" pitchFamily="2" charset="0"/>
-              </a:rPr>
-              <a:t>/</a:t>
-            </a:r>
-            <a:r>
-              <a:rPr lang="en-GB" sz="1600" b="1" dirty="0">
-                <a:solidFill>
-                  <a:srgbClr val="000000"/>
-                </a:solidFill>
-                <a:latin typeface="Courier" pitchFamily="2" charset="0"/>
-              </a:rPr>
-              <a:t>4.4.5 </a:t>
-            </a:r>
-          </a:p>
-          <a:p>
-            <a:endParaRPr lang="en-GB" sz="1600" dirty="0">
-              <a:solidFill>
-                <a:srgbClr val="000000"/>
-              </a:solidFill>
-              <a:latin typeface="Courier" pitchFamily="2" charset="0"/>
-            </a:endParaRPr>
-          </a:p>
-          <a:p>
-            <a:r>
-              <a:rPr lang="en-GB" sz="1600" i="1" dirty="0">
-                <a:solidFill>
-                  <a:srgbClr val="535353"/>
-                </a:solidFill>
-                <a:latin typeface="Courier-Oblique" pitchFamily="2" charset="0"/>
-              </a:rPr>
-              <a:t>#&lt;exported variables as defined in the </a:t>
-            </a:r>
-            <a:r>
-              <a:rPr lang="en-GB" sz="1600" i="1" dirty="0" err="1">
-                <a:solidFill>
-                  <a:srgbClr val="535353"/>
-                </a:solidFill>
-                <a:latin typeface="Courier-Oblique" pitchFamily="2" charset="0"/>
-              </a:rPr>
-              <a:t>juwels.yaml</a:t>
-            </a:r>
-            <a:r>
-              <a:rPr lang="en-GB" sz="1600" i="1" dirty="0">
-                <a:solidFill>
-                  <a:srgbClr val="535353"/>
-                </a:solidFill>
-                <a:latin typeface="Courier-Oblique" pitchFamily="2" charset="0"/>
-              </a:rPr>
-              <a:t>&gt;</a:t>
-            </a:r>
-          </a:p>
-          <a:p>
-            <a:r>
-              <a:rPr lang="en-GB" sz="1600" dirty="0">
-                <a:solidFill>
-                  <a:srgbClr val="650061"/>
-                </a:solidFill>
-                <a:latin typeface="Courier-Bold" pitchFamily="2" charset="0"/>
-              </a:rPr>
-              <a:t>export</a:t>
-            </a:r>
-            <a:r>
-              <a:rPr lang="en-GB" sz="1600" dirty="0">
-                <a:solidFill>
-                  <a:srgbClr val="000000"/>
-                </a:solidFill>
-                <a:latin typeface="Courier" pitchFamily="2" charset="0"/>
-              </a:rPr>
-              <a:t> </a:t>
-            </a:r>
-            <a:r>
-              <a:rPr lang="en-GB" sz="1600" dirty="0">
-                <a:solidFill>
-                  <a:srgbClr val="0E6801"/>
-                </a:solidFill>
-                <a:latin typeface="Courier" pitchFamily="2" charset="0"/>
-              </a:rPr>
-              <a:t>taken2from</a:t>
-            </a:r>
-            <a:r>
-              <a:rPr lang="en-GB" sz="1600" dirty="0">
-                <a:solidFill>
-                  <a:srgbClr val="000000"/>
-                </a:solidFill>
-                <a:latin typeface="Courier" pitchFamily="2" charset="0"/>
-              </a:rPr>
-              <a:t>=</a:t>
-            </a:r>
-            <a:r>
-              <a:rPr lang="en-GB" sz="1600" dirty="0">
-                <a:solidFill>
-                  <a:srgbClr val="FB0007"/>
-                </a:solidFill>
-                <a:latin typeface="Courier" pitchFamily="2" charset="0"/>
-              </a:rPr>
-              <a:t>"fesom2_compile"</a:t>
-            </a:r>
-            <a:r>
-              <a:rPr lang="en-GB" sz="1600" dirty="0">
-                <a:solidFill>
-                  <a:srgbClr val="000000"/>
-                </a:solidFill>
-                <a:latin typeface="Courier" pitchFamily="2" charset="0"/>
-              </a:rPr>
-              <a:t> </a:t>
-            </a:r>
-            <a:endParaRPr lang="en-GB" sz="1600" dirty="0"/>
-          </a:p>
-        </p:txBody>
-      </p:sp>
-    </p:spTree>
-    <p:extLst>
-      <p:ext uri="{BB962C8B-B14F-4D97-AF65-F5344CB8AC3E}">
-        <p14:creationId xmlns:p14="http://schemas.microsoft.com/office/powerpoint/2010/main" val="3830261334"/>
       </p:ext>
     </p:extLst>
   </p:cSld>
@@ -10914,4 +11494,299 @@
     </a:ext>
   </a:extLst>
 </a:theme>
+</file>
+
+<file path=ppt/theme/theme2.xml><?xml version="1.0" encoding="utf-8"?>
+<a:theme xmlns:a="http://schemas.openxmlformats.org/drawingml/2006/main" name="Office Theme">
+  <a:themeElements>
+    <a:clrScheme name="Office">
+      <a:dk1>
+        <a:sysClr val="windowText" lastClr="000000"/>
+      </a:dk1>
+      <a:lt1>
+        <a:sysClr val="window" lastClr="FFFFFF"/>
+      </a:lt1>
+      <a:dk2>
+        <a:srgbClr val="44546A"/>
+      </a:dk2>
+      <a:lt2>
+        <a:srgbClr val="E7E6E6"/>
+      </a:lt2>
+      <a:accent1>
+        <a:srgbClr val="4472C4"/>
+      </a:accent1>
+      <a:accent2>
+        <a:srgbClr val="ED7D31"/>
+      </a:accent2>
+      <a:accent3>
+        <a:srgbClr val="A5A5A5"/>
+      </a:accent3>
+      <a:accent4>
+        <a:srgbClr val="FFC000"/>
+      </a:accent4>
+      <a:accent5>
+        <a:srgbClr val="5B9BD5"/>
+      </a:accent5>
+      <a:accent6>
+        <a:srgbClr val="70AD47"/>
+      </a:accent6>
+      <a:hlink>
+        <a:srgbClr val="0563C1"/>
+      </a:hlink>
+      <a:folHlink>
+        <a:srgbClr val="954F72"/>
+      </a:folHlink>
+    </a:clrScheme>
+    <a:fontScheme name="Office">
+      <a:majorFont>
+        <a:latin typeface="Calibri Light" panose="020F0302020204030204"/>
+        <a:ea typeface=""/>
+        <a:cs typeface=""/>
+        <a:font script="Jpan" typeface="游ゴシック Light"/>
+        <a:font script="Hang" typeface="맑은 고딕"/>
+        <a:font script="Hans" typeface="等线 Light"/>
+        <a:font script="Hant" typeface="新細明體"/>
+        <a:font script="Arab" typeface="Times New Roman"/>
+        <a:font script="Hebr" typeface="Times New Roman"/>
+        <a:font script="Thai" typeface="Angsana New"/>
+        <a:font script="Ethi" typeface="Nyala"/>
+        <a:font script="Beng" typeface="Vrinda"/>
+        <a:font script="Gujr" typeface="Shruti"/>
+        <a:font script="Khmr" typeface="MoolBoran"/>
+        <a:font script="Knda" typeface="Tunga"/>
+        <a:font script="Guru" typeface="Raavi"/>
+        <a:font script="Cans" typeface="Euphemia"/>
+        <a:font script="Cher" typeface="Plantagenet Cherokee"/>
+        <a:font script="Yiii" typeface="Microsoft Yi Baiti"/>
+        <a:font script="Tibt" typeface="Microsoft Himalaya"/>
+        <a:font script="Thaa" typeface="MV Boli"/>
+        <a:font script="Deva" typeface="Mangal"/>
+        <a:font script="Telu" typeface="Gautami"/>
+        <a:font script="Taml" typeface="Latha"/>
+        <a:font script="Syrc" typeface="Estrangelo Edessa"/>
+        <a:font script="Orya" typeface="Kalinga"/>
+        <a:font script="Mlym" typeface="Kartika"/>
+        <a:font script="Laoo" typeface="DokChampa"/>
+        <a:font script="Sinh" typeface="Iskoola Pota"/>
+        <a:font script="Mong" typeface="Mongolian Baiti"/>
+        <a:font script="Viet" typeface="Times New Roman"/>
+        <a:font script="Uigh" typeface="Microsoft Uighur"/>
+        <a:font script="Geor" typeface="Sylfaen"/>
+        <a:font script="Armn" typeface="Arial"/>
+        <a:font script="Bugi" typeface="Leelawadee UI"/>
+        <a:font script="Bopo" typeface="Microsoft JhengHei"/>
+        <a:font script="Java" typeface="Javanese Text"/>
+        <a:font script="Lisu" typeface="Segoe UI"/>
+        <a:font script="Mymr" typeface="Myanmar Text"/>
+        <a:font script="Nkoo" typeface="Ebrima"/>
+        <a:font script="Olck" typeface="Nirmala UI"/>
+        <a:font script="Osma" typeface="Ebrima"/>
+        <a:font script="Phag" typeface="Phagspa"/>
+        <a:font script="Syrn" typeface="Estrangelo Edessa"/>
+        <a:font script="Syrj" typeface="Estrangelo Edessa"/>
+        <a:font script="Syre" typeface="Estrangelo Edessa"/>
+        <a:font script="Sora" typeface="Nirmala UI"/>
+        <a:font script="Tale" typeface="Microsoft Tai Le"/>
+        <a:font script="Talu" typeface="Microsoft New Tai Lue"/>
+        <a:font script="Tfng" typeface="Ebrima"/>
+      </a:majorFont>
+      <a:minorFont>
+        <a:latin typeface="Calibri" panose="020F0502020204030204"/>
+        <a:ea typeface=""/>
+        <a:cs typeface=""/>
+        <a:font script="Jpan" typeface="游ゴシック"/>
+        <a:font script="Hang" typeface="맑은 고딕"/>
+        <a:font script="Hans" typeface="等线"/>
+        <a:font script="Hant" typeface="新細明體"/>
+        <a:font script="Arab" typeface="Arial"/>
+        <a:font script="Hebr" typeface="Arial"/>
+        <a:font script="Thai" typeface="Cordia New"/>
+        <a:font script="Ethi" typeface="Nyala"/>
+        <a:font script="Beng" typeface="Vrinda"/>
+        <a:font script="Gujr" typeface="Shruti"/>
+        <a:font script="Khmr" typeface="DaunPenh"/>
+        <a:font script="Knda" typeface="Tunga"/>
+        <a:font script="Guru" typeface="Raavi"/>
+        <a:font script="Cans" typeface="Euphemia"/>
+        <a:font script="Cher" typeface="Plantagenet Cherokee"/>
+        <a:font script="Yiii" typeface="Microsoft Yi Baiti"/>
+        <a:font script="Tibt" typeface="Microsoft Himalaya"/>
+        <a:font script="Thaa" typeface="MV Boli"/>
+        <a:font script="Deva" typeface="Mangal"/>
+        <a:font script="Telu" typeface="Gautami"/>
+        <a:font script="Taml" typeface="Latha"/>
+        <a:font script="Syrc" typeface="Estrangelo Edessa"/>
+        <a:font script="Orya" typeface="Kalinga"/>
+        <a:font script="Mlym" typeface="Kartika"/>
+        <a:font script="Laoo" typeface="DokChampa"/>
+        <a:font script="Sinh" typeface="Iskoola Pota"/>
+        <a:font script="Mong" typeface="Mongolian Baiti"/>
+        <a:font script="Viet" typeface="Arial"/>
+        <a:font script="Uigh" typeface="Microsoft Uighur"/>
+        <a:font script="Geor" typeface="Sylfaen"/>
+        <a:font script="Armn" typeface="Arial"/>
+        <a:font script="Bugi" typeface="Leelawadee UI"/>
+        <a:font script="Bopo" typeface="Microsoft JhengHei"/>
+        <a:font script="Java" typeface="Javanese Text"/>
+        <a:font script="Lisu" typeface="Segoe UI"/>
+        <a:font script="Mymr" typeface="Myanmar Text"/>
+        <a:font script="Nkoo" typeface="Ebrima"/>
+        <a:font script="Olck" typeface="Nirmala UI"/>
+        <a:font script="Osma" typeface="Ebrima"/>
+        <a:font script="Phag" typeface="Phagspa"/>
+        <a:font script="Syrn" typeface="Estrangelo Edessa"/>
+        <a:font script="Syrj" typeface="Estrangelo Edessa"/>
+        <a:font script="Syre" typeface="Estrangelo Edessa"/>
+        <a:font script="Sora" typeface="Nirmala UI"/>
+        <a:font script="Tale" typeface="Microsoft Tai Le"/>
+        <a:font script="Talu" typeface="Microsoft New Tai Lue"/>
+        <a:font script="Tfng" typeface="Ebrima"/>
+      </a:minorFont>
+    </a:fontScheme>
+    <a:fmtScheme name="Office">
+      <a:fillStyleLst>
+        <a:solidFill>
+          <a:schemeClr val="phClr"/>
+        </a:solidFill>
+        <a:gradFill rotWithShape="1">
+          <a:gsLst>
+            <a:gs pos="0">
+              <a:schemeClr val="phClr">
+                <a:lumMod val="110000"/>
+                <a:satMod val="105000"/>
+                <a:tint val="67000"/>
+              </a:schemeClr>
+            </a:gs>
+            <a:gs pos="50000">
+              <a:schemeClr val="phClr">
+                <a:lumMod val="105000"/>
+                <a:satMod val="103000"/>
+                <a:tint val="73000"/>
+              </a:schemeClr>
+            </a:gs>
+            <a:gs pos="100000">
+              <a:schemeClr val="phClr">
+                <a:lumMod val="105000"/>
+                <a:satMod val="109000"/>
+                <a:tint val="81000"/>
+              </a:schemeClr>
+            </a:gs>
+          </a:gsLst>
+          <a:lin ang="5400000" scaled="0"/>
+        </a:gradFill>
+        <a:gradFill rotWithShape="1">
+          <a:gsLst>
+            <a:gs pos="0">
+              <a:schemeClr val="phClr">
+                <a:satMod val="103000"/>
+                <a:lumMod val="102000"/>
+                <a:tint val="94000"/>
+              </a:schemeClr>
+            </a:gs>
+            <a:gs pos="50000">
+              <a:schemeClr val="phClr">
+                <a:satMod val="110000"/>
+                <a:lumMod val="100000"/>
+                <a:shade val="100000"/>
+              </a:schemeClr>
+            </a:gs>
+            <a:gs pos="100000">
+              <a:schemeClr val="phClr">
+                <a:lumMod val="99000"/>
+                <a:satMod val="120000"/>
+                <a:shade val="78000"/>
+              </a:schemeClr>
+            </a:gs>
+          </a:gsLst>
+          <a:lin ang="5400000" scaled="0"/>
+        </a:gradFill>
+      </a:fillStyleLst>
+      <a:lnStyleLst>
+        <a:ln w="6350" cap="flat" cmpd="sng" algn="ctr">
+          <a:solidFill>
+            <a:schemeClr val="phClr"/>
+          </a:solidFill>
+          <a:prstDash val="solid"/>
+          <a:miter lim="800000"/>
+        </a:ln>
+        <a:ln w="12700" cap="flat" cmpd="sng" algn="ctr">
+          <a:solidFill>
+            <a:schemeClr val="phClr"/>
+          </a:solidFill>
+          <a:prstDash val="solid"/>
+          <a:miter lim="800000"/>
+        </a:ln>
+        <a:ln w="19050" cap="flat" cmpd="sng" algn="ctr">
+          <a:solidFill>
+            <a:schemeClr val="phClr"/>
+          </a:solidFill>
+          <a:prstDash val="solid"/>
+          <a:miter lim="800000"/>
+        </a:ln>
+      </a:lnStyleLst>
+      <a:effectStyleLst>
+        <a:effectStyle>
+          <a:effectLst/>
+        </a:effectStyle>
+        <a:effectStyle>
+          <a:effectLst/>
+        </a:effectStyle>
+        <a:effectStyle>
+          <a:effectLst>
+            <a:outerShdw blurRad="57150" dist="19050" dir="5400000" algn="ctr" rotWithShape="0">
+              <a:srgbClr val="000000">
+                <a:alpha val="63000"/>
+              </a:srgbClr>
+            </a:outerShdw>
+          </a:effectLst>
+        </a:effectStyle>
+      </a:effectStyleLst>
+      <a:bgFillStyleLst>
+        <a:solidFill>
+          <a:schemeClr val="phClr"/>
+        </a:solidFill>
+        <a:solidFill>
+          <a:schemeClr val="phClr">
+            <a:tint val="95000"/>
+            <a:satMod val="170000"/>
+          </a:schemeClr>
+        </a:solidFill>
+        <a:gradFill rotWithShape="1">
+          <a:gsLst>
+            <a:gs pos="0">
+              <a:schemeClr val="phClr">
+                <a:tint val="93000"/>
+                <a:satMod val="150000"/>
+                <a:shade val="98000"/>
+                <a:lumMod val="102000"/>
+              </a:schemeClr>
+            </a:gs>
+            <a:gs pos="50000">
+              <a:schemeClr val="phClr">
+                <a:tint val="98000"/>
+                <a:satMod val="130000"/>
+                <a:shade val="90000"/>
+                <a:lumMod val="103000"/>
+              </a:schemeClr>
+            </a:gs>
+            <a:gs pos="100000">
+              <a:schemeClr val="phClr">
+                <a:shade val="63000"/>
+                <a:satMod val="120000"/>
+              </a:schemeClr>
+            </a:gs>
+          </a:gsLst>
+          <a:lin ang="5400000" scaled="0"/>
+        </a:gradFill>
+      </a:bgFillStyleLst>
+    </a:fmtScheme>
+  </a:themeElements>
+  <a:objectDefaults/>
+  <a:extraClrSchemeLst/>
+  <a:extLst>
+    <a:ext uri="{05A4C25C-085E-4340-85A3-A5531E510DB2}">
+      <thm15:themeFamily xmlns:thm15="http://schemas.microsoft.com/office/thememl/2012/main" name="Office Theme" id="{62F939B6-93AF-4DB8-9C6B-D6C7DFDC589F}" vid="{4A3C46E8-61CC-4603-A589-7422A47A8E4A}"/>
+    </a:ext>
+  </a:extLst>
+</a:theme>
 </file>
--- a/PalMod2022/docs/ppt/7_esm_environment_and_machine_files.pptx
+++ b/PalMod2022/docs/ppt/7_esm_environment_and_machine_files.pptx
@@ -208,7 +208,7 @@
           <a:p>
             <a:fld id="{89077C54-82B8-654A-9CA2-0A589C401384}" type="datetimeFigureOut">
               <a:rPr lang="en-GB" smtClean="0"/>
-              <a:t>19/04/2022</a:t>
+              <a:t>20/04/2022</a:t>
             </a:fld>
             <a:endParaRPr lang="en-GB"/>
           </a:p>
@@ -694,7 +694,7 @@
           <a:p>
             <a:fld id="{6A96EA6E-A9F3-40C8-A047-16E35C64F658}" type="datetimeFigureOut">
               <a:rPr lang="tr-TR" smtClean="0"/>
-              <a:t>19.04.2022</a:t>
+              <a:t>20.04.2022</a:t>
             </a:fld>
             <a:endParaRPr lang="tr-TR"/>
           </a:p>
@@ -864,7 +864,7 @@
           <a:p>
             <a:fld id="{6A96EA6E-A9F3-40C8-A047-16E35C64F658}" type="datetimeFigureOut">
               <a:rPr lang="tr-TR" smtClean="0"/>
-              <a:t>19.04.2022</a:t>
+              <a:t>20.04.2022</a:t>
             </a:fld>
             <a:endParaRPr lang="tr-TR"/>
           </a:p>
@@ -1044,7 +1044,7 @@
           <a:p>
             <a:fld id="{6A96EA6E-A9F3-40C8-A047-16E35C64F658}" type="datetimeFigureOut">
               <a:rPr lang="tr-TR" smtClean="0"/>
-              <a:t>19.04.2022</a:t>
+              <a:t>20.04.2022</a:t>
             </a:fld>
             <a:endParaRPr lang="tr-TR"/>
           </a:p>
@@ -1214,7 +1214,7 @@
           <a:p>
             <a:fld id="{6A96EA6E-A9F3-40C8-A047-16E35C64F658}" type="datetimeFigureOut">
               <a:rPr lang="tr-TR" smtClean="0"/>
-              <a:t>19.04.2022</a:t>
+              <a:t>20.04.2022</a:t>
             </a:fld>
             <a:endParaRPr lang="tr-TR"/>
           </a:p>
@@ -1460,7 +1460,7 @@
           <a:p>
             <a:fld id="{6A96EA6E-A9F3-40C8-A047-16E35C64F658}" type="datetimeFigureOut">
               <a:rPr lang="tr-TR" smtClean="0"/>
-              <a:t>19.04.2022</a:t>
+              <a:t>20.04.2022</a:t>
             </a:fld>
             <a:endParaRPr lang="tr-TR"/>
           </a:p>
@@ -1692,7 +1692,7 @@
           <a:p>
             <a:fld id="{6A96EA6E-A9F3-40C8-A047-16E35C64F658}" type="datetimeFigureOut">
               <a:rPr lang="tr-TR" smtClean="0"/>
-              <a:t>19.04.2022</a:t>
+              <a:t>20.04.2022</a:t>
             </a:fld>
             <a:endParaRPr lang="tr-TR"/>
           </a:p>
@@ -2059,7 +2059,7 @@
           <a:p>
             <a:fld id="{6A96EA6E-A9F3-40C8-A047-16E35C64F658}" type="datetimeFigureOut">
               <a:rPr lang="tr-TR" smtClean="0"/>
-              <a:t>19.04.2022</a:t>
+              <a:t>20.04.2022</a:t>
             </a:fld>
             <a:endParaRPr lang="tr-TR"/>
           </a:p>
@@ -2177,7 +2177,7 @@
           <a:p>
             <a:fld id="{6A96EA6E-A9F3-40C8-A047-16E35C64F658}" type="datetimeFigureOut">
               <a:rPr lang="tr-TR" smtClean="0"/>
-              <a:t>19.04.2022</a:t>
+              <a:t>20.04.2022</a:t>
             </a:fld>
             <a:endParaRPr lang="tr-TR"/>
           </a:p>
@@ -2272,7 +2272,7 @@
           <a:p>
             <a:fld id="{6A96EA6E-A9F3-40C8-A047-16E35C64F658}" type="datetimeFigureOut">
               <a:rPr lang="tr-TR" smtClean="0"/>
-              <a:t>19.04.2022</a:t>
+              <a:t>20.04.2022</a:t>
             </a:fld>
             <a:endParaRPr lang="tr-TR"/>
           </a:p>
@@ -2549,7 +2549,7 @@
           <a:p>
             <a:fld id="{6A96EA6E-A9F3-40C8-A047-16E35C64F658}" type="datetimeFigureOut">
               <a:rPr lang="tr-TR" smtClean="0"/>
-              <a:t>19.04.2022</a:t>
+              <a:t>20.04.2022</a:t>
             </a:fld>
             <a:endParaRPr lang="tr-TR"/>
           </a:p>
@@ -2802,7 +2802,7 @@
           <a:p>
             <a:fld id="{6A96EA6E-A9F3-40C8-A047-16E35C64F658}" type="datetimeFigureOut">
               <a:rPr lang="tr-TR" smtClean="0"/>
-              <a:t>19.04.2022</a:t>
+              <a:t>20.04.2022</a:t>
             </a:fld>
             <a:endParaRPr lang="tr-TR"/>
           </a:p>
@@ -3015,7 +3015,7 @@
           <a:p>
             <a:fld id="{6A96EA6E-A9F3-40C8-A047-16E35C64F658}" type="datetimeFigureOut">
               <a:rPr lang="tr-TR" smtClean="0"/>
-              <a:t>19.04.2022</a:t>
+              <a:t>20.04.2022</a:t>
             </a:fld>
             <a:endParaRPr lang="tr-TR"/>
           </a:p>
@@ -5499,58 +5499,6 @@
       </p:sp>
       <p:sp>
         <p:nvSpPr>
-          <p:cNvPr id="15" name="Isosceles Triangle 6">
-            <a:extLst>
-              <a:ext uri="{FF2B5EF4-FFF2-40B4-BE49-F238E27FC236}">
-                <a16:creationId xmlns:a16="http://schemas.microsoft.com/office/drawing/2014/main" id="{9658ACC7-ED86-2019-853F-3B121838169A}"/>
-              </a:ext>
-            </a:extLst>
-          </p:cNvPr>
-          <p:cNvSpPr/>
-          <p:nvPr/>
-        </p:nvSpPr>
-        <p:spPr>
-          <a:xfrm rot="5400000">
-            <a:off x="348693" y="5347799"/>
-            <a:ext cx="457812" cy="394666"/>
-          </a:xfrm>
-          <a:prstGeom prst="triangle">
-            <a:avLst/>
-          </a:prstGeom>
-          <a:solidFill>
-            <a:srgbClr val="00ACE6"/>
-          </a:solidFill>
-          <a:ln>
-            <a:noFill/>
-          </a:ln>
-        </p:spPr>
-        <p:style>
-          <a:lnRef idx="2">
-            <a:schemeClr val="accent1">
-              <a:shade val="50000"/>
-            </a:schemeClr>
-          </a:lnRef>
-          <a:fillRef idx="1">
-            <a:schemeClr val="accent1"/>
-          </a:fillRef>
-          <a:effectRef idx="0">
-            <a:schemeClr val="accent1"/>
-          </a:effectRef>
-          <a:fontRef idx="minor">
-            <a:schemeClr val="lt1"/>
-          </a:fontRef>
-        </p:style>
-        <p:txBody>
-          <a:bodyPr rtlCol="0" anchor="ctr"/>
-          <a:lstStyle/>
-          <a:p>
-            <a:pPr algn="ctr"/>
-            <a:endParaRPr lang="tr-TR"/>
-          </a:p>
-        </p:txBody>
-      </p:sp>
-      <p:sp>
-        <p:nvSpPr>
           <p:cNvPr id="3" name="Rectangle 2">
             <a:extLst>
               <a:ext uri="{FF2B5EF4-FFF2-40B4-BE49-F238E27FC236}">
@@ -8727,7 +8675,7 @@
         <p:spPr>
           <a:xfrm>
             <a:off x="1061012" y="1462072"/>
-            <a:ext cx="10069975" cy="7294305"/>
+            <a:ext cx="10069975" cy="5447645"/>
           </a:xfrm>
           <a:prstGeom prst="rect">
             <a:avLst/>
@@ -8810,78 +8758,6 @@
               <a:buChar char="•"/>
             </a:pPr>
             <a:endParaRPr lang="en-US" sz="2400" dirty="0"/>
-          </a:p>
-          <a:p>
-            <a:pPr marL="342900" indent="-342900">
-              <a:buFont typeface="Arial" panose="020B0604020202020204" pitchFamily="34" charset="0"/>
-              <a:buChar char="•"/>
-            </a:pPr>
-            <a:r>
-              <a:rPr lang="en-US" sz="2400" dirty="0"/>
-              <a:t>being a </a:t>
-            </a:r>
-            <a:r>
-              <a:rPr lang="en-US" sz="2400" dirty="0">
-                <a:solidFill>
-                  <a:srgbClr val="ED7D31"/>
-                </a:solidFill>
-              </a:rPr>
-              <a:t>dictionary</a:t>
-            </a:r>
-            <a:r>
-              <a:rPr lang="en-US" sz="2400" dirty="0"/>
-              <a:t>, </a:t>
-            </a:r>
-            <a:r>
-              <a:rPr lang="en-US" sz="2400" dirty="0" err="1">
-                <a:solidFill>
-                  <a:srgbClr val="ED7D31"/>
-                </a:solidFill>
-              </a:rPr>
-              <a:t>export_vars</a:t>
-            </a:r>
-            <a:r>
-              <a:rPr lang="en-US" sz="2400" dirty="0"/>
-              <a:t> is not allowed to have repeated keys</a:t>
-            </a:r>
-          </a:p>
-          <a:p>
-            <a:pPr marL="342900" indent="-342900">
-              <a:buFont typeface="Arial" panose="020B0604020202020204" pitchFamily="34" charset="0"/>
-              <a:buChar char="•"/>
-            </a:pPr>
-            <a:r>
-              <a:rPr lang="en-US" sz="2400" dirty="0"/>
-              <a:t>could be a problem when environments are required to redefine a variable at different points of the script or from different </a:t>
-            </a:r>
-            <a:r>
-              <a:rPr lang="en-US" sz="2400" dirty="0" err="1"/>
-              <a:t>yamls</a:t>
-            </a:r>
-            <a:endParaRPr lang="en-US" sz="2400" dirty="0"/>
-          </a:p>
-          <a:p>
-            <a:pPr marL="342900" indent="-342900">
-              <a:buFont typeface="Arial" panose="020B0604020202020204" pitchFamily="34" charset="0"/>
-              <a:buChar char="•"/>
-            </a:pPr>
-            <a:r>
-              <a:rPr lang="en-US" sz="2400" dirty="0"/>
-              <a:t>to overcome this limitation, repetitions of the same variable are allowed if the key is followed by an integer contained inside </a:t>
-            </a:r>
-            <a:r>
-              <a:rPr lang="en-US" sz="2400" dirty="0">
-                <a:solidFill>
-                  <a:srgbClr val="ED7D31"/>
-                </a:solidFill>
-              </a:rPr>
-              <a:t>[(int)]</a:t>
-            </a:r>
-            <a:r>
-              <a:rPr lang="en-US" sz="2400" dirty="0"/>
-              <a:t>:</a:t>
-            </a:r>
-            <a:endParaRPr lang="en-GB" sz="2400" dirty="0"/>
           </a:p>
           <a:p>
             <a:endParaRPr lang="en-GB" sz="2400" dirty="0"/>
